--- a/credit_card_fraud_detection.pptx
+++ b/credit_card_fraud_detection.pptx
@@ -10,10 +10,10 @@
     <p:sldId id="258" r:id="rId4"/>
     <p:sldId id="276" r:id="rId5"/>
     <p:sldId id="275" r:id="rId6"/>
-    <p:sldId id="261" r:id="rId7"/>
-    <p:sldId id="264" r:id="rId8"/>
-    <p:sldId id="265" r:id="rId9"/>
-    <p:sldId id="260" r:id="rId10"/>
+    <p:sldId id="277" r:id="rId7"/>
+    <p:sldId id="261" r:id="rId8"/>
+    <p:sldId id="264" r:id="rId9"/>
+    <p:sldId id="265" r:id="rId10"/>
     <p:sldId id="263" r:id="rId11"/>
     <p:sldId id="274" r:id="rId12"/>
     <p:sldId id="272" r:id="rId13"/>
@@ -259,7 +259,7 @@
           <a:p>
             <a:fld id="{CAE9F6C3-EA2D-427E-8985-49F81F4BB754}" type="datetimeFigureOut">
               <a:rPr lang="it-IT" smtClean="0"/>
-              <a:t>11/10/2023</a:t>
+              <a:t>20/10/2023</a:t>
             </a:fld>
             <a:endParaRPr lang="it-IT"/>
           </a:p>
@@ -429,7 +429,7 @@
           <a:p>
             <a:fld id="{CAE9F6C3-EA2D-427E-8985-49F81F4BB754}" type="datetimeFigureOut">
               <a:rPr lang="it-IT" smtClean="0"/>
-              <a:t>11/10/2023</a:t>
+              <a:t>20/10/2023</a:t>
             </a:fld>
             <a:endParaRPr lang="it-IT"/>
           </a:p>
@@ -609,7 +609,7 @@
           <a:p>
             <a:fld id="{CAE9F6C3-EA2D-427E-8985-49F81F4BB754}" type="datetimeFigureOut">
               <a:rPr lang="it-IT" smtClean="0"/>
-              <a:t>11/10/2023</a:t>
+              <a:t>20/10/2023</a:t>
             </a:fld>
             <a:endParaRPr lang="it-IT"/>
           </a:p>
@@ -779,7 +779,7 @@
           <a:p>
             <a:fld id="{CAE9F6C3-EA2D-427E-8985-49F81F4BB754}" type="datetimeFigureOut">
               <a:rPr lang="it-IT" smtClean="0"/>
-              <a:t>11/10/2023</a:t>
+              <a:t>20/10/2023</a:t>
             </a:fld>
             <a:endParaRPr lang="it-IT"/>
           </a:p>
@@ -1025,7 +1025,7 @@
           <a:p>
             <a:fld id="{CAE9F6C3-EA2D-427E-8985-49F81F4BB754}" type="datetimeFigureOut">
               <a:rPr lang="it-IT" smtClean="0"/>
-              <a:t>11/10/2023</a:t>
+              <a:t>20/10/2023</a:t>
             </a:fld>
             <a:endParaRPr lang="it-IT"/>
           </a:p>
@@ -1257,7 +1257,7 @@
           <a:p>
             <a:fld id="{CAE9F6C3-EA2D-427E-8985-49F81F4BB754}" type="datetimeFigureOut">
               <a:rPr lang="it-IT" smtClean="0"/>
-              <a:t>11/10/2023</a:t>
+              <a:t>20/10/2023</a:t>
             </a:fld>
             <a:endParaRPr lang="it-IT"/>
           </a:p>
@@ -1624,7 +1624,7 @@
           <a:p>
             <a:fld id="{CAE9F6C3-EA2D-427E-8985-49F81F4BB754}" type="datetimeFigureOut">
               <a:rPr lang="it-IT" smtClean="0"/>
-              <a:t>11/10/2023</a:t>
+              <a:t>20/10/2023</a:t>
             </a:fld>
             <a:endParaRPr lang="it-IT"/>
           </a:p>
@@ -1742,7 +1742,7 @@
           <a:p>
             <a:fld id="{CAE9F6C3-EA2D-427E-8985-49F81F4BB754}" type="datetimeFigureOut">
               <a:rPr lang="it-IT" smtClean="0"/>
-              <a:t>11/10/2023</a:t>
+              <a:t>20/10/2023</a:t>
             </a:fld>
             <a:endParaRPr lang="it-IT"/>
           </a:p>
@@ -1837,7 +1837,7 @@
           <a:p>
             <a:fld id="{CAE9F6C3-EA2D-427E-8985-49F81F4BB754}" type="datetimeFigureOut">
               <a:rPr lang="it-IT" smtClean="0"/>
-              <a:t>11/10/2023</a:t>
+              <a:t>20/10/2023</a:t>
             </a:fld>
             <a:endParaRPr lang="it-IT"/>
           </a:p>
@@ -2114,7 +2114,7 @@
           <a:p>
             <a:fld id="{CAE9F6C3-EA2D-427E-8985-49F81F4BB754}" type="datetimeFigureOut">
               <a:rPr lang="it-IT" smtClean="0"/>
-              <a:t>11/10/2023</a:t>
+              <a:t>20/10/2023</a:t>
             </a:fld>
             <a:endParaRPr lang="it-IT"/>
           </a:p>
@@ -2367,7 +2367,7 @@
           <a:p>
             <a:fld id="{CAE9F6C3-EA2D-427E-8985-49F81F4BB754}" type="datetimeFigureOut">
               <a:rPr lang="it-IT" smtClean="0"/>
-              <a:t>11/10/2023</a:t>
+              <a:t>20/10/2023</a:t>
             </a:fld>
             <a:endParaRPr lang="it-IT"/>
           </a:p>
@@ -2580,7 +2580,7 @@
           <a:p>
             <a:fld id="{CAE9F6C3-EA2D-427E-8985-49F81F4BB754}" type="datetimeFigureOut">
               <a:rPr lang="it-IT" smtClean="0"/>
-              <a:t>11/10/2023</a:t>
+              <a:t>20/10/2023</a:t>
             </a:fld>
             <a:endParaRPr lang="it-IT"/>
           </a:p>
@@ -4280,7 +4280,63 @@
                 <a:latin typeface="Arial" panose="020B0604020202020204" pitchFamily="34" charset="0"/>
                 <a:cs typeface="Arial" panose="020B0604020202020204" pitchFamily="34" charset="0"/>
               </a:rPr>
-              <a:t> impact.</a:t>
+              <a:t> impact (</a:t>
+            </a:r>
+            <a:r>
+              <a:rPr lang="it-IT" sz="1400" dirty="0" err="1" smtClean="0">
+                <a:latin typeface="Arial" panose="020B0604020202020204" pitchFamily="34" charset="0"/>
+                <a:cs typeface="Arial" panose="020B0604020202020204" pitchFamily="34" charset="0"/>
+              </a:rPr>
+              <a:t>except</a:t>
+            </a:r>
+            <a:r>
+              <a:rPr lang="it-IT" sz="1400" dirty="0" smtClean="0">
+                <a:latin typeface="Arial" panose="020B0604020202020204" pitchFamily="34" charset="0"/>
+                <a:cs typeface="Arial" panose="020B0604020202020204" pitchFamily="34" charset="0"/>
+              </a:rPr>
+              <a:t> for a small </a:t>
+            </a:r>
+            <a:r>
+              <a:rPr lang="it-IT" sz="1400" dirty="0" err="1" smtClean="0">
+                <a:latin typeface="Arial" panose="020B0604020202020204" pitchFamily="34" charset="0"/>
+                <a:cs typeface="Arial" panose="020B0604020202020204" pitchFamily="34" charset="0"/>
+              </a:rPr>
+              <a:t>range</a:t>
+            </a:r>
+            <a:r>
+              <a:rPr lang="it-IT" sz="1400" dirty="0" smtClean="0">
+                <a:latin typeface="Arial" panose="020B0604020202020204" pitchFamily="34" charset="0"/>
+                <a:cs typeface="Arial" panose="020B0604020202020204" pitchFamily="34" charset="0"/>
+              </a:rPr>
+              <a:t> of </a:t>
+            </a:r>
+            <a:r>
+              <a:rPr lang="it-IT" sz="1400" dirty="0" err="1" smtClean="0">
+                <a:latin typeface="Arial" panose="020B0604020202020204" pitchFamily="34" charset="0"/>
+                <a:cs typeface="Arial" panose="020B0604020202020204" pitchFamily="34" charset="0"/>
+              </a:rPr>
+              <a:t>values</a:t>
+            </a:r>
+            <a:r>
+              <a:rPr lang="it-IT" sz="1400" dirty="0" smtClean="0">
+                <a:latin typeface="Arial" panose="020B0604020202020204" pitchFamily="34" charset="0"/>
+                <a:cs typeface="Arial" panose="020B0604020202020204" pitchFamily="34" charset="0"/>
+              </a:rPr>
+              <a:t> </a:t>
+            </a:r>
+            <a:r>
+              <a:rPr lang="it-IT" sz="1400" dirty="0" err="1" smtClean="0">
+                <a:latin typeface="Arial" panose="020B0604020202020204" pitchFamily="34" charset="0"/>
+                <a:cs typeface="Arial" panose="020B0604020202020204" pitchFamily="34" charset="0"/>
+              </a:rPr>
+              <a:t>between</a:t>
+            </a:r>
+            <a:r>
+              <a:rPr lang="it-IT" sz="1400" dirty="0" smtClean="0">
+                <a:latin typeface="Arial" panose="020B0604020202020204" pitchFamily="34" charset="0"/>
+                <a:cs typeface="Arial" panose="020B0604020202020204" pitchFamily="34" charset="0"/>
+              </a:rPr>
+              <a:t> 0 and 1).</a:t>
             </a:r>
           </a:p>
           <a:p>
@@ -5096,21 +5152,7 @@
                 <a:latin typeface="Arial" panose="020B0604020202020204" pitchFamily="34" charset="0"/>
                 <a:cs typeface="Arial" panose="020B0604020202020204" pitchFamily="34" charset="0"/>
               </a:rPr>
-              <a:t> ~</a:t>
-            </a:r>
-            <a:r>
-              <a:rPr lang="it-IT" sz="1400" dirty="0" smtClean="0">
-                <a:latin typeface="Arial" panose="020B0604020202020204" pitchFamily="34" charset="0"/>
-                <a:cs typeface="Arial" panose="020B0604020202020204" pitchFamily="34" charset="0"/>
-              </a:rPr>
-              <a:t>350 </a:t>
-            </a:r>
-            <a:r>
-              <a:rPr lang="it-IT" sz="1400" dirty="0" smtClean="0">
-                <a:latin typeface="Arial" panose="020B0604020202020204" pitchFamily="34" charset="0"/>
-                <a:cs typeface="Arial" panose="020B0604020202020204" pitchFamily="34" charset="0"/>
-              </a:rPr>
-              <a:t>to ~500 </a:t>
+              <a:t> ~350 to ~500 </a:t>
             </a:r>
             <a:r>
               <a:rPr lang="it-IT" sz="1400" dirty="0" err="1" smtClean="0">
@@ -5717,8 +5759,8 @@
         </p:nvSpPr>
         <p:spPr>
           <a:xfrm>
-            <a:off x="656235" y="4214404"/>
-            <a:ext cx="10935272" cy="2308324"/>
+            <a:off x="656235" y="4157254"/>
+            <a:ext cx="10935272" cy="2585323"/>
           </a:xfrm>
           <a:prstGeom prst="rect">
             <a:avLst/>
@@ -5750,20 +5792,6 @@
                 <a:latin typeface="Arial" panose="020B0604020202020204" pitchFamily="34" charset="0"/>
                 <a:cs typeface="Arial" panose="020B0604020202020204" pitchFamily="34" charset="0"/>
               </a:rPr>
-              <a:t>randomly</a:t>
-            </a:r>
-            <a:r>
-              <a:rPr lang="it-IT" dirty="0" smtClean="0">
-                <a:latin typeface="Arial" panose="020B0604020202020204" pitchFamily="34" charset="0"/>
-                <a:cs typeface="Arial" panose="020B0604020202020204" pitchFamily="34" charset="0"/>
-              </a:rPr>
-              <a:t> </a:t>
-            </a:r>
-            <a:r>
-              <a:rPr lang="it-IT" dirty="0" err="1" smtClean="0">
-                <a:latin typeface="Arial" panose="020B0604020202020204" pitchFamily="34" charset="0"/>
-                <a:cs typeface="Arial" panose="020B0604020202020204" pitchFamily="34" charset="0"/>
-              </a:rPr>
               <a:t>choose</a:t>
             </a:r>
             <a:r>
@@ -5799,7 +5827,84 @@
                 <a:latin typeface="Arial" panose="020B0604020202020204" pitchFamily="34" charset="0"/>
                 <a:cs typeface="Arial" panose="020B0604020202020204" pitchFamily="34" charset="0"/>
               </a:rPr>
-              <a:t> (8, 64) in </a:t>
+              <a:t> (8, </a:t>
+            </a:r>
+            <a:r>
+              <a:rPr lang="it-IT" dirty="0" smtClean="0">
+                <a:latin typeface="Arial" panose="020B0604020202020204" pitchFamily="34" charset="0"/>
+                <a:cs typeface="Arial" panose="020B0604020202020204" pitchFamily="34" charset="0"/>
+              </a:rPr>
+              <a:t>11) of </a:t>
+            </a:r>
+            <a:r>
+              <a:rPr lang="it-IT" dirty="0" err="1" smtClean="0">
+                <a:latin typeface="Arial" panose="020B0604020202020204" pitchFamily="34" charset="0"/>
+                <a:cs typeface="Arial" panose="020B0604020202020204" pitchFamily="34" charset="0"/>
+              </a:rPr>
+              <a:t>different</a:t>
+            </a:r>
+            <a:r>
+              <a:rPr lang="it-IT" dirty="0" smtClean="0">
+                <a:latin typeface="Arial" panose="020B0604020202020204" pitchFamily="34" charset="0"/>
+                <a:cs typeface="Arial" panose="020B0604020202020204" pitchFamily="34" charset="0"/>
+              </a:rPr>
+              <a:t> </a:t>
+            </a:r>
+            <a:r>
+              <a:rPr lang="it-IT" dirty="0" err="1" smtClean="0">
+                <a:latin typeface="Arial" panose="020B0604020202020204" pitchFamily="34" charset="0"/>
+                <a:cs typeface="Arial" panose="020B0604020202020204" pitchFamily="34" charset="0"/>
+              </a:rPr>
+              <a:t>cases</a:t>
+            </a:r>
+            <a:r>
+              <a:rPr lang="it-IT" dirty="0" smtClean="0">
+                <a:latin typeface="Arial" panose="020B0604020202020204" pitchFamily="34" charset="0"/>
+                <a:cs typeface="Arial" panose="020B0604020202020204" pitchFamily="34" charset="0"/>
+              </a:rPr>
+              <a:t> (</a:t>
+            </a:r>
+            <a:r>
+              <a:rPr lang="it-IT" dirty="0" err="1" smtClean="0">
+                <a:latin typeface="Arial" panose="020B0604020202020204" pitchFamily="34" charset="0"/>
+                <a:cs typeface="Arial" panose="020B0604020202020204" pitchFamily="34" charset="0"/>
+              </a:rPr>
+              <a:t>is</a:t>
+            </a:r>
+            <a:r>
+              <a:rPr lang="it-IT" dirty="0" err="1" smtClean="0">
+                <a:latin typeface="Arial" panose="020B0604020202020204" pitchFamily="34" charset="0"/>
+                <a:cs typeface="Arial" panose="020B0604020202020204" pitchFamily="34" charset="0"/>
+              </a:rPr>
+              <a:t>_not_fraud</a:t>
+            </a:r>
+            <a:r>
+              <a:rPr lang="it-IT" dirty="0" smtClean="0">
+                <a:latin typeface="Arial" panose="020B0604020202020204" pitchFamily="34" charset="0"/>
+                <a:cs typeface="Arial" panose="020B0604020202020204" pitchFamily="34" charset="0"/>
+              </a:rPr>
+              <a:t>, </a:t>
+            </a:r>
+            <a:r>
+              <a:rPr lang="it-IT" dirty="0" err="1" smtClean="0">
+                <a:latin typeface="Arial" panose="020B0604020202020204" pitchFamily="34" charset="0"/>
+                <a:cs typeface="Arial" panose="020B0604020202020204" pitchFamily="34" charset="0"/>
+              </a:rPr>
+              <a:t>is_fraud</a:t>
+            </a:r>
+            <a:r>
+              <a:rPr lang="it-IT" dirty="0" smtClean="0">
+                <a:latin typeface="Arial" panose="020B0604020202020204" pitchFamily="34" charset="0"/>
+                <a:cs typeface="Arial" panose="020B0604020202020204" pitchFamily="34" charset="0"/>
+              </a:rPr>
+              <a:t>) </a:t>
+            </a:r>
+            <a:r>
+              <a:rPr lang="it-IT" dirty="0" smtClean="0">
+                <a:latin typeface="Arial" panose="020B0604020202020204" pitchFamily="34" charset="0"/>
+                <a:cs typeface="Arial" panose="020B0604020202020204" pitchFamily="34" charset="0"/>
+              </a:rPr>
+              <a:t>in </a:t>
             </a:r>
             <a:r>
               <a:rPr lang="it-IT" dirty="0" err="1" smtClean="0">
@@ -6281,28 +6386,7 @@
                 <a:latin typeface="Arial" panose="020B0604020202020204" pitchFamily="34" charset="0"/>
                 <a:cs typeface="Arial" panose="020B0604020202020204" pitchFamily="34" charset="0"/>
               </a:rPr>
-              <a:t> </a:t>
-            </a:r>
-            <a:r>
-              <a:rPr lang="it-IT" dirty="0" smtClean="0">
-                <a:latin typeface="Arial" panose="020B0604020202020204" pitchFamily="34" charset="0"/>
-                <a:cs typeface="Arial" panose="020B0604020202020204" pitchFamily="34" charset="0"/>
-              </a:rPr>
-              <a:t>to</a:t>
-            </a:r>
-            <a:r>
-              <a:rPr lang="it-IT" dirty="0" smtClean="0">
-                <a:latin typeface="Arial" panose="020B0604020202020204" pitchFamily="34" charset="0"/>
-                <a:cs typeface="Arial" panose="020B0604020202020204" pitchFamily="34" charset="0"/>
-              </a:rPr>
-              <a:t> </a:t>
-            </a:r>
-            <a:r>
-              <a:rPr lang="it-IT" dirty="0" smtClean="0">
-                <a:latin typeface="Arial" panose="020B0604020202020204" pitchFamily="34" charset="0"/>
-                <a:cs typeface="Arial" panose="020B0604020202020204" pitchFamily="34" charset="0"/>
-              </a:rPr>
-              <a:t>the </a:t>
+              <a:t> to the </a:t>
             </a:r>
             <a:r>
               <a:rPr lang="it-IT" dirty="0" err="1" smtClean="0">
@@ -6550,7 +6634,7 @@
                 </a:solidFill>
                 <a:latin typeface="Consolas" panose="020B0609020204030204" pitchFamily="49" charset="0"/>
               </a:rPr>
-              <a:t>64</a:t>
+              <a:t>11</a:t>
             </a:r>
             <a:endParaRPr lang="it-IT" sz="1600" b="1" dirty="0">
               <a:solidFill>
@@ -6570,7 +6654,7 @@
         <p:spPr>
           <a:xfrm>
             <a:off x="523168" y="3912959"/>
-            <a:ext cx="10669088" cy="1200329"/>
+            <a:ext cx="10669088" cy="923330"/>
           </a:xfrm>
           <a:prstGeom prst="rect">
             <a:avLst/>
@@ -6602,7 +6686,14 @@
                 <a:latin typeface="Arial" panose="020B0604020202020204" pitchFamily="34" charset="0"/>
                 <a:cs typeface="Arial" panose="020B0604020202020204" pitchFamily="34" charset="0"/>
               </a:rPr>
-              <a:t> case </a:t>
+              <a:t> </a:t>
+            </a:r>
+            <a:r>
+              <a:rPr lang="it-IT" dirty="0" smtClean="0">
+                <a:latin typeface="Arial" panose="020B0604020202020204" pitchFamily="34" charset="0"/>
+                <a:cs typeface="Arial" panose="020B0604020202020204" pitchFamily="34" charset="0"/>
+              </a:rPr>
+              <a:t>case, </a:t>
             </a:r>
             <a:r>
               <a:rPr lang="it-IT" dirty="0" err="1" smtClean="0">
@@ -6644,14 +6735,7 @@
                 <a:latin typeface="Arial" panose="020B0604020202020204" pitchFamily="34" charset="0"/>
                 <a:cs typeface="Arial" panose="020B0604020202020204" pitchFamily="34" charset="0"/>
               </a:rPr>
-              <a:t> </a:t>
-            </a:r>
-            <a:r>
-              <a:rPr lang="it-IT" dirty="0" smtClean="0">
-                <a:latin typeface="Arial" panose="020B0604020202020204" pitchFamily="34" charset="0"/>
-                <a:cs typeface="Arial" panose="020B0604020202020204" pitchFamily="34" charset="0"/>
-              </a:rPr>
-              <a:t>‘</a:t>
+              <a:t> ‘</a:t>
             </a:r>
             <a:r>
               <a:rPr lang="it-IT" dirty="0" err="1" smtClean="0">
@@ -6665,56 +6749,14 @@
                 <a:latin typeface="Arial" panose="020B0604020202020204" pitchFamily="34" charset="0"/>
                 <a:cs typeface="Arial" panose="020B0604020202020204" pitchFamily="34" charset="0"/>
               </a:rPr>
-              <a:t>’, ‘</a:t>
-            </a:r>
-            <a:r>
-              <a:rPr lang="it-IT" dirty="0" err="1" smtClean="0">
-                <a:latin typeface="Arial" panose="020B0604020202020204" pitchFamily="34" charset="0"/>
-                <a:cs typeface="Arial" panose="020B0604020202020204" pitchFamily="34" charset="0"/>
-              </a:rPr>
-              <a:t>city_encoded</a:t>
-            </a:r>
-            <a:r>
-              <a:rPr lang="it-IT" dirty="0" smtClean="0">
-                <a:latin typeface="Arial" panose="020B0604020202020204" pitchFamily="34" charset="0"/>
-                <a:cs typeface="Arial" panose="020B0604020202020204" pitchFamily="34" charset="0"/>
-              </a:rPr>
               <a:t>’ </a:t>
             </a:r>
             <a:r>
-              <a:rPr lang="it-IT" dirty="0" smtClean="0">
-                <a:latin typeface="Arial" panose="020B0604020202020204" pitchFamily="34" charset="0"/>
-                <a:cs typeface="Arial" panose="020B0604020202020204" pitchFamily="34" charset="0"/>
-              </a:rPr>
-              <a:t>and </a:t>
-            </a:r>
-            <a:r>
-              <a:rPr lang="it-IT" dirty="0" smtClean="0">
-                <a:latin typeface="Arial" panose="020B0604020202020204" pitchFamily="34" charset="0"/>
-                <a:cs typeface="Arial" panose="020B0604020202020204" pitchFamily="34" charset="0"/>
-              </a:rPr>
-              <a:t>‘</a:t>
-            </a:r>
-            <a:r>
-              <a:rPr lang="it-IT" dirty="0" err="1" smtClean="0">
-                <a:latin typeface="Arial" panose="020B0604020202020204" pitchFamily="34" charset="0"/>
-                <a:cs typeface="Arial" panose="020B0604020202020204" pitchFamily="34" charset="0"/>
-              </a:rPr>
-              <a:t>merch_long</a:t>
-            </a:r>
-            <a:r>
-              <a:rPr lang="it-IT" dirty="0" smtClean="0">
-                <a:latin typeface="Arial" panose="020B0604020202020204" pitchFamily="34" charset="0"/>
-                <a:cs typeface="Arial" panose="020B0604020202020204" pitchFamily="34" charset="0"/>
-              </a:rPr>
-              <a:t>’ </a:t>
-            </a:r>
-            <a:r>
-              <a:rPr lang="it-IT" dirty="0" err="1" smtClean="0">
-                <a:latin typeface="Arial" panose="020B0604020202020204" pitchFamily="34" charset="0"/>
-                <a:cs typeface="Arial" panose="020B0604020202020204" pitchFamily="34" charset="0"/>
-              </a:rPr>
-              <a:t>features</a:t>
+              <a:rPr lang="it-IT" dirty="0" err="1" smtClean="0">
+                <a:latin typeface="Arial" panose="020B0604020202020204" pitchFamily="34" charset="0"/>
+                <a:cs typeface="Arial" panose="020B0604020202020204" pitchFamily="34" charset="0"/>
+              </a:rPr>
+              <a:t>feature</a:t>
             </a:r>
             <a:r>
               <a:rPr lang="it-IT" dirty="0" smtClean="0">
@@ -6795,39 +6837,25 @@
               <a:t>The top </a:t>
             </a:r>
             <a:r>
-              <a:rPr lang="it-IT" dirty="0" err="1" smtClean="0">
-                <a:latin typeface="Arial" panose="020B0604020202020204" pitchFamily="34" charset="0"/>
-                <a:cs typeface="Arial" panose="020B0604020202020204" pitchFamily="34" charset="0"/>
-              </a:rPr>
-              <a:t>two</a:t>
-            </a:r>
-            <a:r>
-              <a:rPr lang="it-IT" dirty="0" smtClean="0">
-                <a:latin typeface="Arial" panose="020B0604020202020204" pitchFamily="34" charset="0"/>
-                <a:cs typeface="Arial" panose="020B0604020202020204" pitchFamily="34" charset="0"/>
-              </a:rPr>
-              <a:t> </a:t>
-            </a:r>
-            <a:r>
-              <a:rPr lang="it-IT" dirty="0" err="1" smtClean="0">
-                <a:latin typeface="Arial" panose="020B0604020202020204" pitchFamily="34" charset="0"/>
-                <a:cs typeface="Arial" panose="020B0604020202020204" pitchFamily="34" charset="0"/>
-              </a:rPr>
-              <a:t>contributors</a:t>
-            </a:r>
-            <a:r>
-              <a:rPr lang="it-IT" dirty="0" smtClean="0">
-                <a:latin typeface="Arial" panose="020B0604020202020204" pitchFamily="34" charset="0"/>
-                <a:cs typeface="Arial" panose="020B0604020202020204" pitchFamily="34" charset="0"/>
-              </a:rPr>
-              <a:t> are </a:t>
-            </a:r>
-            <a:r>
-              <a:rPr lang="it-IT" dirty="0" smtClean="0">
-                <a:latin typeface="Arial" panose="020B0604020202020204" pitchFamily="34" charset="0"/>
-                <a:cs typeface="Arial" panose="020B0604020202020204" pitchFamily="34" charset="0"/>
-              </a:rPr>
-              <a:t>‘</a:t>
+              <a:rPr lang="it-IT" dirty="0" smtClean="0">
+                <a:latin typeface="Arial" panose="020B0604020202020204" pitchFamily="34" charset="0"/>
+                <a:cs typeface="Arial" panose="020B0604020202020204" pitchFamily="34" charset="0"/>
+              </a:rPr>
+              <a:t>contributor </a:t>
+            </a:r>
+            <a:r>
+              <a:rPr lang="it-IT" dirty="0" err="1" smtClean="0">
+                <a:latin typeface="Arial" panose="020B0604020202020204" pitchFamily="34" charset="0"/>
+                <a:cs typeface="Arial" panose="020B0604020202020204" pitchFamily="34" charset="0"/>
+              </a:rPr>
+              <a:t>is</a:t>
+            </a:r>
+            <a:r>
+              <a:rPr lang="it-IT" dirty="0" smtClean="0">
+                <a:latin typeface="Arial" panose="020B0604020202020204" pitchFamily="34" charset="0"/>
+                <a:cs typeface="Arial" panose="020B0604020202020204" pitchFamily="34" charset="0"/>
+              </a:rPr>
+              <a:t> ‘</a:t>
             </a:r>
             <a:r>
               <a:rPr lang="it-IT" dirty="0" err="1" smtClean="0">
@@ -6844,39 +6872,11 @@
               <a:t>’ </a:t>
             </a:r>
             <a:r>
-              <a:rPr lang="it-IT" dirty="0" smtClean="0">
-                <a:latin typeface="Arial" panose="020B0604020202020204" pitchFamily="34" charset="0"/>
-                <a:cs typeface="Arial" panose="020B0604020202020204" pitchFamily="34" charset="0"/>
-              </a:rPr>
-              <a:t>and </a:t>
-            </a:r>
-            <a:r>
-              <a:rPr lang="it-IT" dirty="0" smtClean="0">
-                <a:latin typeface="Arial" panose="020B0604020202020204" pitchFamily="34" charset="0"/>
-                <a:cs typeface="Arial" panose="020B0604020202020204" pitchFamily="34" charset="0"/>
-              </a:rPr>
-              <a:t>‘</a:t>
-            </a:r>
-            <a:r>
-              <a:rPr lang="it-IT" dirty="0" err="1" smtClean="0">
-                <a:latin typeface="Arial" panose="020B0604020202020204" pitchFamily="34" charset="0"/>
-                <a:cs typeface="Arial" panose="020B0604020202020204" pitchFamily="34" charset="0"/>
-              </a:rPr>
-              <a:t>city_encoded</a:t>
-            </a:r>
-            <a:r>
-              <a:rPr lang="it-IT" dirty="0" smtClean="0">
-                <a:latin typeface="Arial" panose="020B0604020202020204" pitchFamily="34" charset="0"/>
-                <a:cs typeface="Arial" panose="020B0604020202020204" pitchFamily="34" charset="0"/>
-              </a:rPr>
-              <a:t>’ </a:t>
-            </a:r>
-            <a:r>
-              <a:rPr lang="it-IT" dirty="0" err="1" smtClean="0">
-                <a:latin typeface="Arial" panose="020B0604020202020204" pitchFamily="34" charset="0"/>
-                <a:cs typeface="Arial" panose="020B0604020202020204" pitchFamily="34" charset="0"/>
-              </a:rPr>
-              <a:t>features</a:t>
+              <a:rPr lang="it-IT" dirty="0" err="1" smtClean="0">
+                <a:latin typeface="Arial" panose="020B0604020202020204" pitchFamily="34" charset="0"/>
+                <a:cs typeface="Arial" panose="020B0604020202020204" pitchFamily="34" charset="0"/>
+              </a:rPr>
+              <a:t>feature</a:t>
             </a:r>
             <a:r>
               <a:rPr lang="it-IT" dirty="0" smtClean="0">
@@ -6894,7 +6894,7 @@
       </p:sp>
       <p:pic>
         <p:nvPicPr>
-          <p:cNvPr id="10" name="Immagine 9"/>
+          <p:cNvPr id="3" name="Immagine 2"/>
           <p:cNvPicPr>
             <a:picLocks noChangeAspect="1"/>
           </p:cNvPicPr>
@@ -6914,8 +6914,8 @@
         </p:blipFill>
         <p:spPr>
           <a:xfrm>
-            <a:off x="1377364" y="2314697"/>
-            <a:ext cx="8960695" cy="1067318"/>
+            <a:off x="798231" y="2294288"/>
+            <a:ext cx="10118962" cy="1089319"/>
           </a:xfrm>
           <a:prstGeom prst="rect">
             <a:avLst/>
@@ -8543,7 +8543,7 @@
                 </a:solidFill>
                 <a:latin typeface="Consolas" panose="020B0609020204030204" pitchFamily="49" charset="0"/>
               </a:rPr>
-              <a:t>64</a:t>
+              <a:t>11</a:t>
             </a:r>
             <a:endParaRPr lang="it-IT" sz="1600" b="1" dirty="0">
               <a:solidFill>
@@ -8563,7 +8563,7 @@
         <p:spPr>
           <a:xfrm>
             <a:off x="333025" y="2614554"/>
-            <a:ext cx="7027578" cy="1200329"/>
+            <a:ext cx="7027578" cy="923330"/>
           </a:xfrm>
           <a:prstGeom prst="rect">
             <a:avLst/>
@@ -8672,76 +8672,6 @@
                 <a:latin typeface="Arial" panose="020B0604020202020204" pitchFamily="34" charset="0"/>
                 <a:cs typeface="Arial" panose="020B0604020202020204" pitchFamily="34" charset="0"/>
               </a:rPr>
-              <a:t>while</a:t>
-            </a:r>
-            <a:r>
-              <a:rPr lang="it-IT" dirty="0" smtClean="0">
-                <a:latin typeface="Arial" panose="020B0604020202020204" pitchFamily="34" charset="0"/>
-                <a:cs typeface="Arial" panose="020B0604020202020204" pitchFamily="34" charset="0"/>
-              </a:rPr>
-              <a:t> ‘</a:t>
-            </a:r>
-            <a:r>
-              <a:rPr lang="it-IT" dirty="0" err="1" smtClean="0">
-                <a:latin typeface="Arial" panose="020B0604020202020204" pitchFamily="34" charset="0"/>
-                <a:cs typeface="Arial" panose="020B0604020202020204" pitchFamily="34" charset="0"/>
-              </a:rPr>
-              <a:t>category_encoded</a:t>
-            </a:r>
-            <a:r>
-              <a:rPr lang="it-IT" dirty="0" smtClean="0">
-                <a:latin typeface="Arial" panose="020B0604020202020204" pitchFamily="34" charset="0"/>
-                <a:cs typeface="Arial" panose="020B0604020202020204" pitchFamily="34" charset="0"/>
-              </a:rPr>
-              <a:t>’, ‘</a:t>
-            </a:r>
-            <a:r>
-              <a:rPr lang="it-IT" dirty="0" err="1" smtClean="0">
-                <a:latin typeface="Arial" panose="020B0604020202020204" pitchFamily="34" charset="0"/>
-                <a:cs typeface="Arial" panose="020B0604020202020204" pitchFamily="34" charset="0"/>
-              </a:rPr>
-              <a:t>merch_lat</a:t>
-            </a:r>
-            <a:r>
-              <a:rPr lang="it-IT" dirty="0" smtClean="0">
-                <a:latin typeface="Arial" panose="020B0604020202020204" pitchFamily="34" charset="0"/>
-                <a:cs typeface="Arial" panose="020B0604020202020204" pitchFamily="34" charset="0"/>
-              </a:rPr>
-              <a:t>’, ‘</a:t>
-            </a:r>
-            <a:r>
-              <a:rPr lang="it-IT" dirty="0" err="1" smtClean="0">
-                <a:latin typeface="Arial" panose="020B0604020202020204" pitchFamily="34" charset="0"/>
-                <a:cs typeface="Arial" panose="020B0604020202020204" pitchFamily="34" charset="0"/>
-              </a:rPr>
-              <a:t>age</a:t>
-            </a:r>
-            <a:r>
-              <a:rPr lang="it-IT" dirty="0" smtClean="0">
-                <a:latin typeface="Arial" panose="020B0604020202020204" pitchFamily="34" charset="0"/>
-                <a:cs typeface="Arial" panose="020B0604020202020204" pitchFamily="34" charset="0"/>
-              </a:rPr>
-              <a:t>’, etc. </a:t>
-            </a:r>
-            <a:r>
-              <a:rPr lang="it-IT" dirty="0" err="1" smtClean="0">
-                <a:latin typeface="Arial" panose="020B0604020202020204" pitchFamily="34" charset="0"/>
-                <a:cs typeface="Arial" panose="020B0604020202020204" pitchFamily="34" charset="0"/>
-              </a:rPr>
-              <a:t>gave</a:t>
-            </a:r>
-            <a:r>
-              <a:rPr lang="it-IT" dirty="0" smtClean="0">
-                <a:latin typeface="Arial" panose="020B0604020202020204" pitchFamily="34" charset="0"/>
-                <a:cs typeface="Arial" panose="020B0604020202020204" pitchFamily="34" charset="0"/>
-              </a:rPr>
-              <a:t> a positive impact, </a:t>
-            </a:r>
-            <a:r>
-              <a:rPr lang="it-IT" dirty="0" err="1" smtClean="0">
-                <a:latin typeface="Arial" panose="020B0604020202020204" pitchFamily="34" charset="0"/>
-                <a:cs typeface="Arial" panose="020B0604020202020204" pitchFamily="34" charset="0"/>
-              </a:rPr>
               <a:t>pushing</a:t>
             </a:r>
             <a:r>
@@ -8749,7 +8679,14 @@
                 <a:latin typeface="Arial" panose="020B0604020202020204" pitchFamily="34" charset="0"/>
                 <a:cs typeface="Arial" panose="020B0604020202020204" pitchFamily="34" charset="0"/>
               </a:rPr>
-              <a:t> the </a:t>
+              <a:t> </a:t>
+            </a:r>
+            <a:r>
+              <a:rPr lang="it-IT" dirty="0" smtClean="0">
+                <a:latin typeface="Arial" panose="020B0604020202020204" pitchFamily="34" charset="0"/>
+                <a:cs typeface="Arial" panose="020B0604020202020204" pitchFamily="34" charset="0"/>
+              </a:rPr>
+              <a:t>the </a:t>
             </a:r>
             <a:r>
               <a:rPr lang="it-IT" dirty="0" err="1" smtClean="0">
@@ -8777,14 +8714,7 @@
                 <a:latin typeface="Arial" panose="020B0604020202020204" pitchFamily="34" charset="0"/>
                 <a:cs typeface="Arial" panose="020B0604020202020204" pitchFamily="34" charset="0"/>
               </a:rPr>
-              <a:t> </a:t>
-            </a:r>
-            <a:r>
-              <a:rPr lang="it-IT" dirty="0" smtClean="0">
-                <a:latin typeface="Arial" panose="020B0604020202020204" pitchFamily="34" charset="0"/>
-                <a:cs typeface="Arial" panose="020B0604020202020204" pitchFamily="34" charset="0"/>
-              </a:rPr>
-              <a:t>to </a:t>
+              <a:t> to </a:t>
             </a:r>
             <a:r>
               <a:rPr lang="it-IT" dirty="0" err="1" smtClean="0">
@@ -8851,7 +8781,7 @@
       </p:sp>
       <p:pic>
         <p:nvPicPr>
-          <p:cNvPr id="11" name="Immagine 10"/>
+          <p:cNvPr id="4" name="Immagine 3"/>
           <p:cNvPicPr>
             <a:picLocks noChangeAspect="1"/>
           </p:cNvPicPr>
@@ -8871,8 +8801,8 @@
         </p:blipFill>
         <p:spPr>
           <a:xfrm>
-            <a:off x="6472796" y="934666"/>
-            <a:ext cx="1775614" cy="685859"/>
+            <a:off x="5764471" y="934665"/>
+            <a:ext cx="2270425" cy="808409"/>
           </a:xfrm>
           <a:prstGeom prst="rect">
             <a:avLst/>
@@ -8881,7 +8811,7 @@
       </p:pic>
       <p:pic>
         <p:nvPicPr>
-          <p:cNvPr id="12" name="Immagine 11"/>
+          <p:cNvPr id="6" name="Immagine 5"/>
           <p:cNvPicPr>
             <a:picLocks noChangeAspect="1"/>
           </p:cNvPicPr>
@@ -8901,8 +8831,8 @@
         </p:blipFill>
         <p:spPr>
           <a:xfrm>
-            <a:off x="8304797" y="934666"/>
-            <a:ext cx="2642397" cy="2954233"/>
+            <a:off x="8034897" y="934665"/>
+            <a:ext cx="2683950" cy="2980110"/>
           </a:xfrm>
           <a:prstGeom prst="rect">
             <a:avLst/>
@@ -8911,7 +8841,7 @@
       </p:pic>
       <p:pic>
         <p:nvPicPr>
-          <p:cNvPr id="15" name="Immagine 14"/>
+          <p:cNvPr id="7" name="Immagine 6"/>
           <p:cNvPicPr>
             <a:picLocks noChangeAspect="1"/>
           </p:cNvPicPr>
@@ -8931,38 +8861,8 @@
         </p:blipFill>
         <p:spPr>
           <a:xfrm>
-            <a:off x="8248410" y="4014881"/>
-            <a:ext cx="2011854" cy="2278577"/>
-          </a:xfrm>
-          <a:prstGeom prst="rect">
-            <a:avLst/>
-          </a:prstGeom>
-        </p:spPr>
-      </p:pic>
-      <p:pic>
-        <p:nvPicPr>
-          <p:cNvPr id="16" name="Immagine 15"/>
-          <p:cNvPicPr>
-            <a:picLocks noChangeAspect="1"/>
-          </p:cNvPicPr>
-          <p:nvPr/>
-        </p:nvPicPr>
-        <p:blipFill>
-          <a:blip r:embed="rId6">
-            <a:extLst>
-              <a:ext uri="{28A0092B-C50C-407E-A947-70E740481C1C}">
-                <a14:useLocalDpi xmlns:a14="http://schemas.microsoft.com/office/drawing/2010/main" val="0"/>
-              </a:ext>
-            </a:extLst>
-          </a:blip>
-          <a:stretch>
-            <a:fillRect/>
-          </a:stretch>
-        </p:blipFill>
-        <p:spPr>
-          <a:xfrm>
-            <a:off x="8266698" y="6275170"/>
-            <a:ext cx="1996613" cy="259102"/>
+            <a:off x="8279127" y="3914775"/>
+            <a:ext cx="2195490" cy="2587541"/>
           </a:xfrm>
           <a:prstGeom prst="rect">
             <a:avLst/>
@@ -9120,7 +9020,14 @@
                 <a:latin typeface="Arial" panose="020B0604020202020204" pitchFamily="34" charset="0"/>
                 <a:cs typeface="Arial" panose="020B0604020202020204" pitchFamily="34" charset="0"/>
               </a:rPr>
-              <a:t> the last </a:t>
+              <a:t> the </a:t>
+            </a:r>
+            <a:r>
+              <a:rPr lang="it-IT" dirty="0" smtClean="0">
+                <a:latin typeface="Arial" panose="020B0604020202020204" pitchFamily="34" charset="0"/>
+                <a:cs typeface="Arial" panose="020B0604020202020204" pitchFamily="34" charset="0"/>
+              </a:rPr>
+              <a:t>first </a:t>
             </a:r>
             <a:r>
               <a:rPr lang="it-IT" dirty="0" err="1" smtClean="0">
@@ -9148,7 +9055,28 @@
                 <a:latin typeface="Arial" panose="020B0604020202020204" pitchFamily="34" charset="0"/>
                 <a:cs typeface="Arial" panose="020B0604020202020204" pitchFamily="34" charset="0"/>
               </a:rPr>
-              <a:t> = 64) and compare </a:t>
+              <a:t> = </a:t>
+            </a:r>
+            <a:r>
+              <a:rPr lang="it-IT" dirty="0">
+                <a:latin typeface="Arial" panose="020B0604020202020204" pitchFamily="34" charset="0"/>
+                <a:cs typeface="Arial" panose="020B0604020202020204" pitchFamily="34" charset="0"/>
+              </a:rPr>
+              <a:t>8</a:t>
+            </a:r>
+            <a:r>
+              <a:rPr lang="it-IT" dirty="0" smtClean="0">
+                <a:latin typeface="Arial" panose="020B0604020202020204" pitchFamily="34" charset="0"/>
+                <a:cs typeface="Arial" panose="020B0604020202020204" pitchFamily="34" charset="0"/>
+              </a:rPr>
+              <a:t>) </a:t>
+            </a:r>
+            <a:r>
+              <a:rPr lang="it-IT" dirty="0" smtClean="0">
+                <a:latin typeface="Arial" panose="020B0604020202020204" pitchFamily="34" charset="0"/>
+                <a:cs typeface="Arial" panose="020B0604020202020204" pitchFamily="34" charset="0"/>
+              </a:rPr>
+              <a:t>and compare </a:t>
             </a:r>
             <a:r>
               <a:rPr lang="it-IT" dirty="0" err="1" smtClean="0">
@@ -9560,21 +9488,7 @@
                 <a:latin typeface="Arial" panose="020B0604020202020204" pitchFamily="34" charset="0"/>
                 <a:cs typeface="Arial" panose="020B0604020202020204" pitchFamily="34" charset="0"/>
               </a:rPr>
-              <a:t> </a:t>
-            </a:r>
-            <a:r>
-              <a:rPr lang="it-IT" dirty="0" smtClean="0">
-                <a:latin typeface="Arial" panose="020B0604020202020204" pitchFamily="34" charset="0"/>
-                <a:cs typeface="Arial" panose="020B0604020202020204" pitchFamily="34" charset="0"/>
-              </a:rPr>
-              <a:t>look</a:t>
-            </a:r>
-            <a:r>
-              <a:rPr lang="it-IT" dirty="0" smtClean="0">
-                <a:latin typeface="Arial" panose="020B0604020202020204" pitchFamily="34" charset="0"/>
-                <a:cs typeface="Arial" panose="020B0604020202020204" pitchFamily="34" charset="0"/>
-              </a:rPr>
-              <a:t> </a:t>
+              <a:t> look </a:t>
             </a:r>
             <a:r>
               <a:rPr lang="it-IT" dirty="0" err="1" smtClean="0">
@@ -9855,7 +9769,7 @@
         <p:spPr>
           <a:xfrm>
             <a:off x="576072" y="1760781"/>
-            <a:ext cx="11173968" cy="2031325"/>
+            <a:ext cx="11173968" cy="1754326"/>
           </a:xfrm>
           <a:prstGeom prst="rect">
             <a:avLst/>
@@ -9982,133 +9896,123 @@
             </a:r>
           </a:p>
           <a:p>
+            <a:endParaRPr lang="it-IT" dirty="0" smtClean="0">
+              <a:latin typeface="Arial" panose="020B0604020202020204" pitchFamily="34" charset="0"/>
+              <a:cs typeface="Arial" panose="020B0604020202020204" pitchFamily="34" charset="0"/>
+            </a:endParaRPr>
+          </a:p>
+          <a:p>
+            <a:r>
+              <a:rPr lang="it-IT" dirty="0" smtClean="0">
+                <a:latin typeface="Arial" panose="020B0604020202020204" pitchFamily="34" charset="0"/>
+                <a:cs typeface="Arial" panose="020B0604020202020204" pitchFamily="34" charset="0"/>
+              </a:rPr>
+              <a:t>In </a:t>
+            </a:r>
+            <a:r>
+              <a:rPr lang="it-IT" dirty="0" err="1" smtClean="0">
+                <a:latin typeface="Arial" panose="020B0604020202020204" pitchFamily="34" charset="0"/>
+                <a:cs typeface="Arial" panose="020B0604020202020204" pitchFamily="34" charset="0"/>
+              </a:rPr>
+              <a:t>this</a:t>
+            </a:r>
+            <a:r>
+              <a:rPr lang="it-IT" dirty="0" smtClean="0">
+                <a:latin typeface="Arial" panose="020B0604020202020204" pitchFamily="34" charset="0"/>
+                <a:cs typeface="Arial" panose="020B0604020202020204" pitchFamily="34" charset="0"/>
+              </a:rPr>
+              <a:t> </a:t>
+            </a:r>
+            <a:r>
+              <a:rPr lang="it-IT" dirty="0" err="1" smtClean="0">
+                <a:latin typeface="Arial" panose="020B0604020202020204" pitchFamily="34" charset="0"/>
+                <a:cs typeface="Arial" panose="020B0604020202020204" pitchFamily="34" charset="0"/>
+              </a:rPr>
+              <a:t>particular</a:t>
+            </a:r>
+            <a:r>
+              <a:rPr lang="it-IT" dirty="0" smtClean="0">
+                <a:latin typeface="Arial" panose="020B0604020202020204" pitchFamily="34" charset="0"/>
+                <a:cs typeface="Arial" panose="020B0604020202020204" pitchFamily="34" charset="0"/>
+              </a:rPr>
+              <a:t> scenario, </a:t>
+            </a:r>
+            <a:r>
+              <a:rPr lang="it-IT" dirty="0" err="1" smtClean="0">
+                <a:latin typeface="Arial" panose="020B0604020202020204" pitchFamily="34" charset="0"/>
+                <a:cs typeface="Arial" panose="020B0604020202020204" pitchFamily="34" charset="0"/>
+              </a:rPr>
+              <a:t>both</a:t>
+            </a:r>
+            <a:r>
+              <a:rPr lang="it-IT" dirty="0" smtClean="0">
+                <a:latin typeface="Arial" panose="020B0604020202020204" pitchFamily="34" charset="0"/>
+                <a:cs typeface="Arial" panose="020B0604020202020204" pitchFamily="34" charset="0"/>
+              </a:rPr>
+              <a:t> SHAP and LIME </a:t>
+            </a:r>
+            <a:r>
+              <a:rPr lang="it-IT" dirty="0" err="1" smtClean="0">
+                <a:latin typeface="Arial" panose="020B0604020202020204" pitchFamily="34" charset="0"/>
+                <a:cs typeface="Arial" panose="020B0604020202020204" pitchFamily="34" charset="0"/>
+              </a:rPr>
+              <a:t>methods</a:t>
+            </a:r>
+            <a:r>
+              <a:rPr lang="it-IT" dirty="0" smtClean="0">
+                <a:latin typeface="Arial" panose="020B0604020202020204" pitchFamily="34" charset="0"/>
+                <a:cs typeface="Arial" panose="020B0604020202020204" pitchFamily="34" charset="0"/>
+              </a:rPr>
+              <a:t> are </a:t>
+            </a:r>
+            <a:r>
+              <a:rPr lang="it-IT" dirty="0" err="1" smtClean="0">
+                <a:latin typeface="Arial" panose="020B0604020202020204" pitchFamily="34" charset="0"/>
+                <a:cs typeface="Arial" panose="020B0604020202020204" pitchFamily="34" charset="0"/>
+              </a:rPr>
+              <a:t>suited</a:t>
+            </a:r>
+            <a:r>
+              <a:rPr lang="it-IT" dirty="0" smtClean="0">
+                <a:latin typeface="Arial" panose="020B0604020202020204" pitchFamily="34" charset="0"/>
+                <a:cs typeface="Arial" panose="020B0604020202020204" pitchFamily="34" charset="0"/>
+              </a:rPr>
+              <a:t> for </a:t>
+            </a:r>
+            <a:r>
+              <a:rPr lang="it-IT" dirty="0" err="1" smtClean="0">
+                <a:latin typeface="Arial" panose="020B0604020202020204" pitchFamily="34" charset="0"/>
+                <a:cs typeface="Arial" panose="020B0604020202020204" pitchFamily="34" charset="0"/>
+              </a:rPr>
+              <a:t>local</a:t>
+            </a:r>
+            <a:r>
+              <a:rPr lang="it-IT" dirty="0" smtClean="0">
+                <a:latin typeface="Arial" panose="020B0604020202020204" pitchFamily="34" charset="0"/>
+                <a:cs typeface="Arial" panose="020B0604020202020204" pitchFamily="34" charset="0"/>
+              </a:rPr>
+              <a:t> </a:t>
+            </a:r>
+            <a:r>
+              <a:rPr lang="it-IT" dirty="0" err="1" smtClean="0">
+                <a:latin typeface="Arial" panose="020B0604020202020204" pitchFamily="34" charset="0"/>
+                <a:cs typeface="Arial" panose="020B0604020202020204" pitchFamily="34" charset="0"/>
+              </a:rPr>
+              <a:t>explanation</a:t>
+            </a:r>
+            <a:r>
+              <a:rPr lang="it-IT" dirty="0" smtClean="0">
+                <a:latin typeface="Arial" panose="020B0604020202020204" pitchFamily="34" charset="0"/>
+                <a:cs typeface="Arial" panose="020B0604020202020204" pitchFamily="34" charset="0"/>
+              </a:rPr>
+              <a:t>.</a:t>
+            </a:r>
             <a:endParaRPr lang="it-IT" dirty="0">
               <a:latin typeface="Arial" panose="020B0604020202020204" pitchFamily="34" charset="0"/>
               <a:cs typeface="Arial" panose="020B0604020202020204" pitchFamily="34" charset="0"/>
             </a:endParaRPr>
           </a:p>
           <a:p>
-            <a:r>
-              <a:rPr lang="it-IT" dirty="0" smtClean="0">
-                <a:latin typeface="Arial" panose="020B0604020202020204" pitchFamily="34" charset="0"/>
-                <a:cs typeface="Arial" panose="020B0604020202020204" pitchFamily="34" charset="0"/>
-              </a:rPr>
-              <a:t>For </a:t>
-            </a:r>
-            <a:r>
-              <a:rPr lang="it-IT" dirty="0" err="1" smtClean="0">
-                <a:latin typeface="Arial" panose="020B0604020202020204" pitchFamily="34" charset="0"/>
-                <a:cs typeface="Arial" panose="020B0604020202020204" pitchFamily="34" charset="0"/>
-              </a:rPr>
-              <a:t>sure</a:t>
-            </a:r>
-            <a:r>
-              <a:rPr lang="it-IT" dirty="0" smtClean="0">
-                <a:latin typeface="Arial" panose="020B0604020202020204" pitchFamily="34" charset="0"/>
-                <a:cs typeface="Arial" panose="020B0604020202020204" pitchFamily="34" charset="0"/>
-              </a:rPr>
-              <a:t>, SHAP </a:t>
-            </a:r>
-            <a:r>
-              <a:rPr lang="it-IT" dirty="0" err="1" smtClean="0">
-                <a:latin typeface="Arial" panose="020B0604020202020204" pitchFamily="34" charset="0"/>
-                <a:cs typeface="Arial" panose="020B0604020202020204" pitchFamily="34" charset="0"/>
-              </a:rPr>
-              <a:t>is</a:t>
-            </a:r>
-            <a:r>
-              <a:rPr lang="it-IT" dirty="0" smtClean="0">
-                <a:latin typeface="Arial" panose="020B0604020202020204" pitchFamily="34" charset="0"/>
-                <a:cs typeface="Arial" panose="020B0604020202020204" pitchFamily="34" charset="0"/>
-              </a:rPr>
-              <a:t> more complete, </a:t>
-            </a:r>
-            <a:r>
-              <a:rPr lang="it-IT" dirty="0" err="1" smtClean="0">
-                <a:latin typeface="Arial" panose="020B0604020202020204" pitchFamily="34" charset="0"/>
-                <a:cs typeface="Arial" panose="020B0604020202020204" pitchFamily="34" charset="0"/>
-              </a:rPr>
-              <a:t>since</a:t>
-            </a:r>
-            <a:r>
-              <a:rPr lang="it-IT" dirty="0" smtClean="0">
-                <a:latin typeface="Arial" panose="020B0604020202020204" pitchFamily="34" charset="0"/>
-                <a:cs typeface="Arial" panose="020B0604020202020204" pitchFamily="34" charset="0"/>
-              </a:rPr>
-              <a:t> </a:t>
-            </a:r>
-            <a:r>
-              <a:rPr lang="it-IT" dirty="0" err="1" smtClean="0">
-                <a:latin typeface="Arial" panose="020B0604020202020204" pitchFamily="34" charset="0"/>
-                <a:cs typeface="Arial" panose="020B0604020202020204" pitchFamily="34" charset="0"/>
-              </a:rPr>
-              <a:t>we</a:t>
-            </a:r>
-            <a:r>
-              <a:rPr lang="it-IT" dirty="0" smtClean="0">
-                <a:latin typeface="Arial" panose="020B0604020202020204" pitchFamily="34" charset="0"/>
-                <a:cs typeface="Arial" panose="020B0604020202020204" pitchFamily="34" charset="0"/>
-              </a:rPr>
-              <a:t> can </a:t>
-            </a:r>
-            <a:r>
-              <a:rPr lang="it-IT" dirty="0" err="1" smtClean="0">
-                <a:latin typeface="Arial" panose="020B0604020202020204" pitchFamily="34" charset="0"/>
-                <a:cs typeface="Arial" panose="020B0604020202020204" pitchFamily="34" charset="0"/>
-              </a:rPr>
-              <a:t>explain</a:t>
-            </a:r>
-            <a:r>
-              <a:rPr lang="it-IT" dirty="0" smtClean="0">
-                <a:latin typeface="Arial" panose="020B0604020202020204" pitchFamily="34" charset="0"/>
-                <a:cs typeface="Arial" panose="020B0604020202020204" pitchFamily="34" charset="0"/>
-              </a:rPr>
-              <a:t> </a:t>
-            </a:r>
-            <a:r>
-              <a:rPr lang="it-IT" dirty="0" err="1" smtClean="0">
-                <a:latin typeface="Arial" panose="020B0604020202020204" pitchFamily="34" charset="0"/>
-                <a:cs typeface="Arial" panose="020B0604020202020204" pitchFamily="34" charset="0"/>
-              </a:rPr>
-              <a:t>both</a:t>
-            </a:r>
-            <a:r>
-              <a:rPr lang="it-IT" dirty="0" smtClean="0">
-                <a:latin typeface="Arial" panose="020B0604020202020204" pitchFamily="34" charset="0"/>
-                <a:cs typeface="Arial" panose="020B0604020202020204" pitchFamily="34" charset="0"/>
-              </a:rPr>
-              <a:t> global and </a:t>
-            </a:r>
-            <a:r>
-              <a:rPr lang="it-IT" dirty="0" err="1" smtClean="0">
-                <a:latin typeface="Arial" panose="020B0604020202020204" pitchFamily="34" charset="0"/>
-                <a:cs typeface="Arial" panose="020B0604020202020204" pitchFamily="34" charset="0"/>
-              </a:rPr>
-              <a:t>local</a:t>
-            </a:r>
-            <a:r>
-              <a:rPr lang="it-IT" dirty="0" smtClean="0">
-                <a:latin typeface="Arial" panose="020B0604020202020204" pitchFamily="34" charset="0"/>
-                <a:cs typeface="Arial" panose="020B0604020202020204" pitchFamily="34" charset="0"/>
-              </a:rPr>
-              <a:t> </a:t>
-            </a:r>
-            <a:r>
-              <a:rPr lang="it-IT" dirty="0" err="1" smtClean="0">
-                <a:latin typeface="Arial" panose="020B0604020202020204" pitchFamily="34" charset="0"/>
-                <a:cs typeface="Arial" panose="020B0604020202020204" pitchFamily="34" charset="0"/>
-              </a:rPr>
-              <a:t>predictions</a:t>
-            </a:r>
-            <a:r>
-              <a:rPr lang="it-IT" dirty="0" smtClean="0">
-                <a:latin typeface="Arial" panose="020B0604020202020204" pitchFamily="34" charset="0"/>
-                <a:cs typeface="Arial" panose="020B0604020202020204" pitchFamily="34" charset="0"/>
-              </a:rPr>
-              <a:t>.</a:t>
-            </a:r>
-          </a:p>
-          <a:p>
             <a:endParaRPr lang="it-IT" dirty="0">
               <a:latin typeface="Arial" panose="020B0604020202020204" pitchFamily="34" charset="0"/>
               <a:cs typeface="Arial" panose="020B0604020202020204" pitchFamily="34" charset="0"/>
@@ -10127,126 +10031,35 @@
                 <a:latin typeface="Arial" panose="020B0604020202020204" pitchFamily="34" charset="0"/>
                 <a:cs typeface="Arial" panose="020B0604020202020204" pitchFamily="34" charset="0"/>
               </a:rPr>
-              <a:t>this</a:t>
-            </a:r>
-            <a:r>
-              <a:rPr lang="it-IT" dirty="0" smtClean="0">
-                <a:latin typeface="Arial" panose="020B0604020202020204" pitchFamily="34" charset="0"/>
-                <a:cs typeface="Arial" panose="020B0604020202020204" pitchFamily="34" charset="0"/>
-              </a:rPr>
-              <a:t> </a:t>
-            </a:r>
-            <a:r>
-              <a:rPr lang="it-IT" dirty="0" err="1" smtClean="0">
-                <a:latin typeface="Arial" panose="020B0604020202020204" pitchFamily="34" charset="0"/>
-                <a:cs typeface="Arial" panose="020B0604020202020204" pitchFamily="34" charset="0"/>
-              </a:rPr>
-              <a:t>particular</a:t>
-            </a:r>
-            <a:r>
-              <a:rPr lang="it-IT" dirty="0" smtClean="0">
-                <a:latin typeface="Arial" panose="020B0604020202020204" pitchFamily="34" charset="0"/>
-                <a:cs typeface="Arial" panose="020B0604020202020204" pitchFamily="34" charset="0"/>
-              </a:rPr>
-              <a:t> use case (credit card </a:t>
-            </a:r>
-            <a:r>
-              <a:rPr lang="it-IT" dirty="0" err="1" smtClean="0">
-                <a:latin typeface="Arial" panose="020B0604020202020204" pitchFamily="34" charset="0"/>
-                <a:cs typeface="Arial" panose="020B0604020202020204" pitchFamily="34" charset="0"/>
-              </a:rPr>
-              <a:t>fraud</a:t>
-            </a:r>
-            <a:r>
-              <a:rPr lang="it-IT" dirty="0" smtClean="0">
-                <a:latin typeface="Arial" panose="020B0604020202020204" pitchFamily="34" charset="0"/>
-                <a:cs typeface="Arial" panose="020B0604020202020204" pitchFamily="34" charset="0"/>
-              </a:rPr>
-              <a:t> detection), SHAP </a:t>
-            </a:r>
-            <a:r>
-              <a:rPr lang="it-IT" dirty="0" err="1" smtClean="0">
-                <a:latin typeface="Arial" panose="020B0604020202020204" pitchFamily="34" charset="0"/>
-                <a:cs typeface="Arial" panose="020B0604020202020204" pitchFamily="34" charset="0"/>
-              </a:rPr>
-              <a:t>is</a:t>
-            </a:r>
-            <a:r>
-              <a:rPr lang="it-IT" dirty="0" smtClean="0">
-                <a:latin typeface="Arial" panose="020B0604020202020204" pitchFamily="34" charset="0"/>
-                <a:cs typeface="Arial" panose="020B0604020202020204" pitchFamily="34" charset="0"/>
-              </a:rPr>
-              <a:t> </a:t>
-            </a:r>
-            <a:r>
-              <a:rPr lang="it-IT" dirty="0" err="1" smtClean="0">
-                <a:latin typeface="Arial" panose="020B0604020202020204" pitchFamily="34" charset="0"/>
-                <a:cs typeface="Arial" panose="020B0604020202020204" pitchFamily="34" charset="0"/>
-              </a:rPr>
-              <a:t>probably</a:t>
-            </a:r>
-            <a:r>
-              <a:rPr lang="it-IT" dirty="0" smtClean="0">
-                <a:latin typeface="Arial" panose="020B0604020202020204" pitchFamily="34" charset="0"/>
-                <a:cs typeface="Arial" panose="020B0604020202020204" pitchFamily="34" charset="0"/>
-              </a:rPr>
-              <a:t> more </a:t>
-            </a:r>
-            <a:r>
-              <a:rPr lang="it-IT" dirty="0" err="1" smtClean="0">
-                <a:latin typeface="Arial" panose="020B0604020202020204" pitchFamily="34" charset="0"/>
-                <a:cs typeface="Arial" panose="020B0604020202020204" pitchFamily="34" charset="0"/>
-              </a:rPr>
-              <a:t>suited</a:t>
-            </a:r>
-            <a:r>
-              <a:rPr lang="it-IT" dirty="0" smtClean="0">
-                <a:latin typeface="Arial" panose="020B0604020202020204" pitchFamily="34" charset="0"/>
-                <a:cs typeface="Arial" panose="020B0604020202020204" pitchFamily="34" charset="0"/>
-              </a:rPr>
-              <a:t>, </a:t>
-            </a:r>
-            <a:r>
-              <a:rPr lang="it-IT" dirty="0" err="1" smtClean="0">
-                <a:latin typeface="Arial" panose="020B0604020202020204" pitchFamily="34" charset="0"/>
-                <a:cs typeface="Arial" panose="020B0604020202020204" pitchFamily="34" charset="0"/>
-              </a:rPr>
-              <a:t>since</a:t>
-            </a:r>
-            <a:r>
-              <a:rPr lang="it-IT" dirty="0" smtClean="0">
-                <a:latin typeface="Arial" panose="020B0604020202020204" pitchFamily="34" charset="0"/>
-                <a:cs typeface="Arial" panose="020B0604020202020204" pitchFamily="34" charset="0"/>
-              </a:rPr>
-              <a:t> </a:t>
-            </a:r>
-            <a:r>
-              <a:rPr lang="it-IT" dirty="0" err="1" smtClean="0">
-                <a:latin typeface="Arial" panose="020B0604020202020204" pitchFamily="34" charset="0"/>
-                <a:cs typeface="Arial" panose="020B0604020202020204" pitchFamily="34" charset="0"/>
-              </a:rPr>
-              <a:t>it</a:t>
-            </a:r>
-            <a:r>
-              <a:rPr lang="it-IT" dirty="0">
-                <a:latin typeface="Arial" panose="020B0604020202020204" pitchFamily="34" charset="0"/>
-                <a:cs typeface="Arial" panose="020B0604020202020204" pitchFamily="34" charset="0"/>
-              </a:rPr>
-              <a:t> </a:t>
-            </a:r>
-            <a:r>
-              <a:rPr lang="it-IT" dirty="0" smtClean="0">
-                <a:latin typeface="Arial" panose="020B0604020202020204" pitchFamily="34" charset="0"/>
-                <a:cs typeface="Arial" panose="020B0604020202020204" pitchFamily="34" charset="0"/>
-              </a:rPr>
-              <a:t>can </a:t>
-            </a:r>
-            <a:r>
-              <a:rPr lang="it-IT" dirty="0" err="1" smtClean="0">
-                <a:latin typeface="Arial" panose="020B0604020202020204" pitchFamily="34" charset="0"/>
-                <a:cs typeface="Arial" panose="020B0604020202020204" pitchFamily="34" charset="0"/>
-              </a:rPr>
-              <a:t>capture</a:t>
+              <a:t>conclusion</a:t>
+            </a:r>
+            <a:r>
+              <a:rPr lang="it-IT" dirty="0" smtClean="0">
+                <a:latin typeface="Arial" panose="020B0604020202020204" pitchFamily="34" charset="0"/>
+                <a:cs typeface="Arial" panose="020B0604020202020204" pitchFamily="34" charset="0"/>
+              </a:rPr>
+              <a:t>, for </a:t>
+            </a:r>
+            <a:r>
+              <a:rPr lang="it-IT" dirty="0" err="1" smtClean="0">
+                <a:latin typeface="Arial" panose="020B0604020202020204" pitchFamily="34" charset="0"/>
+                <a:cs typeface="Arial" panose="020B0604020202020204" pitchFamily="34" charset="0"/>
+              </a:rPr>
+              <a:t>local</a:t>
+            </a:r>
+            <a:r>
+              <a:rPr lang="it-IT" dirty="0" smtClean="0">
+                <a:latin typeface="Arial" panose="020B0604020202020204" pitchFamily="34" charset="0"/>
+                <a:cs typeface="Arial" panose="020B0604020202020204" pitchFamily="34" charset="0"/>
+              </a:rPr>
+              <a:t> </a:t>
+            </a:r>
+            <a:r>
+              <a:rPr lang="it-IT" dirty="0" err="1" smtClean="0">
+                <a:latin typeface="Arial" panose="020B0604020202020204" pitchFamily="34" charset="0"/>
+                <a:cs typeface="Arial" panose="020B0604020202020204" pitchFamily="34" charset="0"/>
+              </a:rPr>
+              <a:t>explanation</a:t>
             </a:r>
             <a:r>
               <a:rPr lang="it-IT" dirty="0" smtClean="0">
@@ -10267,64 +10080,40 @@
                 <a:latin typeface="Arial" panose="020B0604020202020204" pitchFamily="34" charset="0"/>
                 <a:cs typeface="Arial" panose="020B0604020202020204" pitchFamily="34" charset="0"/>
               </a:rPr>
-              <a:t> global and </a:t>
-            </a:r>
-            <a:r>
-              <a:rPr lang="it-IT" dirty="0" err="1" smtClean="0">
-                <a:latin typeface="Arial" panose="020B0604020202020204" pitchFamily="34" charset="0"/>
-                <a:cs typeface="Arial" panose="020B0604020202020204" pitchFamily="34" charset="0"/>
-              </a:rPr>
-              <a:t>local</a:t>
-            </a:r>
-            <a:r>
-              <a:rPr lang="it-IT" dirty="0" smtClean="0">
-                <a:latin typeface="Arial" panose="020B0604020202020204" pitchFamily="34" charset="0"/>
-                <a:cs typeface="Arial" panose="020B0604020202020204" pitchFamily="34" charset="0"/>
-              </a:rPr>
-              <a:t> </a:t>
-            </a:r>
-            <a:r>
-              <a:rPr lang="it-IT" dirty="0" err="1" smtClean="0">
-                <a:latin typeface="Arial" panose="020B0604020202020204" pitchFamily="34" charset="0"/>
-                <a:cs typeface="Arial" panose="020B0604020202020204" pitchFamily="34" charset="0"/>
-              </a:rPr>
-              <a:t>importance</a:t>
-            </a:r>
-            <a:r>
-              <a:rPr lang="it-IT" dirty="0" smtClean="0">
-                <a:latin typeface="Arial" panose="020B0604020202020204" pitchFamily="34" charset="0"/>
-                <a:cs typeface="Arial" panose="020B0604020202020204" pitchFamily="34" charset="0"/>
-              </a:rPr>
-              <a:t> of </a:t>
-            </a:r>
-            <a:r>
-              <a:rPr lang="it-IT" dirty="0" err="1" smtClean="0">
-                <a:latin typeface="Arial" panose="020B0604020202020204" pitchFamily="34" charset="0"/>
-                <a:cs typeface="Arial" panose="020B0604020202020204" pitchFamily="34" charset="0"/>
-              </a:rPr>
-              <a:t>each</a:t>
-            </a:r>
-            <a:r>
-              <a:rPr lang="it-IT" dirty="0" smtClean="0">
-                <a:latin typeface="Arial" panose="020B0604020202020204" pitchFamily="34" charset="0"/>
-                <a:cs typeface="Arial" panose="020B0604020202020204" pitchFamily="34" charset="0"/>
-              </a:rPr>
-              <a:t> </a:t>
-            </a:r>
-            <a:r>
-              <a:rPr lang="it-IT" dirty="0" err="1" smtClean="0">
-                <a:latin typeface="Arial" panose="020B0604020202020204" pitchFamily="34" charset="0"/>
-                <a:cs typeface="Arial" panose="020B0604020202020204" pitchFamily="34" charset="0"/>
-              </a:rPr>
-              <a:t>feature</a:t>
-            </a:r>
-            <a:r>
-              <a:rPr lang="it-IT" dirty="0" smtClean="0">
-                <a:latin typeface="Arial" panose="020B0604020202020204" pitchFamily="34" charset="0"/>
-                <a:cs typeface="Arial" panose="020B0604020202020204" pitchFamily="34" charset="0"/>
-              </a:rPr>
-              <a:t>.  </a:t>
-            </a:r>
+              <a:t> </a:t>
+            </a:r>
+            <a:r>
+              <a:rPr lang="it-IT" dirty="0" err="1" smtClean="0">
+                <a:latin typeface="Arial" panose="020B0604020202020204" pitchFamily="34" charset="0"/>
+                <a:cs typeface="Arial" panose="020B0604020202020204" pitchFamily="34" charset="0"/>
+              </a:rPr>
+              <a:t>methods</a:t>
+            </a:r>
+            <a:r>
+              <a:rPr lang="it-IT" dirty="0" smtClean="0">
+                <a:latin typeface="Arial" panose="020B0604020202020204" pitchFamily="34" charset="0"/>
+                <a:cs typeface="Arial" panose="020B0604020202020204" pitchFamily="34" charset="0"/>
+              </a:rPr>
+              <a:t> are </a:t>
+            </a:r>
+            <a:r>
+              <a:rPr lang="it-IT" dirty="0" err="1" smtClean="0">
+                <a:latin typeface="Arial" panose="020B0604020202020204" pitchFamily="34" charset="0"/>
+                <a:cs typeface="Arial" panose="020B0604020202020204" pitchFamily="34" charset="0"/>
+              </a:rPr>
+              <a:t>reasonable</a:t>
+            </a:r>
+            <a:r>
+              <a:rPr lang="it-IT" dirty="0" smtClean="0">
+                <a:latin typeface="Arial" panose="020B0604020202020204" pitchFamily="34" charset="0"/>
+                <a:cs typeface="Arial" panose="020B0604020202020204" pitchFamily="34" charset="0"/>
+              </a:rPr>
+              <a:t>.</a:t>
+            </a:r>
+            <a:endParaRPr lang="it-IT" dirty="0">
+              <a:latin typeface="Arial" panose="020B0604020202020204" pitchFamily="34" charset="0"/>
+              <a:cs typeface="Arial" panose="020B0604020202020204" pitchFamily="34" charset="0"/>
+            </a:endParaRPr>
           </a:p>
         </p:txBody>
       </p:sp>
@@ -11158,7 +10947,7 @@
         <p:spPr>
           <a:xfrm>
             <a:off x="1217463" y="1268982"/>
-            <a:ext cx="4222306" cy="1600438"/>
+            <a:ext cx="4222306" cy="1815882"/>
           </a:xfrm>
           <a:prstGeom prst="rect">
             <a:avLst/>
@@ -11537,7 +11326,55 @@
                 <a:latin typeface="Arial" panose="020B0604020202020204" pitchFamily="34" charset="0"/>
                 <a:cs typeface="Arial" panose="020B0604020202020204" pitchFamily="34" charset="0"/>
               </a:rPr>
-              <a:t> (float)</a:t>
+              <a:t> (float</a:t>
+            </a:r>
+            <a:r>
+              <a:rPr lang="it-IT" sz="1400" dirty="0" smtClean="0">
+                <a:latin typeface="Arial" panose="020B0604020202020204" pitchFamily="34" charset="0"/>
+                <a:cs typeface="Arial" panose="020B0604020202020204" pitchFamily="34" charset="0"/>
+              </a:rPr>
+              <a:t>)</a:t>
+            </a:r>
+          </a:p>
+          <a:p>
+            <a:pPr marL="285750" indent="-285750">
+              <a:buFont typeface="Arial" panose="020B0604020202020204" pitchFamily="34" charset="0"/>
+              <a:buChar char="•"/>
+            </a:pPr>
+            <a:r>
+              <a:rPr lang="it-IT" sz="1400" b="1" dirty="0" err="1" smtClean="0">
+                <a:latin typeface="Arial" panose="020B0604020202020204" pitchFamily="34" charset="0"/>
+                <a:cs typeface="Arial" panose="020B0604020202020204" pitchFamily="34" charset="0"/>
+              </a:rPr>
+              <a:t>trans_date_trans_time</a:t>
+            </a:r>
+            <a:r>
+              <a:rPr lang="it-IT" sz="1400" dirty="0" smtClean="0">
+                <a:latin typeface="Arial" panose="020B0604020202020204" pitchFamily="34" charset="0"/>
+                <a:cs typeface="Arial" panose="020B0604020202020204" pitchFamily="34" charset="0"/>
+              </a:rPr>
+              <a:t>: </a:t>
+            </a:r>
+            <a:r>
+              <a:rPr lang="it-IT" sz="1400" dirty="0" err="1" smtClean="0">
+                <a:latin typeface="Arial" panose="020B0604020202020204" pitchFamily="34" charset="0"/>
+                <a:cs typeface="Arial" panose="020B0604020202020204" pitchFamily="34" charset="0"/>
+              </a:rPr>
+              <a:t>transaction</a:t>
+            </a:r>
+            <a:r>
+              <a:rPr lang="it-IT" sz="1400" dirty="0" smtClean="0">
+                <a:latin typeface="Arial" panose="020B0604020202020204" pitchFamily="34" charset="0"/>
+                <a:cs typeface="Arial" panose="020B0604020202020204" pitchFamily="34" charset="0"/>
+              </a:rPr>
+              <a:t> </a:t>
+            </a:r>
+            <a:r>
+              <a:rPr lang="it-IT" sz="1400" dirty="0" err="1" smtClean="0">
+                <a:latin typeface="Arial" panose="020B0604020202020204" pitchFamily="34" charset="0"/>
+                <a:cs typeface="Arial" panose="020B0604020202020204" pitchFamily="34" charset="0"/>
+              </a:rPr>
+              <a:t>datetime</a:t>
             </a:r>
             <a:endParaRPr lang="it-IT" sz="1400" b="1" dirty="0" smtClean="0">
               <a:latin typeface="Arial" panose="020B0604020202020204" pitchFamily="34" charset="0"/>
@@ -11554,7 +11391,7 @@
         </p:nvSpPr>
         <p:spPr>
           <a:xfrm>
-            <a:off x="10336274" y="6140303"/>
+            <a:off x="10336274" y="6176879"/>
             <a:ext cx="1635384" cy="461665"/>
           </a:xfrm>
           <a:prstGeom prst="rect">
@@ -11637,7 +11474,7 @@
         </p:blipFill>
         <p:spPr>
           <a:xfrm>
-            <a:off x="1217463" y="2963136"/>
+            <a:off x="1217463" y="3094008"/>
             <a:ext cx="7963596" cy="3638832"/>
           </a:xfrm>
           <a:prstGeom prst="rect">
@@ -11667,7 +11504,7 @@
         </p:blipFill>
         <p:spPr>
           <a:xfrm>
-            <a:off x="9181059" y="2963136"/>
+            <a:off x="9181059" y="3094008"/>
             <a:ext cx="1012972" cy="3638832"/>
           </a:xfrm>
           <a:prstGeom prst="rect">
@@ -12298,7 +12135,7 @@
         </p:blipFill>
         <p:spPr>
           <a:xfrm>
-            <a:off x="531559" y="1605333"/>
+            <a:off x="139120" y="1713978"/>
             <a:ext cx="4398273" cy="2871222"/>
           </a:xfrm>
           <a:prstGeom prst="rect">
@@ -12306,9 +12143,361 @@
           </a:prstGeom>
         </p:spPr>
       </p:pic>
+      <p:sp>
+        <p:nvSpPr>
+          <p:cNvPr id="4" name="CasellaDiTesto 3"/>
+          <p:cNvSpPr txBox="1"/>
+          <p:nvPr/>
+        </p:nvSpPr>
+        <p:spPr>
+          <a:xfrm>
+            <a:off x="536893" y="5364512"/>
+            <a:ext cx="11245913" cy="1077218"/>
+          </a:xfrm>
+          <a:prstGeom prst="rect">
+            <a:avLst/>
+          </a:prstGeom>
+          <a:noFill/>
+        </p:spPr>
+        <p:txBody>
+          <a:bodyPr wrap="square" rtlCol="0">
+            <a:spAutoFit/>
+          </a:bodyPr>
+          <a:lstStyle/>
+          <a:p>
+            <a:r>
+              <a:rPr lang="it-IT" sz="1600" dirty="0" err="1" smtClean="0">
+                <a:latin typeface="Arial" panose="020B0604020202020204" pitchFamily="34" charset="0"/>
+                <a:cs typeface="Arial" panose="020B0604020202020204" pitchFamily="34" charset="0"/>
+              </a:rPr>
+              <a:t>Let’s</a:t>
+            </a:r>
+            <a:r>
+              <a:rPr lang="it-IT" sz="1600" dirty="0" smtClean="0">
+                <a:latin typeface="Arial" panose="020B0604020202020204" pitchFamily="34" charset="0"/>
+                <a:cs typeface="Arial" panose="020B0604020202020204" pitchFamily="34" charset="0"/>
+              </a:rPr>
+              <a:t> take a look </a:t>
+            </a:r>
+            <a:r>
+              <a:rPr lang="it-IT" sz="1600" dirty="0" err="1" smtClean="0">
+                <a:latin typeface="Arial" panose="020B0604020202020204" pitchFamily="34" charset="0"/>
+                <a:cs typeface="Arial" panose="020B0604020202020204" pitchFamily="34" charset="0"/>
+              </a:rPr>
+              <a:t>at</a:t>
+            </a:r>
+            <a:r>
+              <a:rPr lang="it-IT" sz="1600" dirty="0" smtClean="0">
+                <a:latin typeface="Arial" panose="020B0604020202020204" pitchFamily="34" charset="0"/>
+                <a:cs typeface="Arial" panose="020B0604020202020204" pitchFamily="34" charset="0"/>
+              </a:rPr>
+              <a:t> the </a:t>
+            </a:r>
+            <a:r>
+              <a:rPr lang="it-IT" sz="1600" dirty="0" err="1" smtClean="0">
+                <a:latin typeface="Arial" panose="020B0604020202020204" pitchFamily="34" charset="0"/>
+                <a:cs typeface="Arial" panose="020B0604020202020204" pitchFamily="34" charset="0"/>
+              </a:rPr>
+              <a:t>distribution</a:t>
+            </a:r>
+            <a:r>
+              <a:rPr lang="it-IT" sz="1600" dirty="0" smtClean="0">
+                <a:latin typeface="Arial" panose="020B0604020202020204" pitchFamily="34" charset="0"/>
+                <a:cs typeface="Arial" panose="020B0604020202020204" pitchFamily="34" charset="0"/>
+              </a:rPr>
+              <a:t> of ‘state’ and ‘city’ </a:t>
+            </a:r>
+            <a:r>
+              <a:rPr lang="it-IT" sz="1600" dirty="0" err="1" smtClean="0">
+                <a:latin typeface="Arial" panose="020B0604020202020204" pitchFamily="34" charset="0"/>
+                <a:cs typeface="Arial" panose="020B0604020202020204" pitchFamily="34" charset="0"/>
+              </a:rPr>
+              <a:t>variables</a:t>
+            </a:r>
+            <a:r>
+              <a:rPr lang="it-IT" sz="1600" dirty="0" smtClean="0">
+                <a:latin typeface="Arial" panose="020B0604020202020204" pitchFamily="34" charset="0"/>
+                <a:cs typeface="Arial" panose="020B0604020202020204" pitchFamily="34" charset="0"/>
+              </a:rPr>
+              <a:t>. </a:t>
+            </a:r>
+          </a:p>
+          <a:p>
+            <a:endParaRPr lang="it-IT" sz="1600" dirty="0" smtClean="0">
+              <a:latin typeface="Arial" panose="020B0604020202020204" pitchFamily="34" charset="0"/>
+              <a:cs typeface="Arial" panose="020B0604020202020204" pitchFamily="34" charset="0"/>
+            </a:endParaRPr>
+          </a:p>
+          <a:p>
+            <a:r>
+              <a:rPr lang="it-IT" sz="1600" dirty="0" err="1" smtClean="0">
+                <a:latin typeface="Arial" panose="020B0604020202020204" pitchFamily="34" charset="0"/>
+                <a:cs typeface="Arial" panose="020B0604020202020204" pitchFamily="34" charset="0"/>
+              </a:rPr>
+              <a:t>Both</a:t>
+            </a:r>
+            <a:r>
+              <a:rPr lang="it-IT" sz="1600" dirty="0" smtClean="0">
+                <a:latin typeface="Arial" panose="020B0604020202020204" pitchFamily="34" charset="0"/>
+                <a:cs typeface="Arial" panose="020B0604020202020204" pitchFamily="34" charset="0"/>
+              </a:rPr>
+              <a:t> </a:t>
+            </a:r>
+            <a:r>
+              <a:rPr lang="it-IT" sz="1600" dirty="0" err="1" smtClean="0">
+                <a:latin typeface="Arial" panose="020B0604020202020204" pitchFamily="34" charset="0"/>
+                <a:cs typeface="Arial" panose="020B0604020202020204" pitchFamily="34" charset="0"/>
+              </a:rPr>
+              <a:t>variables</a:t>
+            </a:r>
+            <a:r>
+              <a:rPr lang="it-IT" sz="1600" dirty="0" smtClean="0">
+                <a:latin typeface="Arial" panose="020B0604020202020204" pitchFamily="34" charset="0"/>
+                <a:cs typeface="Arial" panose="020B0604020202020204" pitchFamily="34" charset="0"/>
+              </a:rPr>
+              <a:t> </a:t>
+            </a:r>
+            <a:r>
+              <a:rPr lang="it-IT" sz="1600" dirty="0" err="1" smtClean="0">
+                <a:latin typeface="Arial" panose="020B0604020202020204" pitchFamily="34" charset="0"/>
+                <a:cs typeface="Arial" panose="020B0604020202020204" pitchFamily="34" charset="0"/>
+              </a:rPr>
+              <a:t>variable</a:t>
+            </a:r>
+            <a:r>
+              <a:rPr lang="it-IT" sz="1600" dirty="0" smtClean="0">
+                <a:latin typeface="Arial" panose="020B0604020202020204" pitchFamily="34" charset="0"/>
+                <a:cs typeface="Arial" panose="020B0604020202020204" pitchFamily="34" charset="0"/>
+              </a:rPr>
+              <a:t> </a:t>
+            </a:r>
+            <a:r>
+              <a:rPr lang="it-IT" sz="1600" dirty="0" err="1" smtClean="0">
+                <a:latin typeface="Arial" panose="020B0604020202020204" pitchFamily="34" charset="0"/>
+                <a:cs typeface="Arial" panose="020B0604020202020204" pitchFamily="34" charset="0"/>
+              </a:rPr>
+              <a:t>contain</a:t>
+            </a:r>
+            <a:r>
+              <a:rPr lang="it-IT" sz="1600" dirty="0" smtClean="0">
+                <a:latin typeface="Arial" panose="020B0604020202020204" pitchFamily="34" charset="0"/>
+                <a:cs typeface="Arial" panose="020B0604020202020204" pitchFamily="34" charset="0"/>
+              </a:rPr>
+              <a:t> </a:t>
+            </a:r>
+            <a:r>
+              <a:rPr lang="it-IT" sz="1600" dirty="0" err="1" smtClean="0">
+                <a:latin typeface="Arial" panose="020B0604020202020204" pitchFamily="34" charset="0"/>
+                <a:cs typeface="Arial" panose="020B0604020202020204" pitchFamily="34" charset="0"/>
+              </a:rPr>
+              <a:t>various</a:t>
+            </a:r>
+            <a:r>
+              <a:rPr lang="it-IT" sz="1600" dirty="0" smtClean="0">
+                <a:latin typeface="Arial" panose="020B0604020202020204" pitchFamily="34" charset="0"/>
+                <a:cs typeface="Arial" panose="020B0604020202020204" pitchFamily="34" charset="0"/>
+              </a:rPr>
+              <a:t> </a:t>
+            </a:r>
+            <a:r>
+              <a:rPr lang="it-IT" sz="1600" dirty="0" err="1" smtClean="0">
+                <a:latin typeface="Arial" panose="020B0604020202020204" pitchFamily="34" charset="0"/>
+                <a:cs typeface="Arial" panose="020B0604020202020204" pitchFamily="34" charset="0"/>
+              </a:rPr>
+              <a:t>categorical</a:t>
+            </a:r>
+            <a:r>
+              <a:rPr lang="it-IT" sz="1600" dirty="0" smtClean="0">
+                <a:latin typeface="Arial" panose="020B0604020202020204" pitchFamily="34" charset="0"/>
+                <a:cs typeface="Arial" panose="020B0604020202020204" pitchFamily="34" charset="0"/>
+              </a:rPr>
+              <a:t> </a:t>
+            </a:r>
+            <a:r>
+              <a:rPr lang="it-IT" sz="1600" dirty="0" err="1" smtClean="0">
+                <a:latin typeface="Arial" panose="020B0604020202020204" pitchFamily="34" charset="0"/>
+                <a:cs typeface="Arial" panose="020B0604020202020204" pitchFamily="34" charset="0"/>
+              </a:rPr>
+              <a:t>values</a:t>
+            </a:r>
+            <a:r>
+              <a:rPr lang="it-IT" sz="1600" dirty="0" smtClean="0">
+                <a:latin typeface="Arial" panose="020B0604020202020204" pitchFamily="34" charset="0"/>
+                <a:cs typeface="Arial" panose="020B0604020202020204" pitchFamily="34" charset="0"/>
+              </a:rPr>
+              <a:t>, </a:t>
+            </a:r>
+            <a:r>
+              <a:rPr lang="it-IT" sz="1600" dirty="0" err="1" smtClean="0">
+                <a:latin typeface="Arial" panose="020B0604020202020204" pitchFamily="34" charset="0"/>
+                <a:cs typeface="Arial" panose="020B0604020202020204" pitchFamily="34" charset="0"/>
+              </a:rPr>
+              <a:t>we</a:t>
+            </a:r>
+            <a:r>
+              <a:rPr lang="it-IT" sz="1600" dirty="0" smtClean="0">
+                <a:latin typeface="Arial" panose="020B0604020202020204" pitchFamily="34" charset="0"/>
+                <a:cs typeface="Arial" panose="020B0604020202020204" pitchFamily="34" charset="0"/>
+              </a:rPr>
+              <a:t> </a:t>
+            </a:r>
+            <a:r>
+              <a:rPr lang="it-IT" sz="1600" dirty="0" smtClean="0">
+                <a:latin typeface="Arial" panose="020B0604020202020204" pitchFamily="34" charset="0"/>
+                <a:cs typeface="Arial" panose="020B0604020202020204" pitchFamily="34" charset="0"/>
+              </a:rPr>
+              <a:t>necessitate </a:t>
+            </a:r>
+            <a:r>
+              <a:rPr lang="it-IT" sz="1600" dirty="0" err="1" smtClean="0">
+                <a:latin typeface="Arial" panose="020B0604020202020204" pitchFamily="34" charset="0"/>
+                <a:cs typeface="Arial" panose="020B0604020202020204" pitchFamily="34" charset="0"/>
+              </a:rPr>
+              <a:t>encoding</a:t>
+            </a:r>
+            <a:r>
+              <a:rPr lang="it-IT" sz="1600" dirty="0" smtClean="0">
+                <a:latin typeface="Arial" panose="020B0604020202020204" pitchFamily="34" charset="0"/>
+                <a:cs typeface="Arial" panose="020B0604020202020204" pitchFamily="34" charset="0"/>
+              </a:rPr>
+              <a:t> </a:t>
+            </a:r>
+            <a:r>
+              <a:rPr lang="it-IT" sz="1600" dirty="0" err="1" smtClean="0">
+                <a:latin typeface="Arial" panose="020B0604020202020204" pitchFamily="34" charset="0"/>
+                <a:cs typeface="Arial" panose="020B0604020202020204" pitchFamily="34" charset="0"/>
+              </a:rPr>
+              <a:t>them</a:t>
+            </a:r>
+            <a:r>
+              <a:rPr lang="it-IT" sz="1600" dirty="0" smtClean="0">
+                <a:latin typeface="Arial" panose="020B0604020202020204" pitchFamily="34" charset="0"/>
+                <a:cs typeface="Arial" panose="020B0604020202020204" pitchFamily="34" charset="0"/>
+              </a:rPr>
+              <a:t> </a:t>
+            </a:r>
+            <a:r>
+              <a:rPr lang="it-IT" sz="1600" dirty="0" err="1" smtClean="0">
+                <a:latin typeface="Arial" panose="020B0604020202020204" pitchFamily="34" charset="0"/>
+                <a:cs typeface="Arial" panose="020B0604020202020204" pitchFamily="34" charset="0"/>
+              </a:rPr>
+              <a:t>properly</a:t>
+            </a:r>
+            <a:r>
+              <a:rPr lang="it-IT" sz="1600" dirty="0" smtClean="0">
+                <a:latin typeface="Arial" panose="020B0604020202020204" pitchFamily="34" charset="0"/>
+                <a:cs typeface="Arial" panose="020B0604020202020204" pitchFamily="34" charset="0"/>
+              </a:rPr>
+              <a:t> </a:t>
+            </a:r>
+            <a:r>
+              <a:rPr lang="it-IT" sz="1600" dirty="0" err="1" smtClean="0">
+                <a:latin typeface="Arial" panose="020B0604020202020204" pitchFamily="34" charset="0"/>
+                <a:cs typeface="Arial" panose="020B0604020202020204" pitchFamily="34" charset="0"/>
+              </a:rPr>
+              <a:t>if</a:t>
+            </a:r>
+            <a:r>
+              <a:rPr lang="it-IT" sz="1600" dirty="0" smtClean="0">
+                <a:latin typeface="Arial" panose="020B0604020202020204" pitchFamily="34" charset="0"/>
+                <a:cs typeface="Arial" panose="020B0604020202020204" pitchFamily="34" charset="0"/>
+              </a:rPr>
+              <a:t> </a:t>
+            </a:r>
+            <a:r>
+              <a:rPr lang="it-IT" sz="1600" dirty="0" err="1" smtClean="0">
+                <a:latin typeface="Arial" panose="020B0604020202020204" pitchFamily="34" charset="0"/>
+                <a:cs typeface="Arial" panose="020B0604020202020204" pitchFamily="34" charset="0"/>
+              </a:rPr>
+              <a:t>we</a:t>
+            </a:r>
+            <a:r>
+              <a:rPr lang="it-IT" sz="1600" dirty="0" smtClean="0">
+                <a:latin typeface="Arial" panose="020B0604020202020204" pitchFamily="34" charset="0"/>
+                <a:cs typeface="Arial" panose="020B0604020202020204" pitchFamily="34" charset="0"/>
+              </a:rPr>
+              <a:t> </a:t>
+            </a:r>
+            <a:r>
+              <a:rPr lang="it-IT" sz="1600" dirty="0" err="1" smtClean="0">
+                <a:latin typeface="Arial" panose="020B0604020202020204" pitchFamily="34" charset="0"/>
+                <a:cs typeface="Arial" panose="020B0604020202020204" pitchFamily="34" charset="0"/>
+              </a:rPr>
+              <a:t>want</a:t>
+            </a:r>
+            <a:r>
+              <a:rPr lang="it-IT" sz="1600" dirty="0" smtClean="0">
+                <a:latin typeface="Arial" panose="020B0604020202020204" pitchFamily="34" charset="0"/>
+                <a:cs typeface="Arial" panose="020B0604020202020204" pitchFamily="34" charset="0"/>
+              </a:rPr>
+              <a:t> to include </a:t>
+            </a:r>
+            <a:r>
+              <a:rPr lang="it-IT" sz="1600" dirty="0" err="1" smtClean="0">
+                <a:latin typeface="Arial" panose="020B0604020202020204" pitchFamily="34" charset="0"/>
+                <a:cs typeface="Arial" panose="020B0604020202020204" pitchFamily="34" charset="0"/>
+              </a:rPr>
+              <a:t>them</a:t>
+            </a:r>
+            <a:r>
+              <a:rPr lang="it-IT" sz="1600" dirty="0" smtClean="0">
+                <a:latin typeface="Arial" panose="020B0604020202020204" pitchFamily="34" charset="0"/>
+                <a:cs typeface="Arial" panose="020B0604020202020204" pitchFamily="34" charset="0"/>
+              </a:rPr>
+              <a:t> </a:t>
+            </a:r>
+            <a:r>
+              <a:rPr lang="it-IT" sz="1600" dirty="0" err="1" smtClean="0">
+                <a:latin typeface="Arial" panose="020B0604020202020204" pitchFamily="34" charset="0"/>
+                <a:cs typeface="Arial" panose="020B0604020202020204" pitchFamily="34" charset="0"/>
+              </a:rPr>
+              <a:t>as</a:t>
+            </a:r>
+            <a:r>
+              <a:rPr lang="it-IT" sz="1600" dirty="0" smtClean="0">
+                <a:latin typeface="Arial" panose="020B0604020202020204" pitchFamily="34" charset="0"/>
+                <a:cs typeface="Arial" panose="020B0604020202020204" pitchFamily="34" charset="0"/>
+              </a:rPr>
+              <a:t> </a:t>
+            </a:r>
+            <a:r>
+              <a:rPr lang="it-IT" sz="1600" dirty="0" err="1" smtClean="0">
+                <a:latin typeface="Arial" panose="020B0604020202020204" pitchFamily="34" charset="0"/>
+                <a:cs typeface="Arial" panose="020B0604020202020204" pitchFamily="34" charset="0"/>
+              </a:rPr>
+              <a:t>features</a:t>
+            </a:r>
+            <a:r>
+              <a:rPr lang="it-IT" sz="1600" dirty="0">
+                <a:latin typeface="Arial" panose="020B0604020202020204" pitchFamily="34" charset="0"/>
+                <a:cs typeface="Arial" panose="020B0604020202020204" pitchFamily="34" charset="0"/>
+              </a:rPr>
+              <a:t> </a:t>
+            </a:r>
+            <a:r>
+              <a:rPr lang="it-IT" sz="1600" dirty="0" smtClean="0">
+                <a:latin typeface="Arial" panose="020B0604020202020204" pitchFamily="34" charset="0"/>
+                <a:cs typeface="Arial" panose="020B0604020202020204" pitchFamily="34" charset="0"/>
+              </a:rPr>
+              <a:t>of the model</a:t>
+            </a:r>
+            <a:r>
+              <a:rPr lang="it-IT" sz="1600" dirty="0" smtClean="0">
+                <a:latin typeface="Arial" panose="020B0604020202020204" pitchFamily="34" charset="0"/>
+                <a:cs typeface="Arial" panose="020B0604020202020204" pitchFamily="34" charset="0"/>
+              </a:rPr>
+              <a:t>.</a:t>
+            </a:r>
+            <a:endParaRPr lang="it-IT" sz="1600" dirty="0" smtClean="0">
+              <a:latin typeface="Arial" panose="020B0604020202020204" pitchFamily="34" charset="0"/>
+              <a:cs typeface="Arial" panose="020B0604020202020204" pitchFamily="34" charset="0"/>
+            </a:endParaRPr>
+          </a:p>
+        </p:txBody>
+      </p:sp>
       <p:pic>
         <p:nvPicPr>
-          <p:cNvPr id="8" name="Immagine 7"/>
+          <p:cNvPr id="7" name="Immagine 6"/>
           <p:cNvPicPr>
             <a:picLocks noChangeAspect="1"/>
           </p:cNvPicPr>
@@ -12328,556 +12517,14 @@
         </p:blipFill>
         <p:spPr>
           <a:xfrm>
-            <a:off x="6263640" y="1237956"/>
-            <a:ext cx="4924537" cy="3605976"/>
+            <a:off x="4505962" y="1"/>
+            <a:ext cx="7686038" cy="4585200"/>
           </a:xfrm>
           <a:prstGeom prst="rect">
             <a:avLst/>
           </a:prstGeom>
         </p:spPr>
       </p:pic>
-      <p:sp>
-        <p:nvSpPr>
-          <p:cNvPr id="4" name="CasellaDiTesto 3"/>
-          <p:cNvSpPr txBox="1"/>
-          <p:nvPr/>
-        </p:nvSpPr>
-        <p:spPr>
-          <a:xfrm>
-            <a:off x="403543" y="4811888"/>
-            <a:ext cx="11245913" cy="1815882"/>
-          </a:xfrm>
-          <a:prstGeom prst="rect">
-            <a:avLst/>
-          </a:prstGeom>
-          <a:noFill/>
-        </p:spPr>
-        <p:txBody>
-          <a:bodyPr wrap="square" rtlCol="0">
-            <a:spAutoFit/>
-          </a:bodyPr>
-          <a:lstStyle/>
-          <a:p>
-            <a:r>
-              <a:rPr lang="it-IT" sz="1600" dirty="0" err="1" smtClean="0">
-                <a:latin typeface="Arial" panose="020B0604020202020204" pitchFamily="34" charset="0"/>
-                <a:cs typeface="Arial" panose="020B0604020202020204" pitchFamily="34" charset="0"/>
-              </a:rPr>
-              <a:t>Let’s</a:t>
-            </a:r>
-            <a:r>
-              <a:rPr lang="it-IT" sz="1600" dirty="0" smtClean="0">
-                <a:latin typeface="Arial" panose="020B0604020202020204" pitchFamily="34" charset="0"/>
-                <a:cs typeface="Arial" panose="020B0604020202020204" pitchFamily="34" charset="0"/>
-              </a:rPr>
-              <a:t> take a look </a:t>
-            </a:r>
-            <a:r>
-              <a:rPr lang="it-IT" sz="1600" dirty="0" err="1" smtClean="0">
-                <a:latin typeface="Arial" panose="020B0604020202020204" pitchFamily="34" charset="0"/>
-                <a:cs typeface="Arial" panose="020B0604020202020204" pitchFamily="34" charset="0"/>
-              </a:rPr>
-              <a:t>at</a:t>
-            </a:r>
-            <a:r>
-              <a:rPr lang="it-IT" sz="1600" dirty="0" smtClean="0">
-                <a:latin typeface="Arial" panose="020B0604020202020204" pitchFamily="34" charset="0"/>
-                <a:cs typeface="Arial" panose="020B0604020202020204" pitchFamily="34" charset="0"/>
-              </a:rPr>
-              <a:t> the </a:t>
-            </a:r>
-            <a:r>
-              <a:rPr lang="it-IT" sz="1600" dirty="0" err="1" smtClean="0">
-                <a:latin typeface="Arial" panose="020B0604020202020204" pitchFamily="34" charset="0"/>
-                <a:cs typeface="Arial" panose="020B0604020202020204" pitchFamily="34" charset="0"/>
-              </a:rPr>
-              <a:t>distribution</a:t>
-            </a:r>
-            <a:r>
-              <a:rPr lang="it-IT" sz="1600" dirty="0" smtClean="0">
-                <a:latin typeface="Arial" panose="020B0604020202020204" pitchFamily="34" charset="0"/>
-                <a:cs typeface="Arial" panose="020B0604020202020204" pitchFamily="34" charset="0"/>
-              </a:rPr>
-              <a:t> of ‘state’ and ‘city’ </a:t>
-            </a:r>
-            <a:r>
-              <a:rPr lang="it-IT" sz="1600" dirty="0" err="1" smtClean="0">
-                <a:latin typeface="Arial" panose="020B0604020202020204" pitchFamily="34" charset="0"/>
-                <a:cs typeface="Arial" panose="020B0604020202020204" pitchFamily="34" charset="0"/>
-              </a:rPr>
-              <a:t>variables</a:t>
-            </a:r>
-            <a:r>
-              <a:rPr lang="it-IT" sz="1600" dirty="0" smtClean="0">
-                <a:latin typeface="Arial" panose="020B0604020202020204" pitchFamily="34" charset="0"/>
-                <a:cs typeface="Arial" panose="020B0604020202020204" pitchFamily="34" charset="0"/>
-              </a:rPr>
-              <a:t>. </a:t>
-            </a:r>
-          </a:p>
-          <a:p>
-            <a:endParaRPr lang="it-IT" sz="1600" dirty="0" smtClean="0">
-              <a:latin typeface="Arial" panose="020B0604020202020204" pitchFamily="34" charset="0"/>
-              <a:cs typeface="Arial" panose="020B0604020202020204" pitchFamily="34" charset="0"/>
-            </a:endParaRPr>
-          </a:p>
-          <a:p>
-            <a:r>
-              <a:rPr lang="it-IT" sz="1600" dirty="0" err="1" smtClean="0">
-                <a:latin typeface="Arial" panose="020B0604020202020204" pitchFamily="34" charset="0"/>
-                <a:cs typeface="Arial" panose="020B0604020202020204" pitchFamily="34" charset="0"/>
-              </a:rPr>
-              <a:t>Both</a:t>
-            </a:r>
-            <a:r>
-              <a:rPr lang="it-IT" sz="1600" dirty="0" smtClean="0">
-                <a:latin typeface="Arial" panose="020B0604020202020204" pitchFamily="34" charset="0"/>
-                <a:cs typeface="Arial" panose="020B0604020202020204" pitchFamily="34" charset="0"/>
-              </a:rPr>
-              <a:t> </a:t>
-            </a:r>
-            <a:r>
-              <a:rPr lang="it-IT" sz="1600" dirty="0" err="1" smtClean="0">
-                <a:latin typeface="Arial" panose="020B0604020202020204" pitchFamily="34" charset="0"/>
-                <a:cs typeface="Arial" panose="020B0604020202020204" pitchFamily="34" charset="0"/>
-              </a:rPr>
-              <a:t>variables</a:t>
-            </a:r>
-            <a:r>
-              <a:rPr lang="it-IT" sz="1600" dirty="0" smtClean="0">
-                <a:latin typeface="Arial" panose="020B0604020202020204" pitchFamily="34" charset="0"/>
-                <a:cs typeface="Arial" panose="020B0604020202020204" pitchFamily="34" charset="0"/>
-              </a:rPr>
-              <a:t> </a:t>
-            </a:r>
-            <a:r>
-              <a:rPr lang="it-IT" sz="1600" dirty="0" err="1" smtClean="0">
-                <a:latin typeface="Arial" panose="020B0604020202020204" pitchFamily="34" charset="0"/>
-                <a:cs typeface="Arial" panose="020B0604020202020204" pitchFamily="34" charset="0"/>
-              </a:rPr>
-              <a:t>variable</a:t>
-            </a:r>
-            <a:r>
-              <a:rPr lang="it-IT" sz="1600" dirty="0" smtClean="0">
-                <a:latin typeface="Arial" panose="020B0604020202020204" pitchFamily="34" charset="0"/>
-                <a:cs typeface="Arial" panose="020B0604020202020204" pitchFamily="34" charset="0"/>
-              </a:rPr>
-              <a:t> </a:t>
-            </a:r>
-            <a:r>
-              <a:rPr lang="it-IT" sz="1600" dirty="0" err="1" smtClean="0">
-                <a:latin typeface="Arial" panose="020B0604020202020204" pitchFamily="34" charset="0"/>
-                <a:cs typeface="Arial" panose="020B0604020202020204" pitchFamily="34" charset="0"/>
-              </a:rPr>
-              <a:t>contain</a:t>
-            </a:r>
-            <a:r>
-              <a:rPr lang="it-IT" sz="1600" dirty="0" smtClean="0">
-                <a:latin typeface="Arial" panose="020B0604020202020204" pitchFamily="34" charset="0"/>
-                <a:cs typeface="Arial" panose="020B0604020202020204" pitchFamily="34" charset="0"/>
-              </a:rPr>
-              <a:t> </a:t>
-            </a:r>
-            <a:r>
-              <a:rPr lang="it-IT" sz="1600" dirty="0" err="1" smtClean="0">
-                <a:latin typeface="Arial" panose="020B0604020202020204" pitchFamily="34" charset="0"/>
-                <a:cs typeface="Arial" panose="020B0604020202020204" pitchFamily="34" charset="0"/>
-              </a:rPr>
-              <a:t>various</a:t>
-            </a:r>
-            <a:r>
-              <a:rPr lang="it-IT" sz="1600" dirty="0" smtClean="0">
-                <a:latin typeface="Arial" panose="020B0604020202020204" pitchFamily="34" charset="0"/>
-                <a:cs typeface="Arial" panose="020B0604020202020204" pitchFamily="34" charset="0"/>
-              </a:rPr>
-              <a:t> </a:t>
-            </a:r>
-            <a:r>
-              <a:rPr lang="it-IT" sz="1600" dirty="0" err="1" smtClean="0">
-                <a:latin typeface="Arial" panose="020B0604020202020204" pitchFamily="34" charset="0"/>
-                <a:cs typeface="Arial" panose="020B0604020202020204" pitchFamily="34" charset="0"/>
-              </a:rPr>
-              <a:t>categorical</a:t>
-            </a:r>
-            <a:r>
-              <a:rPr lang="it-IT" sz="1600" dirty="0" smtClean="0">
-                <a:latin typeface="Arial" panose="020B0604020202020204" pitchFamily="34" charset="0"/>
-                <a:cs typeface="Arial" panose="020B0604020202020204" pitchFamily="34" charset="0"/>
-              </a:rPr>
-              <a:t> </a:t>
-            </a:r>
-            <a:r>
-              <a:rPr lang="it-IT" sz="1600" dirty="0" err="1" smtClean="0">
-                <a:latin typeface="Arial" panose="020B0604020202020204" pitchFamily="34" charset="0"/>
-                <a:cs typeface="Arial" panose="020B0604020202020204" pitchFamily="34" charset="0"/>
-              </a:rPr>
-              <a:t>values</a:t>
-            </a:r>
-            <a:r>
-              <a:rPr lang="it-IT" sz="1600" dirty="0" smtClean="0">
-                <a:latin typeface="Arial" panose="020B0604020202020204" pitchFamily="34" charset="0"/>
-                <a:cs typeface="Arial" panose="020B0604020202020204" pitchFamily="34" charset="0"/>
-              </a:rPr>
-              <a:t>, </a:t>
-            </a:r>
-            <a:r>
-              <a:rPr lang="it-IT" sz="1600" dirty="0" err="1" smtClean="0">
-                <a:latin typeface="Arial" panose="020B0604020202020204" pitchFamily="34" charset="0"/>
-                <a:cs typeface="Arial" panose="020B0604020202020204" pitchFamily="34" charset="0"/>
-              </a:rPr>
-              <a:t>we</a:t>
-            </a:r>
-            <a:r>
-              <a:rPr lang="it-IT" sz="1600" dirty="0" smtClean="0">
-                <a:latin typeface="Arial" panose="020B0604020202020204" pitchFamily="34" charset="0"/>
-                <a:cs typeface="Arial" panose="020B0604020202020204" pitchFamily="34" charset="0"/>
-              </a:rPr>
-              <a:t> are </a:t>
-            </a:r>
-            <a:r>
-              <a:rPr lang="it-IT" sz="1600" dirty="0" err="1" smtClean="0">
-                <a:latin typeface="Arial" panose="020B0604020202020204" pitchFamily="34" charset="0"/>
-                <a:cs typeface="Arial" panose="020B0604020202020204" pitchFamily="34" charset="0"/>
-              </a:rPr>
-              <a:t>going</a:t>
-            </a:r>
-            <a:r>
-              <a:rPr lang="it-IT" sz="1600" dirty="0" smtClean="0">
-                <a:latin typeface="Arial" panose="020B0604020202020204" pitchFamily="34" charset="0"/>
-                <a:cs typeface="Arial" panose="020B0604020202020204" pitchFamily="34" charset="0"/>
-              </a:rPr>
-              <a:t> to </a:t>
-            </a:r>
-            <a:r>
-              <a:rPr lang="it-IT" sz="1600" dirty="0" err="1" smtClean="0">
-                <a:latin typeface="Arial" panose="020B0604020202020204" pitchFamily="34" charset="0"/>
-                <a:cs typeface="Arial" panose="020B0604020202020204" pitchFamily="34" charset="0"/>
-              </a:rPr>
-              <a:t>encode</a:t>
-            </a:r>
-            <a:r>
-              <a:rPr lang="it-IT" sz="1600" dirty="0" smtClean="0">
-                <a:latin typeface="Arial" panose="020B0604020202020204" pitchFamily="34" charset="0"/>
-                <a:cs typeface="Arial" panose="020B0604020202020204" pitchFamily="34" charset="0"/>
-              </a:rPr>
-              <a:t> </a:t>
-            </a:r>
-            <a:r>
-              <a:rPr lang="it-IT" sz="1600" dirty="0" err="1" smtClean="0">
-                <a:latin typeface="Arial" panose="020B0604020202020204" pitchFamily="34" charset="0"/>
-                <a:cs typeface="Arial" panose="020B0604020202020204" pitchFamily="34" charset="0"/>
-              </a:rPr>
-              <a:t>them</a:t>
-            </a:r>
-            <a:r>
-              <a:rPr lang="it-IT" sz="1600" dirty="0" smtClean="0">
-                <a:latin typeface="Arial" panose="020B0604020202020204" pitchFamily="34" charset="0"/>
-                <a:cs typeface="Arial" panose="020B0604020202020204" pitchFamily="34" charset="0"/>
-              </a:rPr>
-              <a:t> </a:t>
-            </a:r>
-            <a:r>
-              <a:rPr lang="it-IT" sz="1600" dirty="0" err="1" smtClean="0">
-                <a:latin typeface="Arial" panose="020B0604020202020204" pitchFamily="34" charset="0"/>
-                <a:cs typeface="Arial" panose="020B0604020202020204" pitchFamily="34" charset="0"/>
-              </a:rPr>
-              <a:t>properly</a:t>
-            </a:r>
-            <a:r>
-              <a:rPr lang="it-IT" sz="1600" dirty="0" smtClean="0">
-                <a:latin typeface="Arial" panose="020B0604020202020204" pitchFamily="34" charset="0"/>
-                <a:cs typeface="Arial" panose="020B0604020202020204" pitchFamily="34" charset="0"/>
-              </a:rPr>
-              <a:t> </a:t>
-            </a:r>
-            <a:r>
-              <a:rPr lang="it-IT" sz="1600" dirty="0" err="1" smtClean="0">
-                <a:latin typeface="Arial" panose="020B0604020202020204" pitchFamily="34" charset="0"/>
-                <a:cs typeface="Arial" panose="020B0604020202020204" pitchFamily="34" charset="0"/>
-              </a:rPr>
-              <a:t>if</a:t>
-            </a:r>
-            <a:r>
-              <a:rPr lang="it-IT" sz="1600" dirty="0" smtClean="0">
-                <a:latin typeface="Arial" panose="020B0604020202020204" pitchFamily="34" charset="0"/>
-                <a:cs typeface="Arial" panose="020B0604020202020204" pitchFamily="34" charset="0"/>
-              </a:rPr>
-              <a:t> </a:t>
-            </a:r>
-            <a:r>
-              <a:rPr lang="it-IT" sz="1600" dirty="0" err="1" smtClean="0">
-                <a:latin typeface="Arial" panose="020B0604020202020204" pitchFamily="34" charset="0"/>
-                <a:cs typeface="Arial" panose="020B0604020202020204" pitchFamily="34" charset="0"/>
-              </a:rPr>
-              <a:t>we</a:t>
-            </a:r>
-            <a:r>
-              <a:rPr lang="it-IT" sz="1600" dirty="0" smtClean="0">
-                <a:latin typeface="Arial" panose="020B0604020202020204" pitchFamily="34" charset="0"/>
-                <a:cs typeface="Arial" panose="020B0604020202020204" pitchFamily="34" charset="0"/>
-              </a:rPr>
-              <a:t> </a:t>
-            </a:r>
-            <a:r>
-              <a:rPr lang="it-IT" sz="1600" dirty="0" err="1" smtClean="0">
-                <a:latin typeface="Arial" panose="020B0604020202020204" pitchFamily="34" charset="0"/>
-                <a:cs typeface="Arial" panose="020B0604020202020204" pitchFamily="34" charset="0"/>
-              </a:rPr>
-              <a:t>want</a:t>
-            </a:r>
-            <a:r>
-              <a:rPr lang="it-IT" sz="1600" dirty="0" smtClean="0">
-                <a:latin typeface="Arial" panose="020B0604020202020204" pitchFamily="34" charset="0"/>
-                <a:cs typeface="Arial" panose="020B0604020202020204" pitchFamily="34" charset="0"/>
-              </a:rPr>
-              <a:t> to include </a:t>
-            </a:r>
-            <a:r>
-              <a:rPr lang="it-IT" sz="1600" dirty="0" err="1" smtClean="0">
-                <a:latin typeface="Arial" panose="020B0604020202020204" pitchFamily="34" charset="0"/>
-                <a:cs typeface="Arial" panose="020B0604020202020204" pitchFamily="34" charset="0"/>
-              </a:rPr>
-              <a:t>them</a:t>
-            </a:r>
-            <a:r>
-              <a:rPr lang="it-IT" sz="1600" dirty="0" smtClean="0">
-                <a:latin typeface="Arial" panose="020B0604020202020204" pitchFamily="34" charset="0"/>
-                <a:cs typeface="Arial" panose="020B0604020202020204" pitchFamily="34" charset="0"/>
-              </a:rPr>
-              <a:t> </a:t>
-            </a:r>
-            <a:r>
-              <a:rPr lang="it-IT" sz="1600" dirty="0" err="1" smtClean="0">
-                <a:latin typeface="Arial" panose="020B0604020202020204" pitchFamily="34" charset="0"/>
-                <a:cs typeface="Arial" panose="020B0604020202020204" pitchFamily="34" charset="0"/>
-              </a:rPr>
-              <a:t>as</a:t>
-            </a:r>
-            <a:r>
-              <a:rPr lang="it-IT" sz="1600" dirty="0" smtClean="0">
-                <a:latin typeface="Arial" panose="020B0604020202020204" pitchFamily="34" charset="0"/>
-                <a:cs typeface="Arial" panose="020B0604020202020204" pitchFamily="34" charset="0"/>
-              </a:rPr>
-              <a:t> </a:t>
-            </a:r>
-            <a:r>
-              <a:rPr lang="it-IT" sz="1600" dirty="0" err="1" smtClean="0">
-                <a:latin typeface="Arial" panose="020B0604020202020204" pitchFamily="34" charset="0"/>
-                <a:cs typeface="Arial" panose="020B0604020202020204" pitchFamily="34" charset="0"/>
-              </a:rPr>
-              <a:t>features</a:t>
-            </a:r>
-            <a:r>
-              <a:rPr lang="it-IT" sz="1600" dirty="0">
-                <a:latin typeface="Arial" panose="020B0604020202020204" pitchFamily="34" charset="0"/>
-                <a:cs typeface="Arial" panose="020B0604020202020204" pitchFamily="34" charset="0"/>
-              </a:rPr>
-              <a:t> </a:t>
-            </a:r>
-            <a:r>
-              <a:rPr lang="it-IT" sz="1600" dirty="0" smtClean="0">
-                <a:latin typeface="Arial" panose="020B0604020202020204" pitchFamily="34" charset="0"/>
-                <a:cs typeface="Arial" panose="020B0604020202020204" pitchFamily="34" charset="0"/>
-              </a:rPr>
-              <a:t>of the model.</a:t>
-            </a:r>
-          </a:p>
-          <a:p>
-            <a:endParaRPr lang="it-IT" sz="1600" dirty="0">
-              <a:latin typeface="Arial" panose="020B0604020202020204" pitchFamily="34" charset="0"/>
-              <a:cs typeface="Arial" panose="020B0604020202020204" pitchFamily="34" charset="0"/>
-            </a:endParaRPr>
-          </a:p>
-          <a:p>
-            <a:r>
-              <a:rPr lang="it-IT" sz="1600" dirty="0" err="1" smtClean="0">
-                <a:latin typeface="Arial" panose="020B0604020202020204" pitchFamily="34" charset="0"/>
-                <a:cs typeface="Arial" panose="020B0604020202020204" pitchFamily="34" charset="0"/>
-              </a:rPr>
-              <a:t>Please</a:t>
-            </a:r>
-            <a:r>
-              <a:rPr lang="it-IT" sz="1600" dirty="0" smtClean="0">
-                <a:latin typeface="Arial" panose="020B0604020202020204" pitchFamily="34" charset="0"/>
-                <a:cs typeface="Arial" panose="020B0604020202020204" pitchFamily="34" charset="0"/>
-              </a:rPr>
-              <a:t> note </a:t>
-            </a:r>
-            <a:r>
-              <a:rPr lang="it-IT" sz="1600" dirty="0" err="1" smtClean="0">
-                <a:latin typeface="Arial" panose="020B0604020202020204" pitchFamily="34" charset="0"/>
-                <a:cs typeface="Arial" panose="020B0604020202020204" pitchFamily="34" charset="0"/>
-              </a:rPr>
-              <a:t>that</a:t>
-            </a:r>
-            <a:r>
-              <a:rPr lang="it-IT" sz="1600" dirty="0" smtClean="0">
-                <a:latin typeface="Arial" panose="020B0604020202020204" pitchFamily="34" charset="0"/>
-                <a:cs typeface="Arial" panose="020B0604020202020204" pitchFamily="34" charset="0"/>
-              </a:rPr>
-              <a:t> due to plot </a:t>
-            </a:r>
-            <a:r>
-              <a:rPr lang="it-IT" sz="1600" dirty="0" err="1" smtClean="0">
-                <a:latin typeface="Arial" panose="020B0604020202020204" pitchFamily="34" charset="0"/>
-                <a:cs typeface="Arial" panose="020B0604020202020204" pitchFamily="34" charset="0"/>
-              </a:rPr>
-              <a:t>dimension</a:t>
-            </a:r>
-            <a:r>
-              <a:rPr lang="it-IT" sz="1600" dirty="0" smtClean="0">
-                <a:latin typeface="Arial" panose="020B0604020202020204" pitchFamily="34" charset="0"/>
-                <a:cs typeface="Arial" panose="020B0604020202020204" pitchFamily="34" charset="0"/>
-              </a:rPr>
-              <a:t> the </a:t>
-            </a:r>
-            <a:r>
-              <a:rPr lang="it-IT" sz="1600" dirty="0" err="1" smtClean="0">
-                <a:latin typeface="Arial" panose="020B0604020202020204" pitchFamily="34" charset="0"/>
-                <a:cs typeface="Arial" panose="020B0604020202020204" pitchFamily="34" charset="0"/>
-              </a:rPr>
-              <a:t>barchart</a:t>
-            </a:r>
-            <a:r>
-              <a:rPr lang="it-IT" sz="1600" dirty="0" smtClean="0">
-                <a:latin typeface="Arial" panose="020B0604020202020204" pitchFamily="34" charset="0"/>
-                <a:cs typeface="Arial" panose="020B0604020202020204" pitchFamily="34" charset="0"/>
-              </a:rPr>
-              <a:t> </a:t>
-            </a:r>
-            <a:r>
-              <a:rPr lang="it-IT" sz="1600" dirty="0" err="1" smtClean="0">
-                <a:latin typeface="Arial" panose="020B0604020202020204" pitchFamily="34" charset="0"/>
-                <a:cs typeface="Arial" panose="020B0604020202020204" pitchFamily="34" charset="0"/>
-              </a:rPr>
-              <a:t>related</a:t>
-            </a:r>
-            <a:r>
-              <a:rPr lang="it-IT" sz="1600" dirty="0" smtClean="0">
-                <a:latin typeface="Arial" panose="020B0604020202020204" pitchFamily="34" charset="0"/>
-                <a:cs typeface="Arial" panose="020B0604020202020204" pitchFamily="34" charset="0"/>
-              </a:rPr>
-              <a:t> to ‘city’ </a:t>
-            </a:r>
-            <a:r>
-              <a:rPr lang="it-IT" sz="1600" dirty="0" err="1" smtClean="0">
-                <a:latin typeface="Arial" panose="020B0604020202020204" pitchFamily="34" charset="0"/>
-                <a:cs typeface="Arial" panose="020B0604020202020204" pitchFamily="34" charset="0"/>
-              </a:rPr>
-              <a:t>variable</a:t>
-            </a:r>
-            <a:r>
-              <a:rPr lang="it-IT" sz="1600" dirty="0" smtClean="0">
-                <a:latin typeface="Arial" panose="020B0604020202020204" pitchFamily="34" charset="0"/>
-                <a:cs typeface="Arial" panose="020B0604020202020204" pitchFamily="34" charset="0"/>
-              </a:rPr>
-              <a:t> </a:t>
-            </a:r>
-            <a:r>
-              <a:rPr lang="it-IT" sz="1600" dirty="0" err="1" smtClean="0">
-                <a:latin typeface="Arial" panose="020B0604020202020204" pitchFamily="34" charset="0"/>
-                <a:cs typeface="Arial" panose="020B0604020202020204" pitchFamily="34" charset="0"/>
-              </a:rPr>
-              <a:t>have</a:t>
-            </a:r>
-            <a:r>
-              <a:rPr lang="it-IT" sz="1600" dirty="0" smtClean="0">
-                <a:latin typeface="Arial" panose="020B0604020202020204" pitchFamily="34" charset="0"/>
-                <a:cs typeface="Arial" panose="020B0604020202020204" pitchFamily="34" charset="0"/>
-              </a:rPr>
-              <a:t> </a:t>
-            </a:r>
-            <a:r>
-              <a:rPr lang="it-IT" sz="1600" dirty="0" err="1" smtClean="0">
-                <a:latin typeface="Arial" panose="020B0604020202020204" pitchFamily="34" charset="0"/>
-                <a:cs typeface="Arial" panose="020B0604020202020204" pitchFamily="34" charset="0"/>
-              </a:rPr>
-              <a:t>been</a:t>
-            </a:r>
-            <a:r>
-              <a:rPr lang="it-IT" sz="1600" dirty="0" smtClean="0">
-                <a:latin typeface="Arial" panose="020B0604020202020204" pitchFamily="34" charset="0"/>
-                <a:cs typeface="Arial" panose="020B0604020202020204" pitchFamily="34" charset="0"/>
-              </a:rPr>
-              <a:t> </a:t>
-            </a:r>
-            <a:r>
-              <a:rPr lang="it-IT" sz="1600" dirty="0" err="1" smtClean="0">
-                <a:latin typeface="Arial" panose="020B0604020202020204" pitchFamily="34" charset="0"/>
-                <a:cs typeface="Arial" panose="020B0604020202020204" pitchFamily="34" charset="0"/>
-              </a:rPr>
-              <a:t>simplified</a:t>
-            </a:r>
-            <a:r>
-              <a:rPr lang="it-IT" sz="1600" dirty="0" smtClean="0">
-                <a:latin typeface="Arial" panose="020B0604020202020204" pitchFamily="34" charset="0"/>
-                <a:cs typeface="Arial" panose="020B0604020202020204" pitchFamily="34" charset="0"/>
-              </a:rPr>
-              <a:t> </a:t>
-            </a:r>
-            <a:r>
-              <a:rPr lang="it-IT" sz="1600" dirty="0" err="1" smtClean="0">
-                <a:latin typeface="Arial" panose="020B0604020202020204" pitchFamily="34" charset="0"/>
-                <a:cs typeface="Arial" panose="020B0604020202020204" pitchFamily="34" charset="0"/>
-              </a:rPr>
-              <a:t>selecting</a:t>
-            </a:r>
-            <a:r>
-              <a:rPr lang="it-IT" sz="1600" dirty="0" smtClean="0">
-                <a:latin typeface="Arial" panose="020B0604020202020204" pitchFamily="34" charset="0"/>
-                <a:cs typeface="Arial" panose="020B0604020202020204" pitchFamily="34" charset="0"/>
-              </a:rPr>
-              <a:t> </a:t>
-            </a:r>
-            <a:r>
-              <a:rPr lang="it-IT" sz="1600" dirty="0" err="1" smtClean="0">
-                <a:latin typeface="Arial" panose="020B0604020202020204" pitchFamily="34" charset="0"/>
-                <a:cs typeface="Arial" panose="020B0604020202020204" pitchFamily="34" charset="0"/>
-              </a:rPr>
-              <a:t>only</a:t>
-            </a:r>
-            <a:r>
-              <a:rPr lang="it-IT" sz="1600" dirty="0" smtClean="0">
-                <a:latin typeface="Arial" panose="020B0604020202020204" pitchFamily="34" charset="0"/>
-                <a:cs typeface="Arial" panose="020B0604020202020204" pitchFamily="34" charset="0"/>
-              </a:rPr>
-              <a:t> the top </a:t>
-            </a:r>
-            <a:r>
-              <a:rPr lang="it-IT" sz="1600" dirty="0" err="1" smtClean="0">
-                <a:latin typeface="Arial" panose="020B0604020202020204" pitchFamily="34" charset="0"/>
-                <a:cs typeface="Arial" panose="020B0604020202020204" pitchFamily="34" charset="0"/>
-              </a:rPr>
-              <a:t>five</a:t>
-            </a:r>
-            <a:r>
-              <a:rPr lang="it-IT" sz="1600" dirty="0" smtClean="0">
-                <a:latin typeface="Arial" panose="020B0604020202020204" pitchFamily="34" charset="0"/>
-                <a:cs typeface="Arial" panose="020B0604020202020204" pitchFamily="34" charset="0"/>
-              </a:rPr>
-              <a:t> </a:t>
-            </a:r>
-            <a:r>
-              <a:rPr lang="it-IT" sz="1600" dirty="0" err="1" smtClean="0">
-                <a:latin typeface="Arial" panose="020B0604020202020204" pitchFamily="34" charset="0"/>
-                <a:cs typeface="Arial" panose="020B0604020202020204" pitchFamily="34" charset="0"/>
-              </a:rPr>
-              <a:t>cities</a:t>
-            </a:r>
-            <a:r>
-              <a:rPr lang="it-IT" sz="1600" dirty="0" smtClean="0">
-                <a:latin typeface="Arial" panose="020B0604020202020204" pitchFamily="34" charset="0"/>
-                <a:cs typeface="Arial" panose="020B0604020202020204" pitchFamily="34" charset="0"/>
-              </a:rPr>
-              <a:t>. </a:t>
-            </a:r>
-            <a:endParaRPr lang="it-IT" sz="1600" dirty="0">
-              <a:latin typeface="Arial" panose="020B0604020202020204" pitchFamily="34" charset="0"/>
-              <a:cs typeface="Arial" panose="020B0604020202020204" pitchFamily="34" charset="0"/>
-            </a:endParaRPr>
-          </a:p>
-        </p:txBody>
-      </p:sp>
     </p:spTree>
     <p:extLst>
       <p:ext uri="{BB962C8B-B14F-4D97-AF65-F5344CB8AC3E}">
@@ -12981,9 +12628,411 @@
           </a:p>
         </p:txBody>
       </p:sp>
+      <p:sp>
+        <p:nvSpPr>
+          <p:cNvPr id="8" name="CasellaDiTesto 7"/>
+          <p:cNvSpPr txBox="1"/>
+          <p:nvPr/>
+        </p:nvSpPr>
+        <p:spPr>
+          <a:xfrm>
+            <a:off x="7967621" y="3293998"/>
+            <a:ext cx="3775973" cy="2308324"/>
+          </a:xfrm>
+          <a:prstGeom prst="rect">
+            <a:avLst/>
+          </a:prstGeom>
+          <a:noFill/>
+        </p:spPr>
+        <p:txBody>
+          <a:bodyPr wrap="square" rtlCol="0">
+            <a:spAutoFit/>
+          </a:bodyPr>
+          <a:lstStyle/>
+          <a:p>
+            <a:r>
+              <a:rPr lang="it-IT" sz="1600" dirty="0" err="1" smtClean="0">
+                <a:latin typeface="Arial" panose="020B0604020202020204" pitchFamily="34" charset="0"/>
+                <a:cs typeface="Arial" panose="020B0604020202020204" pitchFamily="34" charset="0"/>
+              </a:rPr>
+              <a:t>Now</a:t>
+            </a:r>
+            <a:r>
+              <a:rPr lang="it-IT" sz="1600" dirty="0" smtClean="0">
+                <a:latin typeface="Arial" panose="020B0604020202020204" pitchFamily="34" charset="0"/>
+                <a:cs typeface="Arial" panose="020B0604020202020204" pitchFamily="34" charset="0"/>
+              </a:rPr>
+              <a:t>, </a:t>
+            </a:r>
+            <a:r>
+              <a:rPr lang="it-IT" sz="1600" dirty="0" err="1" smtClean="0">
+                <a:latin typeface="Arial" panose="020B0604020202020204" pitchFamily="34" charset="0"/>
+                <a:cs typeface="Arial" panose="020B0604020202020204" pitchFamily="34" charset="0"/>
+              </a:rPr>
+              <a:t>let’s</a:t>
+            </a:r>
+            <a:r>
+              <a:rPr lang="it-IT" sz="1600" dirty="0" smtClean="0">
+                <a:latin typeface="Arial" panose="020B0604020202020204" pitchFamily="34" charset="0"/>
+                <a:cs typeface="Arial" panose="020B0604020202020204" pitchFamily="34" charset="0"/>
+              </a:rPr>
+              <a:t> look </a:t>
+            </a:r>
+            <a:r>
+              <a:rPr lang="it-IT" sz="1600" dirty="0" err="1" smtClean="0">
+                <a:latin typeface="Arial" panose="020B0604020202020204" pitchFamily="34" charset="0"/>
+                <a:cs typeface="Arial" panose="020B0604020202020204" pitchFamily="34" charset="0"/>
+              </a:rPr>
+              <a:t>at</a:t>
+            </a:r>
+            <a:r>
+              <a:rPr lang="it-IT" sz="1600" dirty="0" smtClean="0">
+                <a:latin typeface="Arial" panose="020B0604020202020204" pitchFamily="34" charset="0"/>
+                <a:cs typeface="Arial" panose="020B0604020202020204" pitchFamily="34" charset="0"/>
+              </a:rPr>
+              <a:t> the </a:t>
+            </a:r>
+            <a:r>
+              <a:rPr lang="it-IT" sz="1600" dirty="0" err="1" smtClean="0">
+                <a:latin typeface="Arial" panose="020B0604020202020204" pitchFamily="34" charset="0"/>
+                <a:cs typeface="Arial" panose="020B0604020202020204" pitchFamily="34" charset="0"/>
+              </a:rPr>
+              <a:t>distributions</a:t>
+            </a:r>
+            <a:r>
+              <a:rPr lang="it-IT" sz="1600" dirty="0" smtClean="0">
+                <a:latin typeface="Arial" panose="020B0604020202020204" pitchFamily="34" charset="0"/>
+                <a:cs typeface="Arial" panose="020B0604020202020204" pitchFamily="34" charset="0"/>
+              </a:rPr>
+              <a:t> of </a:t>
+            </a:r>
+            <a:r>
+              <a:rPr lang="it-IT" sz="1600" dirty="0" err="1" smtClean="0">
+                <a:latin typeface="Arial" panose="020B0604020202020204" pitchFamily="34" charset="0"/>
+                <a:cs typeface="Arial" panose="020B0604020202020204" pitchFamily="34" charset="0"/>
+              </a:rPr>
+              <a:t>other</a:t>
+            </a:r>
+            <a:r>
+              <a:rPr lang="it-IT" sz="1600" dirty="0" smtClean="0">
+                <a:latin typeface="Arial" panose="020B0604020202020204" pitchFamily="34" charset="0"/>
+                <a:cs typeface="Arial" panose="020B0604020202020204" pitchFamily="34" charset="0"/>
+              </a:rPr>
+              <a:t> </a:t>
+            </a:r>
+            <a:r>
+              <a:rPr lang="it-IT" sz="1600" dirty="0" err="1" smtClean="0">
+                <a:latin typeface="Arial" panose="020B0604020202020204" pitchFamily="34" charset="0"/>
+                <a:cs typeface="Arial" panose="020B0604020202020204" pitchFamily="34" charset="0"/>
+              </a:rPr>
+              <a:t>categorical</a:t>
+            </a:r>
+            <a:r>
+              <a:rPr lang="it-IT" sz="1600" dirty="0" smtClean="0">
+                <a:latin typeface="Arial" panose="020B0604020202020204" pitchFamily="34" charset="0"/>
+                <a:cs typeface="Arial" panose="020B0604020202020204" pitchFamily="34" charset="0"/>
+              </a:rPr>
+              <a:t> </a:t>
+            </a:r>
+            <a:r>
+              <a:rPr lang="it-IT" sz="1600" dirty="0" err="1" smtClean="0">
+                <a:latin typeface="Arial" panose="020B0604020202020204" pitchFamily="34" charset="0"/>
+                <a:cs typeface="Arial" panose="020B0604020202020204" pitchFamily="34" charset="0"/>
+              </a:rPr>
+              <a:t>columns</a:t>
+            </a:r>
+            <a:r>
+              <a:rPr lang="it-IT" sz="1600" dirty="0" smtClean="0">
+                <a:latin typeface="Arial" panose="020B0604020202020204" pitchFamily="34" charset="0"/>
+                <a:cs typeface="Arial" panose="020B0604020202020204" pitchFamily="34" charset="0"/>
+              </a:rPr>
+              <a:t> </a:t>
+            </a:r>
+            <a:r>
+              <a:rPr lang="it-IT" sz="1600" dirty="0" err="1" smtClean="0">
+                <a:latin typeface="Arial" panose="020B0604020202020204" pitchFamily="34" charset="0"/>
+                <a:cs typeface="Arial" panose="020B0604020202020204" pitchFamily="34" charset="0"/>
+              </a:rPr>
+              <a:t>such</a:t>
+            </a:r>
+            <a:r>
+              <a:rPr lang="it-IT" sz="1600" dirty="0" smtClean="0">
+                <a:latin typeface="Arial" panose="020B0604020202020204" pitchFamily="34" charset="0"/>
+                <a:cs typeface="Arial" panose="020B0604020202020204" pitchFamily="34" charset="0"/>
+              </a:rPr>
+              <a:t> </a:t>
+            </a:r>
+            <a:r>
+              <a:rPr lang="it-IT" sz="1600" dirty="0" err="1" smtClean="0">
+                <a:latin typeface="Arial" panose="020B0604020202020204" pitchFamily="34" charset="0"/>
+                <a:cs typeface="Arial" panose="020B0604020202020204" pitchFamily="34" charset="0"/>
+              </a:rPr>
+              <a:t>as</a:t>
+            </a:r>
+            <a:r>
+              <a:rPr lang="it-IT" sz="1600" dirty="0">
+                <a:latin typeface="Arial" panose="020B0604020202020204" pitchFamily="34" charset="0"/>
+                <a:cs typeface="Arial" panose="020B0604020202020204" pitchFamily="34" charset="0"/>
+              </a:rPr>
+              <a:t> </a:t>
+            </a:r>
+            <a:r>
+              <a:rPr lang="it-IT" sz="1600" dirty="0" smtClean="0">
+                <a:latin typeface="Arial" panose="020B0604020202020204" pitchFamily="34" charset="0"/>
+                <a:cs typeface="Arial" panose="020B0604020202020204" pitchFamily="34" charset="0"/>
+              </a:rPr>
+              <a:t>‘job</a:t>
+            </a:r>
+            <a:r>
+              <a:rPr lang="it-IT" sz="1600" dirty="0" smtClean="0">
+                <a:latin typeface="Arial" panose="020B0604020202020204" pitchFamily="34" charset="0"/>
+                <a:cs typeface="Arial" panose="020B0604020202020204" pitchFamily="34" charset="0"/>
+              </a:rPr>
+              <a:t>’, and ‘</a:t>
+            </a:r>
+            <a:r>
+              <a:rPr lang="it-IT" sz="1600" dirty="0" err="1" smtClean="0">
+                <a:latin typeface="Arial" panose="020B0604020202020204" pitchFamily="34" charset="0"/>
+                <a:cs typeface="Arial" panose="020B0604020202020204" pitchFamily="34" charset="0"/>
+              </a:rPr>
+              <a:t>category</a:t>
+            </a:r>
+            <a:r>
+              <a:rPr lang="it-IT" sz="1600" dirty="0" smtClean="0">
+                <a:latin typeface="Arial" panose="020B0604020202020204" pitchFamily="34" charset="0"/>
+                <a:cs typeface="Arial" panose="020B0604020202020204" pitchFamily="34" charset="0"/>
+              </a:rPr>
+              <a:t>’.</a:t>
+            </a:r>
+          </a:p>
+          <a:p>
+            <a:endParaRPr lang="it-IT" sz="1600" dirty="0" smtClean="0">
+              <a:latin typeface="Arial" panose="020B0604020202020204" pitchFamily="34" charset="0"/>
+              <a:cs typeface="Arial" panose="020B0604020202020204" pitchFamily="34" charset="0"/>
+            </a:endParaRPr>
+          </a:p>
+          <a:p>
+            <a:r>
+              <a:rPr lang="it-IT" sz="1600" dirty="0" err="1" smtClean="0">
+                <a:latin typeface="Arial" panose="020B0604020202020204" pitchFamily="34" charset="0"/>
+                <a:cs typeface="Arial" panose="020B0604020202020204" pitchFamily="34" charset="0"/>
+              </a:rPr>
+              <a:t>Both</a:t>
+            </a:r>
+            <a:r>
+              <a:rPr lang="it-IT" sz="1600" dirty="0" smtClean="0">
+                <a:latin typeface="Arial" panose="020B0604020202020204" pitchFamily="34" charset="0"/>
+                <a:cs typeface="Arial" panose="020B0604020202020204" pitchFamily="34" charset="0"/>
+              </a:rPr>
+              <a:t> </a:t>
+            </a:r>
+            <a:r>
+              <a:rPr lang="it-IT" sz="1600" dirty="0" err="1" smtClean="0">
+                <a:latin typeface="Arial" panose="020B0604020202020204" pitchFamily="34" charset="0"/>
+                <a:cs typeface="Arial" panose="020B0604020202020204" pitchFamily="34" charset="0"/>
+              </a:rPr>
+              <a:t>categorical</a:t>
+            </a:r>
+            <a:r>
+              <a:rPr lang="it-IT" sz="1600" dirty="0" smtClean="0">
+                <a:latin typeface="Arial" panose="020B0604020202020204" pitchFamily="34" charset="0"/>
+                <a:cs typeface="Arial" panose="020B0604020202020204" pitchFamily="34" charset="0"/>
+              </a:rPr>
+              <a:t> </a:t>
+            </a:r>
+            <a:r>
+              <a:rPr lang="it-IT" sz="1600" dirty="0" err="1" smtClean="0">
+                <a:latin typeface="Arial" panose="020B0604020202020204" pitchFamily="34" charset="0"/>
+                <a:cs typeface="Arial" panose="020B0604020202020204" pitchFamily="34" charset="0"/>
+              </a:rPr>
+              <a:t>variables</a:t>
+            </a:r>
+            <a:r>
+              <a:rPr lang="it-IT" sz="1600" dirty="0" smtClean="0">
+                <a:latin typeface="Arial" panose="020B0604020202020204" pitchFamily="34" charset="0"/>
+                <a:cs typeface="Arial" panose="020B0604020202020204" pitchFamily="34" charset="0"/>
+              </a:rPr>
+              <a:t> </a:t>
+            </a:r>
+            <a:r>
+              <a:rPr lang="it-IT" sz="1600" dirty="0" err="1" smtClean="0">
+                <a:latin typeface="Arial" panose="020B0604020202020204" pitchFamily="34" charset="0"/>
+                <a:cs typeface="Arial" panose="020B0604020202020204" pitchFamily="34" charset="0"/>
+              </a:rPr>
+              <a:t>contain</a:t>
+            </a:r>
+            <a:r>
+              <a:rPr lang="it-IT" sz="1600" dirty="0" smtClean="0">
+                <a:latin typeface="Arial" panose="020B0604020202020204" pitchFamily="34" charset="0"/>
+                <a:cs typeface="Arial" panose="020B0604020202020204" pitchFamily="34" charset="0"/>
+              </a:rPr>
+              <a:t> </a:t>
+            </a:r>
+            <a:r>
+              <a:rPr lang="it-IT" sz="1600" dirty="0" err="1" smtClean="0">
+                <a:latin typeface="Arial" panose="020B0604020202020204" pitchFamily="34" charset="0"/>
+                <a:cs typeface="Arial" panose="020B0604020202020204" pitchFamily="34" charset="0"/>
+              </a:rPr>
+              <a:t>various</a:t>
+            </a:r>
+            <a:r>
+              <a:rPr lang="it-IT" sz="1600" dirty="0" smtClean="0">
+                <a:latin typeface="Arial" panose="020B0604020202020204" pitchFamily="34" charset="0"/>
+                <a:cs typeface="Arial" panose="020B0604020202020204" pitchFamily="34" charset="0"/>
+              </a:rPr>
+              <a:t> </a:t>
+            </a:r>
+            <a:r>
+              <a:rPr lang="it-IT" sz="1600" dirty="0" err="1" smtClean="0">
+                <a:latin typeface="Arial" panose="020B0604020202020204" pitchFamily="34" charset="0"/>
+                <a:cs typeface="Arial" panose="020B0604020202020204" pitchFamily="34" charset="0"/>
+              </a:rPr>
+              <a:t>values</a:t>
+            </a:r>
+            <a:r>
+              <a:rPr lang="it-IT" sz="1600" dirty="0" smtClean="0">
+                <a:latin typeface="Arial" panose="020B0604020202020204" pitchFamily="34" charset="0"/>
+                <a:cs typeface="Arial" panose="020B0604020202020204" pitchFamily="34" charset="0"/>
+              </a:rPr>
+              <a:t>.</a:t>
+            </a:r>
+          </a:p>
+          <a:p>
+            <a:endParaRPr lang="it-IT" sz="1600" dirty="0">
+              <a:latin typeface="Arial" panose="020B0604020202020204" pitchFamily="34" charset="0"/>
+              <a:cs typeface="Arial" panose="020B0604020202020204" pitchFamily="34" charset="0"/>
+            </a:endParaRPr>
+          </a:p>
+          <a:p>
+            <a:r>
+              <a:rPr lang="it-IT" sz="1600" dirty="0" err="1" smtClean="0">
+                <a:latin typeface="Arial" panose="020B0604020202020204" pitchFamily="34" charset="0"/>
+                <a:cs typeface="Arial" panose="020B0604020202020204" pitchFamily="34" charset="0"/>
+              </a:rPr>
+              <a:t>As</a:t>
+            </a:r>
+            <a:r>
+              <a:rPr lang="it-IT" sz="1600" dirty="0" smtClean="0">
+                <a:latin typeface="Arial" panose="020B0604020202020204" pitchFamily="34" charset="0"/>
+                <a:cs typeface="Arial" panose="020B0604020202020204" pitchFamily="34" charset="0"/>
+              </a:rPr>
+              <a:t> </a:t>
+            </a:r>
+            <a:r>
+              <a:rPr lang="it-IT" sz="1600" dirty="0" smtClean="0">
+                <a:latin typeface="Arial" panose="020B0604020202020204" pitchFamily="34" charset="0"/>
+                <a:cs typeface="Arial" panose="020B0604020202020204" pitchFamily="34" charset="0"/>
+              </a:rPr>
+              <a:t>for ‘city’ </a:t>
+            </a:r>
+            <a:r>
+              <a:rPr lang="it-IT" sz="1600" dirty="0" err="1" smtClean="0">
+                <a:latin typeface="Arial" panose="020B0604020202020204" pitchFamily="34" charset="0"/>
+                <a:cs typeface="Arial" panose="020B0604020202020204" pitchFamily="34" charset="0"/>
+              </a:rPr>
+              <a:t>variable</a:t>
+            </a:r>
+            <a:r>
+              <a:rPr lang="it-IT" sz="1600" dirty="0" smtClean="0">
+                <a:latin typeface="Arial" panose="020B0604020202020204" pitchFamily="34" charset="0"/>
+                <a:cs typeface="Arial" panose="020B0604020202020204" pitchFamily="34" charset="0"/>
+              </a:rPr>
+              <a:t>, </a:t>
+            </a:r>
+            <a:r>
+              <a:rPr lang="it-IT" sz="1600" dirty="0" err="1" smtClean="0">
+                <a:latin typeface="Arial" panose="020B0604020202020204" pitchFamily="34" charset="0"/>
+                <a:cs typeface="Arial" panose="020B0604020202020204" pitchFamily="34" charset="0"/>
+              </a:rPr>
+              <a:t>we</a:t>
+            </a:r>
+            <a:r>
+              <a:rPr lang="it-IT" sz="1600" dirty="0" smtClean="0">
+                <a:latin typeface="Arial" panose="020B0604020202020204" pitchFamily="34" charset="0"/>
+                <a:cs typeface="Arial" panose="020B0604020202020204" pitchFamily="34" charset="0"/>
+              </a:rPr>
+              <a:t> </a:t>
+            </a:r>
+            <a:r>
+              <a:rPr lang="it-IT" sz="1600" dirty="0" err="1" smtClean="0">
+                <a:latin typeface="Arial" panose="020B0604020202020204" pitchFamily="34" charset="0"/>
+                <a:cs typeface="Arial" panose="020B0604020202020204" pitchFamily="34" charset="0"/>
+              </a:rPr>
+              <a:t>need</a:t>
+            </a:r>
+            <a:r>
+              <a:rPr lang="it-IT" sz="1600" dirty="0" smtClean="0">
+                <a:latin typeface="Arial" panose="020B0604020202020204" pitchFamily="34" charset="0"/>
+                <a:cs typeface="Arial" panose="020B0604020202020204" pitchFamily="34" charset="0"/>
+              </a:rPr>
+              <a:t> to </a:t>
+            </a:r>
+            <a:r>
+              <a:rPr lang="it-IT" sz="1600" dirty="0" err="1" smtClean="0">
+                <a:latin typeface="Arial" panose="020B0604020202020204" pitchFamily="34" charset="0"/>
+                <a:cs typeface="Arial" panose="020B0604020202020204" pitchFamily="34" charset="0"/>
+              </a:rPr>
+              <a:t>encode</a:t>
+            </a:r>
+            <a:r>
+              <a:rPr lang="it-IT" sz="1600" dirty="0" smtClean="0">
+                <a:latin typeface="Arial" panose="020B0604020202020204" pitchFamily="34" charset="0"/>
+                <a:cs typeface="Arial" panose="020B0604020202020204" pitchFamily="34" charset="0"/>
+              </a:rPr>
+              <a:t> </a:t>
+            </a:r>
+            <a:r>
+              <a:rPr lang="it-IT" sz="1600" dirty="0" err="1" smtClean="0">
+                <a:latin typeface="Arial" panose="020B0604020202020204" pitchFamily="34" charset="0"/>
+                <a:cs typeface="Arial" panose="020B0604020202020204" pitchFamily="34" charset="0"/>
+              </a:rPr>
+              <a:t>them</a:t>
+            </a:r>
+            <a:r>
+              <a:rPr lang="it-IT" sz="1600" dirty="0" smtClean="0">
+                <a:latin typeface="Arial" panose="020B0604020202020204" pitchFamily="34" charset="0"/>
+                <a:cs typeface="Arial" panose="020B0604020202020204" pitchFamily="34" charset="0"/>
+              </a:rPr>
+              <a:t> </a:t>
+            </a:r>
+            <a:r>
+              <a:rPr lang="it-IT" sz="1600" dirty="0" err="1" smtClean="0">
+                <a:latin typeface="Arial" panose="020B0604020202020204" pitchFamily="34" charset="0"/>
+                <a:cs typeface="Arial" panose="020B0604020202020204" pitchFamily="34" charset="0"/>
+              </a:rPr>
+              <a:t>as</a:t>
+            </a:r>
+            <a:r>
+              <a:rPr lang="it-IT" sz="1600" dirty="0" smtClean="0">
+                <a:latin typeface="Arial" panose="020B0604020202020204" pitchFamily="34" charset="0"/>
+                <a:cs typeface="Arial" panose="020B0604020202020204" pitchFamily="34" charset="0"/>
+              </a:rPr>
+              <a:t> </a:t>
+            </a:r>
+            <a:r>
+              <a:rPr lang="it-IT" sz="1600" dirty="0" err="1" smtClean="0">
+                <a:latin typeface="Arial" panose="020B0604020202020204" pitchFamily="34" charset="0"/>
+                <a:cs typeface="Arial" panose="020B0604020202020204" pitchFamily="34" charset="0"/>
+              </a:rPr>
+              <a:t>well</a:t>
+            </a:r>
+            <a:r>
+              <a:rPr lang="it-IT" sz="1600" dirty="0" smtClean="0">
+                <a:latin typeface="Arial" panose="020B0604020202020204" pitchFamily="34" charset="0"/>
+                <a:cs typeface="Arial" panose="020B0604020202020204" pitchFamily="34" charset="0"/>
+              </a:rPr>
+              <a:t>.</a:t>
+            </a:r>
+            <a:endParaRPr lang="it-IT" sz="1600" dirty="0">
+              <a:latin typeface="Arial" panose="020B0604020202020204" pitchFamily="34" charset="0"/>
+              <a:cs typeface="Arial" panose="020B0604020202020204" pitchFamily="34" charset="0"/>
+            </a:endParaRPr>
+          </a:p>
+        </p:txBody>
+      </p:sp>
       <p:pic>
         <p:nvPicPr>
-          <p:cNvPr id="7" name="Immagine 6"/>
+          <p:cNvPr id="6" name="Immagine 5"/>
           <p:cNvPicPr>
             <a:picLocks noChangeAspect="1"/>
           </p:cNvPicPr>
@@ -13003,574 +13052,17 @@
         </p:blipFill>
         <p:spPr>
           <a:xfrm>
-            <a:off x="0" y="1447114"/>
-            <a:ext cx="4304020" cy="3747855"/>
+            <a:off x="7342708" y="45449"/>
+            <a:ext cx="4752496" cy="2835160"/>
           </a:xfrm>
           <a:prstGeom prst="rect">
             <a:avLst/>
           </a:prstGeom>
         </p:spPr>
       </p:pic>
-      <p:sp>
-        <p:nvSpPr>
-          <p:cNvPr id="8" name="CasellaDiTesto 7"/>
-          <p:cNvSpPr txBox="1"/>
-          <p:nvPr/>
-        </p:nvSpPr>
-        <p:spPr>
-          <a:xfrm>
-            <a:off x="340288" y="5335507"/>
-            <a:ext cx="11144576" cy="1323439"/>
-          </a:xfrm>
-          <a:prstGeom prst="rect">
-            <a:avLst/>
-          </a:prstGeom>
-          <a:noFill/>
-        </p:spPr>
-        <p:txBody>
-          <a:bodyPr wrap="square" rtlCol="0">
-            <a:spAutoFit/>
-          </a:bodyPr>
-          <a:lstStyle/>
-          <a:p>
-            <a:r>
-              <a:rPr lang="it-IT" sz="1600" dirty="0" err="1" smtClean="0">
-                <a:latin typeface="Arial" panose="020B0604020202020204" pitchFamily="34" charset="0"/>
-                <a:cs typeface="Arial" panose="020B0604020202020204" pitchFamily="34" charset="0"/>
-              </a:rPr>
-              <a:t>Now</a:t>
-            </a:r>
-            <a:r>
-              <a:rPr lang="it-IT" sz="1600" dirty="0" smtClean="0">
-                <a:latin typeface="Arial" panose="020B0604020202020204" pitchFamily="34" charset="0"/>
-                <a:cs typeface="Arial" panose="020B0604020202020204" pitchFamily="34" charset="0"/>
-              </a:rPr>
-              <a:t>, </a:t>
-            </a:r>
-            <a:r>
-              <a:rPr lang="it-IT" sz="1600" dirty="0" err="1" smtClean="0">
-                <a:latin typeface="Arial" panose="020B0604020202020204" pitchFamily="34" charset="0"/>
-                <a:cs typeface="Arial" panose="020B0604020202020204" pitchFamily="34" charset="0"/>
-              </a:rPr>
-              <a:t>let’s</a:t>
-            </a:r>
-            <a:r>
-              <a:rPr lang="it-IT" sz="1600" dirty="0" smtClean="0">
-                <a:latin typeface="Arial" panose="020B0604020202020204" pitchFamily="34" charset="0"/>
-                <a:cs typeface="Arial" panose="020B0604020202020204" pitchFamily="34" charset="0"/>
-              </a:rPr>
-              <a:t> look </a:t>
-            </a:r>
-            <a:r>
-              <a:rPr lang="it-IT" sz="1600" dirty="0" err="1" smtClean="0">
-                <a:latin typeface="Arial" panose="020B0604020202020204" pitchFamily="34" charset="0"/>
-                <a:cs typeface="Arial" panose="020B0604020202020204" pitchFamily="34" charset="0"/>
-              </a:rPr>
-              <a:t>at</a:t>
-            </a:r>
-            <a:r>
-              <a:rPr lang="it-IT" sz="1600" dirty="0" smtClean="0">
-                <a:latin typeface="Arial" panose="020B0604020202020204" pitchFamily="34" charset="0"/>
-                <a:cs typeface="Arial" panose="020B0604020202020204" pitchFamily="34" charset="0"/>
-              </a:rPr>
-              <a:t> the </a:t>
-            </a:r>
-            <a:r>
-              <a:rPr lang="it-IT" sz="1600" dirty="0" err="1" smtClean="0">
-                <a:latin typeface="Arial" panose="020B0604020202020204" pitchFamily="34" charset="0"/>
-                <a:cs typeface="Arial" panose="020B0604020202020204" pitchFamily="34" charset="0"/>
-              </a:rPr>
-              <a:t>distributions</a:t>
-            </a:r>
-            <a:r>
-              <a:rPr lang="it-IT" sz="1600" dirty="0" smtClean="0">
-                <a:latin typeface="Arial" panose="020B0604020202020204" pitchFamily="34" charset="0"/>
-                <a:cs typeface="Arial" panose="020B0604020202020204" pitchFamily="34" charset="0"/>
-              </a:rPr>
-              <a:t> of </a:t>
-            </a:r>
-            <a:r>
-              <a:rPr lang="it-IT" sz="1600" dirty="0" err="1" smtClean="0">
-                <a:latin typeface="Arial" panose="020B0604020202020204" pitchFamily="34" charset="0"/>
-                <a:cs typeface="Arial" panose="020B0604020202020204" pitchFamily="34" charset="0"/>
-              </a:rPr>
-              <a:t>other</a:t>
-            </a:r>
-            <a:r>
-              <a:rPr lang="it-IT" sz="1600" dirty="0" smtClean="0">
-                <a:latin typeface="Arial" panose="020B0604020202020204" pitchFamily="34" charset="0"/>
-                <a:cs typeface="Arial" panose="020B0604020202020204" pitchFamily="34" charset="0"/>
-              </a:rPr>
-              <a:t> </a:t>
-            </a:r>
-            <a:r>
-              <a:rPr lang="it-IT" sz="1600" dirty="0" err="1" smtClean="0">
-                <a:latin typeface="Arial" panose="020B0604020202020204" pitchFamily="34" charset="0"/>
-                <a:cs typeface="Arial" panose="020B0604020202020204" pitchFamily="34" charset="0"/>
-              </a:rPr>
-              <a:t>categorical</a:t>
-            </a:r>
-            <a:r>
-              <a:rPr lang="it-IT" sz="1600" dirty="0" smtClean="0">
-                <a:latin typeface="Arial" panose="020B0604020202020204" pitchFamily="34" charset="0"/>
-                <a:cs typeface="Arial" panose="020B0604020202020204" pitchFamily="34" charset="0"/>
-              </a:rPr>
-              <a:t> </a:t>
-            </a:r>
-            <a:r>
-              <a:rPr lang="it-IT" sz="1600" dirty="0" err="1" smtClean="0">
-                <a:latin typeface="Arial" panose="020B0604020202020204" pitchFamily="34" charset="0"/>
-                <a:cs typeface="Arial" panose="020B0604020202020204" pitchFamily="34" charset="0"/>
-              </a:rPr>
-              <a:t>columns</a:t>
-            </a:r>
-            <a:r>
-              <a:rPr lang="it-IT" sz="1600" dirty="0" smtClean="0">
-                <a:latin typeface="Arial" panose="020B0604020202020204" pitchFamily="34" charset="0"/>
-                <a:cs typeface="Arial" panose="020B0604020202020204" pitchFamily="34" charset="0"/>
-              </a:rPr>
-              <a:t> </a:t>
-            </a:r>
-            <a:r>
-              <a:rPr lang="it-IT" sz="1600" dirty="0" err="1" smtClean="0">
-                <a:latin typeface="Arial" panose="020B0604020202020204" pitchFamily="34" charset="0"/>
-                <a:cs typeface="Arial" panose="020B0604020202020204" pitchFamily="34" charset="0"/>
-              </a:rPr>
-              <a:t>such</a:t>
-            </a:r>
-            <a:r>
-              <a:rPr lang="it-IT" sz="1600" dirty="0" smtClean="0">
-                <a:latin typeface="Arial" panose="020B0604020202020204" pitchFamily="34" charset="0"/>
-                <a:cs typeface="Arial" panose="020B0604020202020204" pitchFamily="34" charset="0"/>
-              </a:rPr>
-              <a:t> </a:t>
-            </a:r>
-            <a:r>
-              <a:rPr lang="it-IT" sz="1600" dirty="0" err="1" smtClean="0">
-                <a:latin typeface="Arial" panose="020B0604020202020204" pitchFamily="34" charset="0"/>
-                <a:cs typeface="Arial" panose="020B0604020202020204" pitchFamily="34" charset="0"/>
-              </a:rPr>
-              <a:t>as</a:t>
-            </a:r>
-            <a:r>
-              <a:rPr lang="it-IT" sz="1600" dirty="0" smtClean="0">
-                <a:latin typeface="Arial" panose="020B0604020202020204" pitchFamily="34" charset="0"/>
-                <a:cs typeface="Arial" panose="020B0604020202020204" pitchFamily="34" charset="0"/>
-              </a:rPr>
-              <a:t> ‘</a:t>
-            </a:r>
-            <a:r>
-              <a:rPr lang="it-IT" sz="1600" dirty="0" err="1" smtClean="0">
-                <a:latin typeface="Arial" panose="020B0604020202020204" pitchFamily="34" charset="0"/>
-                <a:cs typeface="Arial" panose="020B0604020202020204" pitchFamily="34" charset="0"/>
-              </a:rPr>
-              <a:t>merchant</a:t>
-            </a:r>
-            <a:r>
-              <a:rPr lang="it-IT" sz="1600" dirty="0" smtClean="0">
-                <a:latin typeface="Arial" panose="020B0604020202020204" pitchFamily="34" charset="0"/>
-                <a:cs typeface="Arial" panose="020B0604020202020204" pitchFamily="34" charset="0"/>
-              </a:rPr>
-              <a:t>’, </a:t>
-            </a:r>
-            <a:r>
-              <a:rPr lang="it-IT" sz="1600" dirty="0" smtClean="0">
-                <a:latin typeface="Arial" panose="020B0604020202020204" pitchFamily="34" charset="0"/>
-                <a:cs typeface="Arial" panose="020B0604020202020204" pitchFamily="34" charset="0"/>
-              </a:rPr>
-              <a:t>‘</a:t>
-            </a:r>
-            <a:r>
-              <a:rPr lang="it-IT" sz="1600" dirty="0" smtClean="0">
-                <a:latin typeface="Arial" panose="020B0604020202020204" pitchFamily="34" charset="0"/>
-                <a:cs typeface="Arial" panose="020B0604020202020204" pitchFamily="34" charset="0"/>
-              </a:rPr>
-              <a:t>job’, </a:t>
-            </a:r>
-            <a:r>
-              <a:rPr lang="it-IT" sz="1600" dirty="0" smtClean="0">
-                <a:latin typeface="Arial" panose="020B0604020202020204" pitchFamily="34" charset="0"/>
-                <a:cs typeface="Arial" panose="020B0604020202020204" pitchFamily="34" charset="0"/>
-              </a:rPr>
-              <a:t>and ‘</a:t>
-            </a:r>
-            <a:r>
-              <a:rPr lang="it-IT" sz="1600" dirty="0" err="1" smtClean="0">
-                <a:latin typeface="Arial" panose="020B0604020202020204" pitchFamily="34" charset="0"/>
-                <a:cs typeface="Arial" panose="020B0604020202020204" pitchFamily="34" charset="0"/>
-              </a:rPr>
-              <a:t>category</a:t>
-            </a:r>
-            <a:r>
-              <a:rPr lang="it-IT" sz="1600" dirty="0" smtClean="0">
-                <a:latin typeface="Arial" panose="020B0604020202020204" pitchFamily="34" charset="0"/>
-                <a:cs typeface="Arial" panose="020B0604020202020204" pitchFamily="34" charset="0"/>
-              </a:rPr>
-              <a:t>’.</a:t>
-            </a:r>
-            <a:endParaRPr lang="it-IT" sz="1600" dirty="0" smtClean="0">
-              <a:latin typeface="Arial" panose="020B0604020202020204" pitchFamily="34" charset="0"/>
-              <a:cs typeface="Arial" panose="020B0604020202020204" pitchFamily="34" charset="0"/>
-            </a:endParaRPr>
-          </a:p>
-          <a:p>
-            <a:endParaRPr lang="it-IT" sz="1600" dirty="0" smtClean="0">
-              <a:latin typeface="Arial" panose="020B0604020202020204" pitchFamily="34" charset="0"/>
-              <a:cs typeface="Arial" panose="020B0604020202020204" pitchFamily="34" charset="0"/>
-            </a:endParaRPr>
-          </a:p>
-          <a:p>
-            <a:r>
-              <a:rPr lang="it-IT" sz="1600" dirty="0" smtClean="0">
-                <a:latin typeface="Arial" panose="020B0604020202020204" pitchFamily="34" charset="0"/>
-                <a:cs typeface="Arial" panose="020B0604020202020204" pitchFamily="34" charset="0"/>
-              </a:rPr>
-              <a:t>The </a:t>
-            </a:r>
-            <a:r>
-              <a:rPr lang="it-IT" sz="1600" dirty="0" err="1" smtClean="0">
-                <a:latin typeface="Arial" panose="020B0604020202020204" pitchFamily="34" charset="0"/>
-                <a:cs typeface="Arial" panose="020B0604020202020204" pitchFamily="34" charset="0"/>
-              </a:rPr>
-              <a:t>categorical</a:t>
-            </a:r>
-            <a:r>
-              <a:rPr lang="it-IT" sz="1600" dirty="0" smtClean="0">
-                <a:latin typeface="Arial" panose="020B0604020202020204" pitchFamily="34" charset="0"/>
-                <a:cs typeface="Arial" panose="020B0604020202020204" pitchFamily="34" charset="0"/>
-              </a:rPr>
-              <a:t> </a:t>
-            </a:r>
-            <a:r>
-              <a:rPr lang="it-IT" sz="1600" dirty="0" err="1" smtClean="0">
-                <a:latin typeface="Arial" panose="020B0604020202020204" pitchFamily="34" charset="0"/>
-                <a:cs typeface="Arial" panose="020B0604020202020204" pitchFamily="34" charset="0"/>
-              </a:rPr>
-              <a:t>variables</a:t>
-            </a:r>
-            <a:r>
-              <a:rPr lang="it-IT" sz="1600" dirty="0" smtClean="0">
-                <a:latin typeface="Arial" panose="020B0604020202020204" pitchFamily="34" charset="0"/>
-                <a:cs typeface="Arial" panose="020B0604020202020204" pitchFamily="34" charset="0"/>
-              </a:rPr>
-              <a:t> </a:t>
-            </a:r>
-            <a:r>
-              <a:rPr lang="it-IT" sz="1600" dirty="0" err="1" smtClean="0">
-                <a:latin typeface="Arial" panose="020B0604020202020204" pitchFamily="34" charset="0"/>
-                <a:cs typeface="Arial" panose="020B0604020202020204" pitchFamily="34" charset="0"/>
-              </a:rPr>
-              <a:t>contain</a:t>
-            </a:r>
-            <a:r>
-              <a:rPr lang="it-IT" sz="1600" dirty="0" smtClean="0">
-                <a:latin typeface="Arial" panose="020B0604020202020204" pitchFamily="34" charset="0"/>
-                <a:cs typeface="Arial" panose="020B0604020202020204" pitchFamily="34" charset="0"/>
-              </a:rPr>
-              <a:t> </a:t>
-            </a:r>
-            <a:r>
-              <a:rPr lang="it-IT" sz="1600" dirty="0" err="1" smtClean="0">
-                <a:latin typeface="Arial" panose="020B0604020202020204" pitchFamily="34" charset="0"/>
-                <a:cs typeface="Arial" panose="020B0604020202020204" pitchFamily="34" charset="0"/>
-              </a:rPr>
-              <a:t>various</a:t>
-            </a:r>
-            <a:r>
-              <a:rPr lang="it-IT" sz="1600" dirty="0" smtClean="0">
-                <a:latin typeface="Arial" panose="020B0604020202020204" pitchFamily="34" charset="0"/>
-                <a:cs typeface="Arial" panose="020B0604020202020204" pitchFamily="34" charset="0"/>
-              </a:rPr>
-              <a:t> </a:t>
-            </a:r>
-            <a:r>
-              <a:rPr lang="it-IT" sz="1600" dirty="0" err="1" smtClean="0">
-                <a:latin typeface="Arial" panose="020B0604020202020204" pitchFamily="34" charset="0"/>
-                <a:cs typeface="Arial" panose="020B0604020202020204" pitchFamily="34" charset="0"/>
-              </a:rPr>
-              <a:t>values</a:t>
-            </a:r>
-            <a:r>
-              <a:rPr lang="it-IT" sz="1600" dirty="0" smtClean="0">
-                <a:latin typeface="Arial" panose="020B0604020202020204" pitchFamily="34" charset="0"/>
-                <a:cs typeface="Arial" panose="020B0604020202020204" pitchFamily="34" charset="0"/>
-              </a:rPr>
-              <a:t>, </a:t>
-            </a:r>
-            <a:r>
-              <a:rPr lang="it-IT" sz="1600" dirty="0" err="1" smtClean="0">
-                <a:latin typeface="Arial" panose="020B0604020202020204" pitchFamily="34" charset="0"/>
-                <a:cs typeface="Arial" panose="020B0604020202020204" pitchFamily="34" charset="0"/>
-              </a:rPr>
-              <a:t>as</a:t>
-            </a:r>
-            <a:r>
-              <a:rPr lang="it-IT" sz="1600" dirty="0" smtClean="0">
-                <a:latin typeface="Arial" panose="020B0604020202020204" pitchFamily="34" charset="0"/>
-                <a:cs typeface="Arial" panose="020B0604020202020204" pitchFamily="34" charset="0"/>
-              </a:rPr>
-              <a:t> for ‘city’ </a:t>
-            </a:r>
-            <a:r>
-              <a:rPr lang="it-IT" sz="1600" dirty="0" err="1" smtClean="0">
-                <a:latin typeface="Arial" panose="020B0604020202020204" pitchFamily="34" charset="0"/>
-                <a:cs typeface="Arial" panose="020B0604020202020204" pitchFamily="34" charset="0"/>
-              </a:rPr>
-              <a:t>variable</a:t>
-            </a:r>
-            <a:r>
-              <a:rPr lang="it-IT" sz="1600" dirty="0" smtClean="0">
-                <a:latin typeface="Arial" panose="020B0604020202020204" pitchFamily="34" charset="0"/>
-                <a:cs typeface="Arial" panose="020B0604020202020204" pitchFamily="34" charset="0"/>
-              </a:rPr>
-              <a:t> </a:t>
-            </a:r>
-            <a:r>
-              <a:rPr lang="it-IT" sz="1600" dirty="0" err="1" smtClean="0">
-                <a:latin typeface="Arial" panose="020B0604020202020204" pitchFamily="34" charset="0"/>
-                <a:cs typeface="Arial" panose="020B0604020202020204" pitchFamily="34" charset="0"/>
-              </a:rPr>
-              <a:t>we</a:t>
-            </a:r>
-            <a:r>
-              <a:rPr lang="it-IT" sz="1600" dirty="0" smtClean="0">
-                <a:latin typeface="Arial" panose="020B0604020202020204" pitchFamily="34" charset="0"/>
-                <a:cs typeface="Arial" panose="020B0604020202020204" pitchFamily="34" charset="0"/>
-              </a:rPr>
-              <a:t> are </a:t>
-            </a:r>
-            <a:r>
-              <a:rPr lang="it-IT" sz="1600" dirty="0" err="1" smtClean="0">
-                <a:latin typeface="Arial" panose="020B0604020202020204" pitchFamily="34" charset="0"/>
-                <a:cs typeface="Arial" panose="020B0604020202020204" pitchFamily="34" charset="0"/>
-              </a:rPr>
-              <a:t>going</a:t>
-            </a:r>
-            <a:r>
-              <a:rPr lang="it-IT" sz="1600" dirty="0" smtClean="0">
-                <a:latin typeface="Arial" panose="020B0604020202020204" pitchFamily="34" charset="0"/>
-                <a:cs typeface="Arial" panose="020B0604020202020204" pitchFamily="34" charset="0"/>
-              </a:rPr>
-              <a:t> to </a:t>
-            </a:r>
-            <a:r>
-              <a:rPr lang="it-IT" sz="1600" dirty="0" err="1" smtClean="0">
-                <a:latin typeface="Arial" panose="020B0604020202020204" pitchFamily="34" charset="0"/>
-                <a:cs typeface="Arial" panose="020B0604020202020204" pitchFamily="34" charset="0"/>
-              </a:rPr>
-              <a:t>encode</a:t>
-            </a:r>
-            <a:r>
-              <a:rPr lang="it-IT" sz="1600" dirty="0" smtClean="0">
-                <a:latin typeface="Arial" panose="020B0604020202020204" pitchFamily="34" charset="0"/>
-                <a:cs typeface="Arial" panose="020B0604020202020204" pitchFamily="34" charset="0"/>
-              </a:rPr>
-              <a:t> </a:t>
-            </a:r>
-            <a:r>
-              <a:rPr lang="it-IT" sz="1600" dirty="0" err="1" smtClean="0">
-                <a:latin typeface="Arial" panose="020B0604020202020204" pitchFamily="34" charset="0"/>
-                <a:cs typeface="Arial" panose="020B0604020202020204" pitchFamily="34" charset="0"/>
-              </a:rPr>
-              <a:t>them</a:t>
-            </a:r>
-            <a:r>
-              <a:rPr lang="it-IT" sz="1600" dirty="0" smtClean="0">
-                <a:latin typeface="Arial" panose="020B0604020202020204" pitchFamily="34" charset="0"/>
-                <a:cs typeface="Arial" panose="020B0604020202020204" pitchFamily="34" charset="0"/>
-              </a:rPr>
-              <a:t> </a:t>
-            </a:r>
-            <a:r>
-              <a:rPr lang="it-IT" sz="1600" dirty="0" err="1" smtClean="0">
-                <a:latin typeface="Arial" panose="020B0604020202020204" pitchFamily="34" charset="0"/>
-                <a:cs typeface="Arial" panose="020B0604020202020204" pitchFamily="34" charset="0"/>
-              </a:rPr>
-              <a:t>as</a:t>
-            </a:r>
-            <a:r>
-              <a:rPr lang="it-IT" sz="1600" dirty="0" smtClean="0">
-                <a:latin typeface="Arial" panose="020B0604020202020204" pitchFamily="34" charset="0"/>
-                <a:cs typeface="Arial" panose="020B0604020202020204" pitchFamily="34" charset="0"/>
-              </a:rPr>
-              <a:t> </a:t>
-            </a:r>
-            <a:r>
-              <a:rPr lang="it-IT" sz="1600" dirty="0" err="1" smtClean="0">
-                <a:latin typeface="Arial" panose="020B0604020202020204" pitchFamily="34" charset="0"/>
-                <a:cs typeface="Arial" panose="020B0604020202020204" pitchFamily="34" charset="0"/>
-              </a:rPr>
-              <a:t>well</a:t>
-            </a:r>
-            <a:r>
-              <a:rPr lang="it-IT" sz="1600" dirty="0" smtClean="0">
-                <a:latin typeface="Arial" panose="020B0604020202020204" pitchFamily="34" charset="0"/>
-                <a:cs typeface="Arial" panose="020B0604020202020204" pitchFamily="34" charset="0"/>
-              </a:rPr>
-              <a:t>.</a:t>
-            </a:r>
-            <a:endParaRPr lang="it-IT" sz="1600" dirty="0">
-              <a:latin typeface="Arial" panose="020B0604020202020204" pitchFamily="34" charset="0"/>
-              <a:cs typeface="Arial" panose="020B0604020202020204" pitchFamily="34" charset="0"/>
-            </a:endParaRPr>
-          </a:p>
-          <a:p>
-            <a:endParaRPr lang="it-IT" sz="1600" dirty="0" smtClean="0">
-              <a:latin typeface="Arial" panose="020B0604020202020204" pitchFamily="34" charset="0"/>
-              <a:cs typeface="Arial" panose="020B0604020202020204" pitchFamily="34" charset="0"/>
-            </a:endParaRPr>
-          </a:p>
-          <a:p>
-            <a:r>
-              <a:rPr lang="it-IT" sz="1600" dirty="0" err="1" smtClean="0">
-                <a:latin typeface="Arial" panose="020B0604020202020204" pitchFamily="34" charset="0"/>
-                <a:cs typeface="Arial" panose="020B0604020202020204" pitchFamily="34" charset="0"/>
-              </a:rPr>
-              <a:t>Please</a:t>
-            </a:r>
-            <a:r>
-              <a:rPr lang="it-IT" sz="1600" dirty="0" smtClean="0">
-                <a:latin typeface="Arial" panose="020B0604020202020204" pitchFamily="34" charset="0"/>
-                <a:cs typeface="Arial" panose="020B0604020202020204" pitchFamily="34" charset="0"/>
-              </a:rPr>
-              <a:t> note </a:t>
-            </a:r>
-            <a:r>
-              <a:rPr lang="it-IT" sz="1600" dirty="0" err="1" smtClean="0">
-                <a:latin typeface="Arial" panose="020B0604020202020204" pitchFamily="34" charset="0"/>
-                <a:cs typeface="Arial" panose="020B0604020202020204" pitchFamily="34" charset="0"/>
-              </a:rPr>
-              <a:t>that</a:t>
-            </a:r>
-            <a:r>
-              <a:rPr lang="it-IT" sz="1600" dirty="0" smtClean="0">
-                <a:latin typeface="Arial" panose="020B0604020202020204" pitchFamily="34" charset="0"/>
-                <a:cs typeface="Arial" panose="020B0604020202020204" pitchFamily="34" charset="0"/>
-              </a:rPr>
-              <a:t> due to plot </a:t>
-            </a:r>
-            <a:r>
-              <a:rPr lang="it-IT" sz="1600" dirty="0" err="1" smtClean="0">
-                <a:latin typeface="Arial" panose="020B0604020202020204" pitchFamily="34" charset="0"/>
-                <a:cs typeface="Arial" panose="020B0604020202020204" pitchFamily="34" charset="0"/>
-              </a:rPr>
-              <a:t>dimension</a:t>
-            </a:r>
-            <a:r>
-              <a:rPr lang="it-IT" sz="1600" dirty="0" smtClean="0">
-                <a:latin typeface="Arial" panose="020B0604020202020204" pitchFamily="34" charset="0"/>
-                <a:cs typeface="Arial" panose="020B0604020202020204" pitchFamily="34" charset="0"/>
-              </a:rPr>
-              <a:t> </a:t>
-            </a:r>
-            <a:r>
-              <a:rPr lang="it-IT" sz="1600" dirty="0" err="1" smtClean="0">
-                <a:latin typeface="Arial" panose="020B0604020202020204" pitchFamily="34" charset="0"/>
-                <a:cs typeface="Arial" panose="020B0604020202020204" pitchFamily="34" charset="0"/>
-              </a:rPr>
-              <a:t>only</a:t>
-            </a:r>
-            <a:r>
-              <a:rPr lang="it-IT" sz="1600" dirty="0" smtClean="0">
-                <a:latin typeface="Arial" panose="020B0604020202020204" pitchFamily="34" charset="0"/>
-                <a:cs typeface="Arial" panose="020B0604020202020204" pitchFamily="34" charset="0"/>
-              </a:rPr>
-              <a:t> the top n </a:t>
-            </a:r>
-            <a:r>
-              <a:rPr lang="it-IT" sz="1600" dirty="0" err="1" smtClean="0">
-                <a:latin typeface="Arial" panose="020B0604020202020204" pitchFamily="34" charset="0"/>
-                <a:cs typeface="Arial" panose="020B0604020202020204" pitchFamily="34" charset="0"/>
-              </a:rPr>
-              <a:t>values</a:t>
-            </a:r>
-            <a:r>
-              <a:rPr lang="it-IT" sz="1600" dirty="0" smtClean="0">
-                <a:latin typeface="Arial" panose="020B0604020202020204" pitchFamily="34" charset="0"/>
-                <a:cs typeface="Arial" panose="020B0604020202020204" pitchFamily="34" charset="0"/>
-              </a:rPr>
-              <a:t> for </a:t>
-            </a:r>
-            <a:r>
-              <a:rPr lang="it-IT" sz="1600" dirty="0" err="1" smtClean="0">
-                <a:latin typeface="Arial" panose="020B0604020202020204" pitchFamily="34" charset="0"/>
-                <a:cs typeface="Arial" panose="020B0604020202020204" pitchFamily="34" charset="0"/>
-              </a:rPr>
-              <a:t>each</a:t>
-            </a:r>
-            <a:r>
-              <a:rPr lang="it-IT" sz="1600" dirty="0" smtClean="0">
-                <a:latin typeface="Arial" panose="020B0604020202020204" pitchFamily="34" charset="0"/>
-                <a:cs typeface="Arial" panose="020B0604020202020204" pitchFamily="34" charset="0"/>
-              </a:rPr>
-              <a:t> </a:t>
-            </a:r>
-            <a:r>
-              <a:rPr lang="it-IT" sz="1600" dirty="0" err="1" smtClean="0">
-                <a:latin typeface="Arial" panose="020B0604020202020204" pitchFamily="34" charset="0"/>
-                <a:cs typeface="Arial" panose="020B0604020202020204" pitchFamily="34" charset="0"/>
-              </a:rPr>
-              <a:t>variable</a:t>
-            </a:r>
-            <a:r>
-              <a:rPr lang="it-IT" sz="1600" dirty="0" smtClean="0">
-                <a:latin typeface="Arial" panose="020B0604020202020204" pitchFamily="34" charset="0"/>
-                <a:cs typeface="Arial" panose="020B0604020202020204" pitchFamily="34" charset="0"/>
-              </a:rPr>
-              <a:t> </a:t>
-            </a:r>
-            <a:r>
-              <a:rPr lang="it-IT" sz="1600" dirty="0" err="1" smtClean="0">
-                <a:latin typeface="Arial" panose="020B0604020202020204" pitchFamily="34" charset="0"/>
-                <a:cs typeface="Arial" panose="020B0604020202020204" pitchFamily="34" charset="0"/>
-              </a:rPr>
-              <a:t>have</a:t>
-            </a:r>
-            <a:r>
-              <a:rPr lang="it-IT" sz="1600" dirty="0" smtClean="0">
-                <a:latin typeface="Arial" panose="020B0604020202020204" pitchFamily="34" charset="0"/>
-                <a:cs typeface="Arial" panose="020B0604020202020204" pitchFamily="34" charset="0"/>
-              </a:rPr>
-              <a:t> </a:t>
-            </a:r>
-            <a:r>
-              <a:rPr lang="it-IT" sz="1600" dirty="0" err="1" smtClean="0">
-                <a:latin typeface="Arial" panose="020B0604020202020204" pitchFamily="34" charset="0"/>
-                <a:cs typeface="Arial" panose="020B0604020202020204" pitchFamily="34" charset="0"/>
-              </a:rPr>
-              <a:t>been</a:t>
-            </a:r>
-            <a:r>
-              <a:rPr lang="it-IT" sz="1600" dirty="0" smtClean="0">
-                <a:latin typeface="Arial" panose="020B0604020202020204" pitchFamily="34" charset="0"/>
-                <a:cs typeface="Arial" panose="020B0604020202020204" pitchFamily="34" charset="0"/>
-              </a:rPr>
-              <a:t> </a:t>
-            </a:r>
-            <a:r>
-              <a:rPr lang="it-IT" sz="1600" dirty="0" err="1" smtClean="0">
-                <a:latin typeface="Arial" panose="020B0604020202020204" pitchFamily="34" charset="0"/>
-                <a:cs typeface="Arial" panose="020B0604020202020204" pitchFamily="34" charset="0"/>
-              </a:rPr>
-              <a:t>printed</a:t>
-            </a:r>
-            <a:r>
-              <a:rPr lang="it-IT" sz="1600" dirty="0" smtClean="0">
-                <a:latin typeface="Arial" panose="020B0604020202020204" pitchFamily="34" charset="0"/>
-                <a:cs typeface="Arial" panose="020B0604020202020204" pitchFamily="34" charset="0"/>
-              </a:rPr>
-              <a:t> out.</a:t>
-            </a:r>
-            <a:endParaRPr lang="it-IT" sz="1600" dirty="0">
-              <a:latin typeface="Arial" panose="020B0604020202020204" pitchFamily="34" charset="0"/>
-              <a:cs typeface="Arial" panose="020B0604020202020204" pitchFamily="34" charset="0"/>
-            </a:endParaRPr>
-          </a:p>
-        </p:txBody>
-      </p:sp>
       <p:pic>
         <p:nvPicPr>
-          <p:cNvPr id="3" name="Immagine 2"/>
+          <p:cNvPr id="9" name="Immagine 8"/>
           <p:cNvPicPr>
             <a:picLocks noChangeAspect="1"/>
           </p:cNvPicPr>
@@ -13590,38 +13082,8 @@
         </p:blipFill>
         <p:spPr>
           <a:xfrm>
-            <a:off x="8174750" y="1456258"/>
-            <a:ext cx="3994468" cy="3738711"/>
-          </a:xfrm>
-          <a:prstGeom prst="rect">
-            <a:avLst/>
-          </a:prstGeom>
-        </p:spPr>
-      </p:pic>
-      <p:pic>
-        <p:nvPicPr>
-          <p:cNvPr id="10" name="Immagine 9"/>
-          <p:cNvPicPr>
-            <a:picLocks noChangeAspect="1"/>
-          </p:cNvPicPr>
-          <p:nvPr/>
-        </p:nvPicPr>
-        <p:blipFill>
-          <a:blip r:embed="rId5">
-            <a:extLst>
-              <a:ext uri="{28A0092B-C50C-407E-A947-70E740481C1C}">
-                <a14:useLocalDpi xmlns:a14="http://schemas.microsoft.com/office/drawing/2010/main" val="0"/>
-              </a:ext>
-            </a:extLst>
-          </a:blip>
-          <a:stretch>
-            <a:fillRect/>
-          </a:stretch>
-        </p:blipFill>
-        <p:spPr>
-          <a:xfrm>
-            <a:off x="4304020" y="1456258"/>
-            <a:ext cx="3870730" cy="3194817"/>
+            <a:off x="0" y="2314575"/>
+            <a:ext cx="7616012" cy="4543425"/>
           </a:xfrm>
           <a:prstGeom prst="rect">
             <a:avLst/>
@@ -13722,7 +13184,417 @@
                 <a:latin typeface="Arial" panose="020B0604020202020204" pitchFamily="34" charset="0"/>
                 <a:cs typeface="Arial" panose="020B0604020202020204" pitchFamily="34" charset="0"/>
               </a:rPr>
-              <a:t>  Data Exploration (3)</a:t>
+              <a:t>  Data Exploration </a:t>
+            </a:r>
+            <a:r>
+              <a:rPr lang="it-IT" sz="2400" dirty="0" smtClean="0">
+                <a:latin typeface="Arial" panose="020B0604020202020204" pitchFamily="34" charset="0"/>
+                <a:cs typeface="Arial" panose="020B0604020202020204" pitchFamily="34" charset="0"/>
+              </a:rPr>
+              <a:t>(3)</a:t>
+            </a:r>
+            <a:endParaRPr lang="it-IT" sz="2400" dirty="0">
+              <a:latin typeface="Arial" panose="020B0604020202020204" pitchFamily="34" charset="0"/>
+              <a:cs typeface="Arial" panose="020B0604020202020204" pitchFamily="34" charset="0"/>
+            </a:endParaRPr>
+          </a:p>
+        </p:txBody>
+      </p:sp>
+      <p:pic>
+        <p:nvPicPr>
+          <p:cNvPr id="7" name="Immagine 6"/>
+          <p:cNvPicPr>
+            <a:picLocks noChangeAspect="1"/>
+          </p:cNvPicPr>
+          <p:nvPr/>
+        </p:nvPicPr>
+        <p:blipFill>
+          <a:blip r:embed="rId3">
+            <a:extLst>
+              <a:ext uri="{28A0092B-C50C-407E-A947-70E740481C1C}">
+                <a14:useLocalDpi xmlns:a14="http://schemas.microsoft.com/office/drawing/2010/main" val="0"/>
+              </a:ext>
+            </a:extLst>
+          </a:blip>
+          <a:stretch>
+            <a:fillRect/>
+          </a:stretch>
+        </p:blipFill>
+        <p:spPr>
+          <a:xfrm>
+            <a:off x="2343151" y="982549"/>
+            <a:ext cx="9848850" cy="5875451"/>
+          </a:xfrm>
+          <a:prstGeom prst="rect">
+            <a:avLst/>
+          </a:prstGeom>
+        </p:spPr>
+      </p:pic>
+      <p:sp>
+        <p:nvSpPr>
+          <p:cNvPr id="9" name="CasellaDiTesto 8"/>
+          <p:cNvSpPr txBox="1"/>
+          <p:nvPr/>
+        </p:nvSpPr>
+        <p:spPr>
+          <a:xfrm>
+            <a:off x="197052" y="1605333"/>
+            <a:ext cx="2146100" cy="2308324"/>
+          </a:xfrm>
+          <a:prstGeom prst="rect">
+            <a:avLst/>
+          </a:prstGeom>
+          <a:noFill/>
+        </p:spPr>
+        <p:txBody>
+          <a:bodyPr wrap="square" rtlCol="0">
+            <a:spAutoFit/>
+          </a:bodyPr>
+          <a:lstStyle/>
+          <a:p>
+            <a:r>
+              <a:rPr lang="it-IT" sz="1600" dirty="0" smtClean="0">
+                <a:latin typeface="Arial" panose="020B0604020202020204" pitchFamily="34" charset="0"/>
+                <a:cs typeface="Arial" panose="020B0604020202020204" pitchFamily="34" charset="0"/>
+              </a:rPr>
+              <a:t>On the right </a:t>
+            </a:r>
+            <a:r>
+              <a:rPr lang="it-IT" sz="1600" dirty="0" err="1" smtClean="0">
+                <a:latin typeface="Arial" panose="020B0604020202020204" pitchFamily="34" charset="0"/>
+                <a:cs typeface="Arial" panose="020B0604020202020204" pitchFamily="34" charset="0"/>
+              </a:rPr>
+              <a:t>we</a:t>
+            </a:r>
+            <a:r>
+              <a:rPr lang="it-IT" sz="1600" dirty="0" smtClean="0">
+                <a:latin typeface="Arial" panose="020B0604020202020204" pitchFamily="34" charset="0"/>
+                <a:cs typeface="Arial" panose="020B0604020202020204" pitchFamily="34" charset="0"/>
+              </a:rPr>
+              <a:t> can </a:t>
+            </a:r>
+            <a:r>
+              <a:rPr lang="it-IT" sz="1600" dirty="0" err="1" smtClean="0">
+                <a:latin typeface="Arial" panose="020B0604020202020204" pitchFamily="34" charset="0"/>
+                <a:cs typeface="Arial" panose="020B0604020202020204" pitchFamily="34" charset="0"/>
+              </a:rPr>
+              <a:t>see</a:t>
+            </a:r>
+            <a:r>
+              <a:rPr lang="it-IT" sz="1600" dirty="0" smtClean="0">
+                <a:latin typeface="Arial" panose="020B0604020202020204" pitchFamily="34" charset="0"/>
+                <a:cs typeface="Arial" panose="020B0604020202020204" pitchFamily="34" charset="0"/>
+              </a:rPr>
+              <a:t> the </a:t>
+            </a:r>
+            <a:r>
+              <a:rPr lang="it-IT" sz="1600" dirty="0" err="1" smtClean="0">
+                <a:latin typeface="Arial" panose="020B0604020202020204" pitchFamily="34" charset="0"/>
+                <a:cs typeface="Arial" panose="020B0604020202020204" pitchFamily="34" charset="0"/>
+              </a:rPr>
+              <a:t>distribution</a:t>
+            </a:r>
+            <a:r>
+              <a:rPr lang="it-IT" sz="1600" dirty="0" smtClean="0">
+                <a:latin typeface="Arial" panose="020B0604020202020204" pitchFamily="34" charset="0"/>
+                <a:cs typeface="Arial" panose="020B0604020202020204" pitchFamily="34" charset="0"/>
+              </a:rPr>
+              <a:t> of ‘</a:t>
+            </a:r>
+            <a:r>
+              <a:rPr lang="it-IT" sz="1600" dirty="0" err="1" smtClean="0">
+                <a:latin typeface="Arial" panose="020B0604020202020204" pitchFamily="34" charset="0"/>
+                <a:cs typeface="Arial" panose="020B0604020202020204" pitchFamily="34" charset="0"/>
+              </a:rPr>
+              <a:t>merchant</a:t>
+            </a:r>
+            <a:r>
+              <a:rPr lang="it-IT" sz="1600" dirty="0" smtClean="0">
+                <a:latin typeface="Arial" panose="020B0604020202020204" pitchFamily="34" charset="0"/>
+                <a:cs typeface="Arial" panose="020B0604020202020204" pitchFamily="34" charset="0"/>
+              </a:rPr>
+              <a:t>’ </a:t>
+            </a:r>
+            <a:r>
+              <a:rPr lang="it-IT" sz="1600" dirty="0" err="1" smtClean="0">
+                <a:latin typeface="Arial" panose="020B0604020202020204" pitchFamily="34" charset="0"/>
+                <a:cs typeface="Arial" panose="020B0604020202020204" pitchFamily="34" charset="0"/>
+              </a:rPr>
+              <a:t>variable</a:t>
+            </a:r>
+            <a:r>
+              <a:rPr lang="it-IT" sz="1600" dirty="0" smtClean="0">
+                <a:latin typeface="Arial" panose="020B0604020202020204" pitchFamily="34" charset="0"/>
+                <a:cs typeface="Arial" panose="020B0604020202020204" pitchFamily="34" charset="0"/>
+              </a:rPr>
+              <a:t>.</a:t>
+            </a:r>
+          </a:p>
+          <a:p>
+            <a:endParaRPr lang="it-IT" sz="1600" dirty="0">
+              <a:latin typeface="Arial" panose="020B0604020202020204" pitchFamily="34" charset="0"/>
+              <a:cs typeface="Arial" panose="020B0604020202020204" pitchFamily="34" charset="0"/>
+            </a:endParaRPr>
+          </a:p>
+          <a:p>
+            <a:r>
+              <a:rPr lang="it-IT" sz="1600" dirty="0" err="1" smtClean="0">
+                <a:latin typeface="Arial" panose="020B0604020202020204" pitchFamily="34" charset="0"/>
+                <a:cs typeface="Arial" panose="020B0604020202020204" pitchFamily="34" charset="0"/>
+              </a:rPr>
+              <a:t>Similarly</a:t>
+            </a:r>
+            <a:r>
+              <a:rPr lang="it-IT" sz="1600" dirty="0" smtClean="0">
+                <a:latin typeface="Arial" panose="020B0604020202020204" pitchFamily="34" charset="0"/>
+                <a:cs typeface="Arial" panose="020B0604020202020204" pitchFamily="34" charset="0"/>
+              </a:rPr>
+              <a:t> to </a:t>
+            </a:r>
+            <a:r>
+              <a:rPr lang="it-IT" sz="1600" dirty="0" err="1" smtClean="0">
+                <a:latin typeface="Arial" panose="020B0604020202020204" pitchFamily="34" charset="0"/>
+                <a:cs typeface="Arial" panose="020B0604020202020204" pitchFamily="34" charset="0"/>
+              </a:rPr>
+              <a:t>previous</a:t>
+            </a:r>
+            <a:endParaRPr lang="it-IT" sz="1600" dirty="0" smtClean="0">
+              <a:latin typeface="Arial" panose="020B0604020202020204" pitchFamily="34" charset="0"/>
+              <a:cs typeface="Arial" panose="020B0604020202020204" pitchFamily="34" charset="0"/>
+            </a:endParaRPr>
+          </a:p>
+          <a:p>
+            <a:r>
+              <a:rPr lang="it-IT" sz="1600" dirty="0" err="1" smtClean="0">
+                <a:latin typeface="Arial" panose="020B0604020202020204" pitchFamily="34" charset="0"/>
+                <a:cs typeface="Arial" panose="020B0604020202020204" pitchFamily="34" charset="0"/>
+              </a:rPr>
+              <a:t>categorical</a:t>
+            </a:r>
+            <a:r>
+              <a:rPr lang="it-IT" sz="1600" dirty="0" smtClean="0">
+                <a:latin typeface="Arial" panose="020B0604020202020204" pitchFamily="34" charset="0"/>
+                <a:cs typeface="Arial" panose="020B0604020202020204" pitchFamily="34" charset="0"/>
+              </a:rPr>
+              <a:t> </a:t>
+            </a:r>
+            <a:r>
+              <a:rPr lang="it-IT" sz="1600" dirty="0" err="1" smtClean="0">
+                <a:latin typeface="Arial" panose="020B0604020202020204" pitchFamily="34" charset="0"/>
+                <a:cs typeface="Arial" panose="020B0604020202020204" pitchFamily="34" charset="0"/>
+              </a:rPr>
+              <a:t>variables</a:t>
+            </a:r>
+            <a:r>
+              <a:rPr lang="it-IT" sz="1600" dirty="0" smtClean="0">
+                <a:latin typeface="Arial" panose="020B0604020202020204" pitchFamily="34" charset="0"/>
+                <a:cs typeface="Arial" panose="020B0604020202020204" pitchFamily="34" charset="0"/>
+              </a:rPr>
+              <a:t>, </a:t>
+            </a:r>
+            <a:r>
+              <a:rPr lang="it-IT" sz="1600" dirty="0" err="1" smtClean="0">
+                <a:latin typeface="Arial" panose="020B0604020202020204" pitchFamily="34" charset="0"/>
+                <a:cs typeface="Arial" panose="020B0604020202020204" pitchFamily="34" charset="0"/>
+              </a:rPr>
+              <a:t>we</a:t>
+            </a:r>
+            <a:r>
+              <a:rPr lang="it-IT" sz="1600" dirty="0" smtClean="0">
+                <a:latin typeface="Arial" panose="020B0604020202020204" pitchFamily="34" charset="0"/>
+                <a:cs typeface="Arial" panose="020B0604020202020204" pitchFamily="34" charset="0"/>
+              </a:rPr>
+              <a:t> </a:t>
+            </a:r>
+            <a:r>
+              <a:rPr lang="it-IT" sz="1600" dirty="0" err="1" smtClean="0">
+                <a:latin typeface="Arial" panose="020B0604020202020204" pitchFamily="34" charset="0"/>
+                <a:cs typeface="Arial" panose="020B0604020202020204" pitchFamily="34" charset="0"/>
+              </a:rPr>
+              <a:t>need</a:t>
+            </a:r>
+            <a:r>
+              <a:rPr lang="it-IT" sz="1600" dirty="0" smtClean="0">
+                <a:latin typeface="Arial" panose="020B0604020202020204" pitchFamily="34" charset="0"/>
+                <a:cs typeface="Arial" panose="020B0604020202020204" pitchFamily="34" charset="0"/>
+              </a:rPr>
+              <a:t> to </a:t>
+            </a:r>
+            <a:r>
+              <a:rPr lang="it-IT" sz="1600" dirty="0" err="1" smtClean="0">
+                <a:latin typeface="Arial" panose="020B0604020202020204" pitchFamily="34" charset="0"/>
+                <a:cs typeface="Arial" panose="020B0604020202020204" pitchFamily="34" charset="0"/>
+              </a:rPr>
+              <a:t>encode</a:t>
+            </a:r>
+            <a:r>
+              <a:rPr lang="it-IT" sz="1600" dirty="0" smtClean="0">
+                <a:latin typeface="Arial" panose="020B0604020202020204" pitchFamily="34" charset="0"/>
+                <a:cs typeface="Arial" panose="020B0604020202020204" pitchFamily="34" charset="0"/>
+              </a:rPr>
+              <a:t> ‘</a:t>
+            </a:r>
+            <a:r>
+              <a:rPr lang="it-IT" sz="1600" dirty="0" err="1" smtClean="0">
+                <a:latin typeface="Arial" panose="020B0604020202020204" pitchFamily="34" charset="0"/>
+                <a:cs typeface="Arial" panose="020B0604020202020204" pitchFamily="34" charset="0"/>
+              </a:rPr>
+              <a:t>merchant</a:t>
+            </a:r>
+            <a:r>
+              <a:rPr lang="it-IT" sz="1600" dirty="0" smtClean="0">
+                <a:latin typeface="Arial" panose="020B0604020202020204" pitchFamily="34" charset="0"/>
+                <a:cs typeface="Arial" panose="020B0604020202020204" pitchFamily="34" charset="0"/>
+              </a:rPr>
+              <a:t>’ </a:t>
+            </a:r>
+            <a:r>
+              <a:rPr lang="it-IT" sz="1600" dirty="0" err="1" smtClean="0">
+                <a:latin typeface="Arial" panose="020B0604020202020204" pitchFamily="34" charset="0"/>
+                <a:cs typeface="Arial" panose="020B0604020202020204" pitchFamily="34" charset="0"/>
+              </a:rPr>
+              <a:t>values</a:t>
+            </a:r>
+            <a:r>
+              <a:rPr lang="it-IT" sz="1600" dirty="0" smtClean="0">
+                <a:latin typeface="Arial" panose="020B0604020202020204" pitchFamily="34" charset="0"/>
+                <a:cs typeface="Arial" panose="020B0604020202020204" pitchFamily="34" charset="0"/>
+              </a:rPr>
+              <a:t> </a:t>
+            </a:r>
+            <a:r>
+              <a:rPr lang="it-IT" sz="1600" dirty="0" err="1" smtClean="0">
+                <a:latin typeface="Arial" panose="020B0604020202020204" pitchFamily="34" charset="0"/>
+                <a:cs typeface="Arial" panose="020B0604020202020204" pitchFamily="34" charset="0"/>
+              </a:rPr>
+              <a:t>as</a:t>
+            </a:r>
+            <a:r>
+              <a:rPr lang="it-IT" sz="1600" dirty="0" smtClean="0">
+                <a:latin typeface="Arial" panose="020B0604020202020204" pitchFamily="34" charset="0"/>
+                <a:cs typeface="Arial" panose="020B0604020202020204" pitchFamily="34" charset="0"/>
+              </a:rPr>
+              <a:t> </a:t>
+            </a:r>
+            <a:r>
+              <a:rPr lang="it-IT" sz="1600" dirty="0" err="1" smtClean="0">
+                <a:latin typeface="Arial" panose="020B0604020202020204" pitchFamily="34" charset="0"/>
+                <a:cs typeface="Arial" panose="020B0604020202020204" pitchFamily="34" charset="0"/>
+              </a:rPr>
+              <a:t>well</a:t>
+            </a:r>
+            <a:r>
+              <a:rPr lang="it-IT" sz="1600" dirty="0" smtClean="0">
+                <a:latin typeface="Arial" panose="020B0604020202020204" pitchFamily="34" charset="0"/>
+                <a:cs typeface="Arial" panose="020B0604020202020204" pitchFamily="34" charset="0"/>
+              </a:rPr>
+              <a:t>.</a:t>
+            </a:r>
+          </a:p>
+        </p:txBody>
+      </p:sp>
+    </p:spTree>
+    <p:extLst>
+      <p:ext uri="{BB962C8B-B14F-4D97-AF65-F5344CB8AC3E}">
+        <p14:creationId xmlns:p14="http://schemas.microsoft.com/office/powerpoint/2010/main" val="3708469541"/>
+      </p:ext>
+    </p:extLst>
+  </p:cSld>
+  <p:clrMapOvr>
+    <a:masterClrMapping/>
+  </p:clrMapOvr>
+  <p:timing>
+    <p:tnLst>
+      <p:par>
+        <p:cTn id="1" dur="indefinite" restart="never" nodeType="tmRoot"/>
+      </p:par>
+    </p:tnLst>
+  </p:timing>
+</p:sld>
+</file>
+
+<file path=ppt/slides/slide7.xml><?xml version="1.0" encoding="utf-8"?>
+<p:sld xmlns:a="http://schemas.openxmlformats.org/drawingml/2006/main" xmlns:r="http://schemas.openxmlformats.org/officeDocument/2006/relationships" xmlns:p="http://schemas.openxmlformats.org/presentationml/2006/main">
+  <p:cSld>
+    <p:spTree>
+      <p:nvGrpSpPr>
+        <p:cNvPr id="1" name=""/>
+        <p:cNvGrpSpPr/>
+        <p:nvPr/>
+      </p:nvGrpSpPr>
+      <p:grpSpPr>
+        <a:xfrm>
+          <a:off x="0" y="0"/>
+          <a:ext cx="0" cy="0"/>
+          <a:chOff x="0" y="0"/>
+          <a:chExt cx="0" cy="0"/>
+        </a:xfrm>
+      </p:grpSpPr>
+      <p:pic>
+        <p:nvPicPr>
+          <p:cNvPr id="5" name="Immagine 4"/>
+          <p:cNvPicPr>
+            <a:picLocks noChangeAspect="1"/>
+          </p:cNvPicPr>
+          <p:nvPr/>
+        </p:nvPicPr>
+        <p:blipFill>
+          <a:blip r:embed="rId2" cstate="print">
+            <a:extLst>
+              <a:ext uri="{28A0092B-C50C-407E-A947-70E740481C1C}">
+                <a14:useLocalDpi xmlns:a14="http://schemas.microsoft.com/office/drawing/2010/main" val="0"/>
+              </a:ext>
+            </a:extLst>
+          </a:blip>
+          <a:stretch>
+            <a:fillRect/>
+          </a:stretch>
+        </p:blipFill>
+        <p:spPr>
+          <a:xfrm>
+            <a:off x="139120" y="137668"/>
+            <a:ext cx="1044518" cy="1132332"/>
+          </a:xfrm>
+          <a:prstGeom prst="rect">
+            <a:avLst/>
+          </a:prstGeom>
+        </p:spPr>
+      </p:pic>
+      <p:sp>
+        <p:nvSpPr>
+          <p:cNvPr id="2" name="CasellaDiTesto 1"/>
+          <p:cNvSpPr txBox="1"/>
+          <p:nvPr/>
+        </p:nvSpPr>
+        <p:spPr>
+          <a:xfrm>
+            <a:off x="1183638" y="473001"/>
+            <a:ext cx="3094117" cy="461665"/>
+          </a:xfrm>
+          <a:prstGeom prst="rect">
+            <a:avLst/>
+          </a:prstGeom>
+          <a:noFill/>
+        </p:spPr>
+        <p:txBody>
+          <a:bodyPr wrap="none" rtlCol="0">
+            <a:spAutoFit/>
+          </a:bodyPr>
+          <a:lstStyle/>
+          <a:p>
+            <a:r>
+              <a:rPr lang="it-IT" sz="2400" dirty="0" smtClean="0">
+                <a:latin typeface="Arial" panose="020B0604020202020204" pitchFamily="34" charset="0"/>
+                <a:cs typeface="Arial" panose="020B0604020202020204" pitchFamily="34" charset="0"/>
+              </a:rPr>
+              <a:t>  Data Exploration </a:t>
+            </a:r>
+            <a:r>
+              <a:rPr lang="it-IT" sz="2400" dirty="0" smtClean="0">
+                <a:latin typeface="Arial" panose="020B0604020202020204" pitchFamily="34" charset="0"/>
+                <a:cs typeface="Arial" panose="020B0604020202020204" pitchFamily="34" charset="0"/>
+              </a:rPr>
+              <a:t>(4)</a:t>
             </a:r>
             <a:endParaRPr lang="it-IT" sz="2400" dirty="0">
               <a:latin typeface="Arial" panose="020B0604020202020204" pitchFamily="34" charset="0"/>
@@ -14497,7 +14369,7 @@
 </p:sld>
 </file>
 
-<file path=ppt/slides/slide7.xml><?xml version="1.0" encoding="utf-8"?>
+<file path=ppt/slides/slide8.xml><?xml version="1.0" encoding="utf-8"?>
 <p:sld xmlns:a="http://schemas.openxmlformats.org/drawingml/2006/main" xmlns:r="http://schemas.openxmlformats.org/officeDocument/2006/relationships" xmlns:p="http://schemas.openxmlformats.org/presentationml/2006/main">
   <p:cSld>
     <p:spTree>
@@ -14571,7 +14443,14 @@
                 <a:latin typeface="Arial" panose="020B0604020202020204" pitchFamily="34" charset="0"/>
                 <a:cs typeface="Arial" panose="020B0604020202020204" pitchFamily="34" charset="0"/>
               </a:rPr>
-              <a:t>  Data Exploration (4)</a:t>
+              <a:t>  Data Exploration </a:t>
+            </a:r>
+            <a:r>
+              <a:rPr lang="it-IT" sz="2400" dirty="0" smtClean="0">
+                <a:latin typeface="Arial" panose="020B0604020202020204" pitchFamily="34" charset="0"/>
+                <a:cs typeface="Arial" panose="020B0604020202020204" pitchFamily="34" charset="0"/>
+              </a:rPr>
+              <a:t>(5)</a:t>
             </a:r>
             <a:endParaRPr lang="it-IT" sz="2400" dirty="0">
               <a:latin typeface="Arial" panose="020B0604020202020204" pitchFamily="34" charset="0"/>
@@ -14589,7 +14468,7 @@
         <p:spPr>
           <a:xfrm>
             <a:off x="340288" y="1605333"/>
-            <a:ext cx="3070424" cy="3970318"/>
+            <a:ext cx="3222062" cy="5355312"/>
           </a:xfrm>
           <a:prstGeom prst="rect">
             <a:avLst/>
@@ -14635,7 +14514,7 @@
                 <a:latin typeface="Arial" panose="020B0604020202020204" pitchFamily="34" charset="0"/>
                 <a:cs typeface="Arial" panose="020B0604020202020204" pitchFamily="34" charset="0"/>
               </a:rPr>
-              <a:t> </a:t>
+              <a:t>, </a:t>
             </a:r>
             <a:r>
               <a:rPr lang="it-IT" dirty="0" err="1" smtClean="0">
@@ -14677,63 +14556,35 @@
                 <a:latin typeface="Arial" panose="020B0604020202020204" pitchFamily="34" charset="0"/>
                 <a:cs typeface="Arial" panose="020B0604020202020204" pitchFamily="34" charset="0"/>
               </a:rPr>
-              <a:t> ‘</a:t>
-            </a:r>
-            <a:r>
-              <a:rPr lang="it-IT" dirty="0" err="1" smtClean="0">
-                <a:latin typeface="Arial" panose="020B0604020202020204" pitchFamily="34" charset="0"/>
-                <a:cs typeface="Arial" panose="020B0604020202020204" pitchFamily="34" charset="0"/>
-              </a:rPr>
-              <a:t>is_fraud</a:t>
-            </a:r>
-            <a:r>
-              <a:rPr lang="it-IT" dirty="0" smtClean="0">
-                <a:latin typeface="Arial" panose="020B0604020202020204" pitchFamily="34" charset="0"/>
-                <a:cs typeface="Arial" panose="020B0604020202020204" pitchFamily="34" charset="0"/>
-              </a:rPr>
-              <a:t>’ </a:t>
-            </a:r>
-            <a:r>
-              <a:rPr lang="it-IT" dirty="0" err="1" smtClean="0">
-                <a:latin typeface="Arial" panose="020B0604020202020204" pitchFamily="34" charset="0"/>
-                <a:cs typeface="Arial" panose="020B0604020202020204" pitchFamily="34" charset="0"/>
-              </a:rPr>
-              <a:t>column</a:t>
-            </a:r>
-            <a:r>
-              <a:rPr lang="it-IT" dirty="0" smtClean="0">
-                <a:latin typeface="Arial" panose="020B0604020202020204" pitchFamily="34" charset="0"/>
-                <a:cs typeface="Arial" panose="020B0604020202020204" pitchFamily="34" charset="0"/>
-              </a:rPr>
-              <a:t> </a:t>
-            </a:r>
-            <a:r>
-              <a:rPr lang="it-IT" dirty="0" err="1" smtClean="0">
-                <a:latin typeface="Arial" panose="020B0604020202020204" pitchFamily="34" charset="0"/>
-                <a:cs typeface="Arial" panose="020B0604020202020204" pitchFamily="34" charset="0"/>
-              </a:rPr>
-              <a:t>is</a:t>
-            </a:r>
-            <a:r>
-              <a:rPr lang="it-IT" dirty="0" smtClean="0">
-                <a:latin typeface="Arial" panose="020B0604020202020204" pitchFamily="34" charset="0"/>
-                <a:cs typeface="Arial" panose="020B0604020202020204" pitchFamily="34" charset="0"/>
-              </a:rPr>
-              <a:t> </a:t>
-            </a:r>
-            <a:r>
-              <a:rPr lang="it-IT" dirty="0" err="1" smtClean="0">
-                <a:latin typeface="Arial" panose="020B0604020202020204" pitchFamily="34" charset="0"/>
-                <a:cs typeface="Arial" panose="020B0604020202020204" pitchFamily="34" charset="0"/>
-              </a:rPr>
-              <a:t>slightly</a:t>
-            </a:r>
-            <a:r>
-              <a:rPr lang="it-IT" dirty="0" smtClean="0">
-                <a:latin typeface="Arial" panose="020B0604020202020204" pitchFamily="34" charset="0"/>
-                <a:cs typeface="Arial" panose="020B0604020202020204" pitchFamily="34" charset="0"/>
-              </a:rPr>
-              <a:t> </a:t>
+              <a:t> a </a:t>
+            </a:r>
+            <a:r>
+              <a:rPr lang="it-IT" dirty="0" err="1" smtClean="0">
+                <a:latin typeface="Arial" panose="020B0604020202020204" pitchFamily="34" charset="0"/>
+                <a:cs typeface="Arial" panose="020B0604020202020204" pitchFamily="34" charset="0"/>
+              </a:rPr>
+              <a:t>few</a:t>
+            </a:r>
+            <a:r>
+              <a:rPr lang="it-IT" dirty="0" smtClean="0">
+                <a:latin typeface="Arial" panose="020B0604020202020204" pitchFamily="34" charset="0"/>
+                <a:cs typeface="Arial" panose="020B0604020202020204" pitchFamily="34" charset="0"/>
+              </a:rPr>
+              <a:t> </a:t>
+            </a:r>
+            <a:r>
+              <a:rPr lang="it-IT" dirty="0" err="1" smtClean="0">
+                <a:latin typeface="Arial" panose="020B0604020202020204" pitchFamily="34" charset="0"/>
+                <a:cs typeface="Arial" panose="020B0604020202020204" pitchFamily="34" charset="0"/>
+              </a:rPr>
+              <a:t>columns</a:t>
+            </a:r>
+            <a:r>
+              <a:rPr lang="it-IT" dirty="0" smtClean="0">
+                <a:latin typeface="Arial" panose="020B0604020202020204" pitchFamily="34" charset="0"/>
+                <a:cs typeface="Arial" panose="020B0604020202020204" pitchFamily="34" charset="0"/>
+              </a:rPr>
+              <a:t> are </a:t>
             </a:r>
             <a:r>
               <a:rPr lang="it-IT" dirty="0" err="1" smtClean="0">
@@ -14747,42 +14598,28 @@
                 <a:latin typeface="Arial" panose="020B0604020202020204" pitchFamily="34" charset="0"/>
                 <a:cs typeface="Arial" panose="020B0604020202020204" pitchFamily="34" charset="0"/>
               </a:rPr>
-              <a:t> to ‘</a:t>
-            </a:r>
-            <a:r>
-              <a:rPr lang="it-IT" dirty="0" err="1" smtClean="0">
-                <a:latin typeface="Arial" panose="020B0604020202020204" pitchFamily="34" charset="0"/>
-                <a:cs typeface="Arial" panose="020B0604020202020204" pitchFamily="34" charset="0"/>
-              </a:rPr>
-              <a:t>amt</a:t>
-            </a:r>
-            <a:r>
-              <a:rPr lang="it-IT" dirty="0" smtClean="0">
-                <a:latin typeface="Arial" panose="020B0604020202020204" pitchFamily="34" charset="0"/>
-                <a:cs typeface="Arial" panose="020B0604020202020204" pitchFamily="34" charset="0"/>
-              </a:rPr>
-              <a:t>’ </a:t>
-            </a:r>
-            <a:r>
-              <a:rPr lang="it-IT" dirty="0" err="1" smtClean="0">
-                <a:latin typeface="Arial" panose="020B0604020202020204" pitchFamily="34" charset="0"/>
-                <a:cs typeface="Arial" panose="020B0604020202020204" pitchFamily="34" charset="0"/>
-              </a:rPr>
-              <a:t>column</a:t>
-            </a:r>
-            <a:r>
-              <a:rPr lang="it-IT" dirty="0" smtClean="0">
-                <a:latin typeface="Arial" panose="020B0604020202020204" pitchFamily="34" charset="0"/>
-                <a:cs typeface="Arial" panose="020B0604020202020204" pitchFamily="34" charset="0"/>
-              </a:rPr>
-              <a:t>, </a:t>
-            </a:r>
-            <a:r>
-              <a:rPr lang="it-IT" dirty="0" err="1" smtClean="0">
-                <a:latin typeface="Arial" panose="020B0604020202020204" pitchFamily="34" charset="0"/>
-                <a:cs typeface="Arial" panose="020B0604020202020204" pitchFamily="34" charset="0"/>
-              </a:rPr>
-              <a:t>while</a:t>
+              <a:t> </a:t>
+            </a:r>
+            <a:r>
+              <a:rPr lang="it-IT" dirty="0" err="1" smtClean="0">
+                <a:latin typeface="Arial" panose="020B0604020202020204" pitchFamily="34" charset="0"/>
+                <a:cs typeface="Arial" panose="020B0604020202020204" pitchFamily="34" charset="0"/>
+              </a:rPr>
+              <a:t>between</a:t>
+            </a:r>
+            <a:r>
+              <a:rPr lang="it-IT" dirty="0" smtClean="0">
+                <a:latin typeface="Arial" panose="020B0604020202020204" pitchFamily="34" charset="0"/>
+                <a:cs typeface="Arial" panose="020B0604020202020204" pitchFamily="34" charset="0"/>
+              </a:rPr>
+              <a:t> </a:t>
+            </a:r>
+            <a:r>
+              <a:rPr lang="it-IT" dirty="0" err="1" smtClean="0">
+                <a:latin typeface="Arial" panose="020B0604020202020204" pitchFamily="34" charset="0"/>
+                <a:cs typeface="Arial" panose="020B0604020202020204" pitchFamily="34" charset="0"/>
+              </a:rPr>
+              <a:t>each</a:t>
             </a:r>
             <a:r>
               <a:rPr lang="it-IT" dirty="0" smtClean="0">
@@ -14803,161 +14640,7 @@
                 <a:latin typeface="Arial" panose="020B0604020202020204" pitchFamily="34" charset="0"/>
                 <a:cs typeface="Arial" panose="020B0604020202020204" pitchFamily="34" charset="0"/>
               </a:rPr>
-              <a:t> </a:t>
-            </a:r>
-            <a:r>
-              <a:rPr lang="it-IT" dirty="0" err="1" smtClean="0">
-                <a:latin typeface="Arial" panose="020B0604020202020204" pitchFamily="34" charset="0"/>
-                <a:cs typeface="Arial" panose="020B0604020202020204" pitchFamily="34" charset="0"/>
-              </a:rPr>
-              <a:t>columns</a:t>
-            </a:r>
-            <a:r>
-              <a:rPr lang="it-IT" dirty="0" smtClean="0">
-                <a:latin typeface="Arial" panose="020B0604020202020204" pitchFamily="34" charset="0"/>
-                <a:cs typeface="Arial" panose="020B0604020202020204" pitchFamily="34" charset="0"/>
-              </a:rPr>
-              <a:t>, </a:t>
-            </a:r>
-            <a:r>
-              <a:rPr lang="it-IT" dirty="0" err="1" smtClean="0">
-                <a:latin typeface="Arial" panose="020B0604020202020204" pitchFamily="34" charset="0"/>
-                <a:cs typeface="Arial" panose="020B0604020202020204" pitchFamily="34" charset="0"/>
-              </a:rPr>
-              <a:t>especially</a:t>
-            </a:r>
-            <a:r>
-              <a:rPr lang="it-IT" dirty="0" smtClean="0">
-                <a:latin typeface="Arial" panose="020B0604020202020204" pitchFamily="34" charset="0"/>
-                <a:cs typeface="Arial" panose="020B0604020202020204" pitchFamily="34" charset="0"/>
-              </a:rPr>
-              <a:t> </a:t>
-            </a:r>
-            <a:r>
-              <a:rPr lang="it-IT" dirty="0" err="1" smtClean="0">
-                <a:latin typeface="Arial" panose="020B0604020202020204" pitchFamily="34" charset="0"/>
-                <a:cs typeface="Arial" panose="020B0604020202020204" pitchFamily="34" charset="0"/>
-              </a:rPr>
-              <a:t>ones</a:t>
-            </a:r>
-            <a:r>
-              <a:rPr lang="it-IT" dirty="0" smtClean="0">
-                <a:latin typeface="Arial" panose="020B0604020202020204" pitchFamily="34" charset="0"/>
-                <a:cs typeface="Arial" panose="020B0604020202020204" pitchFamily="34" charset="0"/>
-              </a:rPr>
-              <a:t> </a:t>
-            </a:r>
-            <a:r>
-              <a:rPr lang="it-IT" dirty="0" err="1" smtClean="0">
-                <a:latin typeface="Arial" panose="020B0604020202020204" pitchFamily="34" charset="0"/>
-                <a:cs typeface="Arial" panose="020B0604020202020204" pitchFamily="34" charset="0"/>
-              </a:rPr>
-              <a:t>representing</a:t>
-            </a:r>
-            <a:r>
-              <a:rPr lang="it-IT" dirty="0" smtClean="0">
-                <a:latin typeface="Arial" panose="020B0604020202020204" pitchFamily="34" charset="0"/>
-                <a:cs typeface="Arial" panose="020B0604020202020204" pitchFamily="34" charset="0"/>
-              </a:rPr>
-              <a:t> </a:t>
-            </a:r>
-            <a:r>
-              <a:rPr lang="it-IT" dirty="0" err="1" smtClean="0">
-                <a:latin typeface="Arial" panose="020B0604020202020204" pitchFamily="34" charset="0"/>
-                <a:cs typeface="Arial" panose="020B0604020202020204" pitchFamily="34" charset="0"/>
-              </a:rPr>
-              <a:t>geographical</a:t>
-            </a:r>
-            <a:r>
-              <a:rPr lang="it-IT" dirty="0" smtClean="0">
-                <a:latin typeface="Arial" panose="020B0604020202020204" pitchFamily="34" charset="0"/>
-                <a:cs typeface="Arial" panose="020B0604020202020204" pitchFamily="34" charset="0"/>
-              </a:rPr>
-              <a:t> </a:t>
-            </a:r>
-            <a:r>
-              <a:rPr lang="it-IT" dirty="0" err="1" smtClean="0">
-                <a:latin typeface="Arial" panose="020B0604020202020204" pitchFamily="34" charset="0"/>
-                <a:cs typeface="Arial" panose="020B0604020202020204" pitchFamily="34" charset="0"/>
-              </a:rPr>
-              <a:t>coordinates</a:t>
-            </a:r>
-            <a:r>
-              <a:rPr lang="it-IT" dirty="0" smtClean="0">
-                <a:latin typeface="Arial" panose="020B0604020202020204" pitchFamily="34" charset="0"/>
-                <a:cs typeface="Arial" panose="020B0604020202020204" pitchFamily="34" charset="0"/>
-              </a:rPr>
-              <a:t>, are </a:t>
-            </a:r>
-            <a:r>
-              <a:rPr lang="it-IT" dirty="0" err="1" smtClean="0">
-                <a:latin typeface="Arial" panose="020B0604020202020204" pitchFamily="34" charset="0"/>
-                <a:cs typeface="Arial" panose="020B0604020202020204" pitchFamily="34" charset="0"/>
-              </a:rPr>
-              <a:t>strongly</a:t>
-            </a:r>
-            <a:r>
-              <a:rPr lang="it-IT" dirty="0" smtClean="0">
-                <a:latin typeface="Arial" panose="020B0604020202020204" pitchFamily="34" charset="0"/>
-                <a:cs typeface="Arial" panose="020B0604020202020204" pitchFamily="34" charset="0"/>
-              </a:rPr>
-              <a:t> </a:t>
-            </a:r>
-            <a:r>
-              <a:rPr lang="it-IT" dirty="0" err="1" smtClean="0">
-                <a:latin typeface="Arial" panose="020B0604020202020204" pitchFamily="34" charset="0"/>
-                <a:cs typeface="Arial" panose="020B0604020202020204" pitchFamily="34" charset="0"/>
-              </a:rPr>
-              <a:t>correlated</a:t>
-            </a:r>
-            <a:r>
-              <a:rPr lang="it-IT" dirty="0" smtClean="0">
-                <a:latin typeface="Arial" panose="020B0604020202020204" pitchFamily="34" charset="0"/>
-                <a:cs typeface="Arial" panose="020B0604020202020204" pitchFamily="34" charset="0"/>
-              </a:rPr>
-              <a:t> (‘</a:t>
-            </a:r>
-            <a:r>
-              <a:rPr lang="it-IT" dirty="0" err="1" smtClean="0">
-                <a:latin typeface="Arial" panose="020B0604020202020204" pitchFamily="34" charset="0"/>
-                <a:cs typeface="Arial" panose="020B0604020202020204" pitchFamily="34" charset="0"/>
-              </a:rPr>
-              <a:t>merch_lat</a:t>
-            </a:r>
-            <a:r>
-              <a:rPr lang="it-IT" dirty="0" smtClean="0">
-                <a:latin typeface="Arial" panose="020B0604020202020204" pitchFamily="34" charset="0"/>
-                <a:cs typeface="Arial" panose="020B0604020202020204" pitchFamily="34" charset="0"/>
-              </a:rPr>
-              <a:t>’ and ‘</a:t>
-            </a:r>
-            <a:r>
-              <a:rPr lang="it-IT" dirty="0" err="1" smtClean="0">
-                <a:latin typeface="Arial" panose="020B0604020202020204" pitchFamily="34" charset="0"/>
-                <a:cs typeface="Arial" panose="020B0604020202020204" pitchFamily="34" charset="0"/>
-              </a:rPr>
-              <a:t>lat</a:t>
-            </a:r>
-            <a:r>
-              <a:rPr lang="it-IT" dirty="0" smtClean="0">
-                <a:latin typeface="Arial" panose="020B0604020202020204" pitchFamily="34" charset="0"/>
-                <a:cs typeface="Arial" panose="020B0604020202020204" pitchFamily="34" charset="0"/>
-              </a:rPr>
-              <a:t>’, ‘</a:t>
-            </a:r>
-            <a:r>
-              <a:rPr lang="it-IT" dirty="0" err="1" smtClean="0">
-                <a:latin typeface="Arial" panose="020B0604020202020204" pitchFamily="34" charset="0"/>
-                <a:cs typeface="Arial" panose="020B0604020202020204" pitchFamily="34" charset="0"/>
-              </a:rPr>
-              <a:t>merch_long</a:t>
-            </a:r>
-            <a:r>
-              <a:rPr lang="it-IT" dirty="0" smtClean="0">
-                <a:latin typeface="Arial" panose="020B0604020202020204" pitchFamily="34" charset="0"/>
-                <a:cs typeface="Arial" panose="020B0604020202020204" pitchFamily="34" charset="0"/>
-              </a:rPr>
-              <a:t>’ and ‘long’).</a:t>
+              <a:t>.</a:t>
             </a:r>
           </a:p>
           <a:p>
@@ -14967,6 +14650,202 @@
             </a:endParaRPr>
           </a:p>
           <a:p>
+            <a:r>
+              <a:rPr lang="it-IT" dirty="0" smtClean="0">
+                <a:latin typeface="Arial" panose="020B0604020202020204" pitchFamily="34" charset="0"/>
+                <a:cs typeface="Arial" panose="020B0604020202020204" pitchFamily="34" charset="0"/>
+              </a:rPr>
+              <a:t>For </a:t>
+            </a:r>
+            <a:r>
+              <a:rPr lang="it-IT" dirty="0" err="1" smtClean="0">
+                <a:latin typeface="Arial" panose="020B0604020202020204" pitchFamily="34" charset="0"/>
+                <a:cs typeface="Arial" panose="020B0604020202020204" pitchFamily="34" charset="0"/>
+              </a:rPr>
+              <a:t>example</a:t>
+            </a:r>
+            <a:r>
+              <a:rPr lang="it-IT" dirty="0" smtClean="0">
+                <a:latin typeface="Arial" panose="020B0604020202020204" pitchFamily="34" charset="0"/>
+                <a:cs typeface="Arial" panose="020B0604020202020204" pitchFamily="34" charset="0"/>
+              </a:rPr>
+              <a:t>, ‘</a:t>
+            </a:r>
+            <a:r>
+              <a:rPr lang="it-IT" dirty="0" err="1" smtClean="0">
+                <a:latin typeface="Arial" panose="020B0604020202020204" pitchFamily="34" charset="0"/>
+                <a:cs typeface="Arial" panose="020B0604020202020204" pitchFamily="34" charset="0"/>
+              </a:rPr>
+              <a:t>state_encoded</a:t>
+            </a:r>
+            <a:r>
+              <a:rPr lang="it-IT" dirty="0" smtClean="0">
+                <a:latin typeface="Arial" panose="020B0604020202020204" pitchFamily="34" charset="0"/>
+                <a:cs typeface="Arial" panose="020B0604020202020204" pitchFamily="34" charset="0"/>
+              </a:rPr>
+              <a:t>’ and ‘</a:t>
+            </a:r>
+            <a:r>
+              <a:rPr lang="it-IT" dirty="0" err="1" smtClean="0">
+                <a:latin typeface="Arial" panose="020B0604020202020204" pitchFamily="34" charset="0"/>
+                <a:cs typeface="Arial" panose="020B0604020202020204" pitchFamily="34" charset="0"/>
+              </a:rPr>
+              <a:t>lat</a:t>
+            </a:r>
+            <a:r>
+              <a:rPr lang="it-IT" dirty="0" smtClean="0">
+                <a:latin typeface="Arial" panose="020B0604020202020204" pitchFamily="34" charset="0"/>
+                <a:cs typeface="Arial" panose="020B0604020202020204" pitchFamily="34" charset="0"/>
+              </a:rPr>
+              <a:t>’ </a:t>
+            </a:r>
+            <a:r>
+              <a:rPr lang="it-IT" dirty="0" err="1" smtClean="0">
+                <a:latin typeface="Arial" panose="020B0604020202020204" pitchFamily="34" charset="0"/>
+                <a:cs typeface="Arial" panose="020B0604020202020204" pitchFamily="34" charset="0"/>
+              </a:rPr>
+              <a:t>columns</a:t>
+            </a:r>
+            <a:r>
+              <a:rPr lang="it-IT" dirty="0" smtClean="0">
+                <a:latin typeface="Arial" panose="020B0604020202020204" pitchFamily="34" charset="0"/>
+                <a:cs typeface="Arial" panose="020B0604020202020204" pitchFamily="34" charset="0"/>
+              </a:rPr>
+              <a:t> are </a:t>
+            </a:r>
+            <a:r>
+              <a:rPr lang="it-IT" dirty="0" err="1" smtClean="0">
+                <a:latin typeface="Arial" panose="020B0604020202020204" pitchFamily="34" charset="0"/>
+                <a:cs typeface="Arial" panose="020B0604020202020204" pitchFamily="34" charset="0"/>
+              </a:rPr>
+              <a:t>positively</a:t>
+            </a:r>
+            <a:r>
+              <a:rPr lang="it-IT" dirty="0" smtClean="0">
+                <a:latin typeface="Arial" panose="020B0604020202020204" pitchFamily="34" charset="0"/>
+                <a:cs typeface="Arial" panose="020B0604020202020204" pitchFamily="34" charset="0"/>
+              </a:rPr>
+              <a:t> </a:t>
+            </a:r>
+            <a:r>
+              <a:rPr lang="it-IT" dirty="0" err="1" smtClean="0">
+                <a:latin typeface="Arial" panose="020B0604020202020204" pitchFamily="34" charset="0"/>
+                <a:cs typeface="Arial" panose="020B0604020202020204" pitchFamily="34" charset="0"/>
+              </a:rPr>
+              <a:t>correlated</a:t>
+            </a:r>
+            <a:r>
+              <a:rPr lang="it-IT" dirty="0" smtClean="0">
+                <a:latin typeface="Arial" panose="020B0604020202020204" pitchFamily="34" charset="0"/>
+                <a:cs typeface="Arial" panose="020B0604020202020204" pitchFamily="34" charset="0"/>
+              </a:rPr>
+              <a:t> by a </a:t>
+            </a:r>
+            <a:r>
+              <a:rPr lang="it-IT" dirty="0" err="1" smtClean="0">
+                <a:latin typeface="Arial" panose="020B0604020202020204" pitchFamily="34" charset="0"/>
+                <a:cs typeface="Arial" panose="020B0604020202020204" pitchFamily="34" charset="0"/>
+              </a:rPr>
+              <a:t>factor</a:t>
+            </a:r>
+            <a:r>
+              <a:rPr lang="it-IT" dirty="0" smtClean="0">
+                <a:latin typeface="Arial" panose="020B0604020202020204" pitchFamily="34" charset="0"/>
+                <a:cs typeface="Arial" panose="020B0604020202020204" pitchFamily="34" charset="0"/>
+              </a:rPr>
+              <a:t> of 0.46. </a:t>
+            </a:r>
+            <a:r>
+              <a:rPr lang="it-IT" dirty="0" err="1" smtClean="0">
+                <a:latin typeface="Arial" panose="020B0604020202020204" pitchFamily="34" charset="0"/>
+                <a:cs typeface="Arial" panose="020B0604020202020204" pitchFamily="34" charset="0"/>
+              </a:rPr>
+              <a:t>Meanwhile</a:t>
+            </a:r>
+            <a:r>
+              <a:rPr lang="it-IT" dirty="0" smtClean="0">
+                <a:latin typeface="Arial" panose="020B0604020202020204" pitchFamily="34" charset="0"/>
+                <a:cs typeface="Arial" panose="020B0604020202020204" pitchFamily="34" charset="0"/>
+              </a:rPr>
+              <a:t>, ‘</a:t>
+            </a:r>
+            <a:r>
+              <a:rPr lang="it-IT" dirty="0" err="1" smtClean="0">
+                <a:latin typeface="Arial" panose="020B0604020202020204" pitchFamily="34" charset="0"/>
+                <a:cs typeface="Arial" panose="020B0604020202020204" pitchFamily="34" charset="0"/>
+              </a:rPr>
+              <a:t>merch</a:t>
+            </a:r>
+            <a:r>
+              <a:rPr lang="it-IT" dirty="0" err="1" smtClean="0">
+                <a:latin typeface="Arial" panose="020B0604020202020204" pitchFamily="34" charset="0"/>
+                <a:cs typeface="Arial" panose="020B0604020202020204" pitchFamily="34" charset="0"/>
+              </a:rPr>
+              <a:t>_lat</a:t>
+            </a:r>
+            <a:r>
+              <a:rPr lang="it-IT" dirty="0" smtClean="0">
+                <a:latin typeface="Arial" panose="020B0604020202020204" pitchFamily="34" charset="0"/>
+                <a:cs typeface="Arial" panose="020B0604020202020204" pitchFamily="34" charset="0"/>
+              </a:rPr>
+              <a:t>’ and ‘</a:t>
+            </a:r>
+            <a:r>
+              <a:rPr lang="it-IT" dirty="0" err="1" smtClean="0">
+                <a:latin typeface="Arial" panose="020B0604020202020204" pitchFamily="34" charset="0"/>
+                <a:cs typeface="Arial" panose="020B0604020202020204" pitchFamily="34" charset="0"/>
+              </a:rPr>
+              <a:t>lat</a:t>
+            </a:r>
+            <a:r>
+              <a:rPr lang="it-IT" dirty="0" smtClean="0">
+                <a:latin typeface="Arial" panose="020B0604020202020204" pitchFamily="34" charset="0"/>
+                <a:cs typeface="Arial" panose="020B0604020202020204" pitchFamily="34" charset="0"/>
+              </a:rPr>
+              <a:t>’ are </a:t>
+            </a:r>
+            <a:r>
+              <a:rPr lang="it-IT" dirty="0" err="1" smtClean="0">
+                <a:latin typeface="Arial" panose="020B0604020202020204" pitchFamily="34" charset="0"/>
+                <a:cs typeface="Arial" panose="020B0604020202020204" pitchFamily="34" charset="0"/>
+              </a:rPr>
+              <a:t>strongly</a:t>
+            </a:r>
+            <a:r>
+              <a:rPr lang="it-IT" dirty="0" smtClean="0">
+                <a:latin typeface="Arial" panose="020B0604020202020204" pitchFamily="34" charset="0"/>
+                <a:cs typeface="Arial" panose="020B0604020202020204" pitchFamily="34" charset="0"/>
+              </a:rPr>
+              <a:t> </a:t>
+            </a:r>
+            <a:r>
+              <a:rPr lang="it-IT" dirty="0" err="1" smtClean="0">
+                <a:latin typeface="Arial" panose="020B0604020202020204" pitchFamily="34" charset="0"/>
+                <a:cs typeface="Arial" panose="020B0604020202020204" pitchFamily="34" charset="0"/>
+              </a:rPr>
+              <a:t>correlated</a:t>
+            </a:r>
+            <a:r>
+              <a:rPr lang="it-IT" dirty="0" smtClean="0">
+                <a:latin typeface="Arial" panose="020B0604020202020204" pitchFamily="34" charset="0"/>
+                <a:cs typeface="Arial" panose="020B0604020202020204" pitchFamily="34" charset="0"/>
+              </a:rPr>
+              <a:t> by a </a:t>
+            </a:r>
+            <a:r>
+              <a:rPr lang="it-IT" dirty="0" err="1" smtClean="0">
+                <a:latin typeface="Arial" panose="020B0604020202020204" pitchFamily="34" charset="0"/>
+                <a:cs typeface="Arial" panose="020B0604020202020204" pitchFamily="34" charset="0"/>
+              </a:rPr>
+              <a:t>factor</a:t>
+            </a:r>
+            <a:r>
+              <a:rPr lang="it-IT" dirty="0" smtClean="0">
+                <a:latin typeface="Arial" panose="020B0604020202020204" pitchFamily="34" charset="0"/>
+                <a:cs typeface="Arial" panose="020B0604020202020204" pitchFamily="34" charset="0"/>
+              </a:rPr>
+              <a:t> of 0.99.</a:t>
+            </a:r>
             <a:endParaRPr lang="it-IT" dirty="0" smtClean="0">
               <a:latin typeface="Arial" panose="020B0604020202020204" pitchFamily="34" charset="0"/>
               <a:cs typeface="Arial" panose="020B0604020202020204" pitchFamily="34" charset="0"/>
@@ -14979,16 +14858,139 @@
             </a:endParaRPr>
           </a:p>
           <a:p>
+            <a:r>
+              <a:rPr lang="it-IT" dirty="0" smtClean="0">
+                <a:latin typeface="Arial" panose="020B0604020202020204" pitchFamily="34" charset="0"/>
+                <a:cs typeface="Arial" panose="020B0604020202020204" pitchFamily="34" charset="0"/>
+              </a:rPr>
+              <a:t>‘</a:t>
+            </a:r>
+            <a:r>
+              <a:rPr lang="it-IT" dirty="0" err="1" smtClean="0">
+                <a:latin typeface="Arial" panose="020B0604020202020204" pitchFamily="34" charset="0"/>
+                <a:cs typeface="Arial" panose="020B0604020202020204" pitchFamily="34" charset="0"/>
+              </a:rPr>
+              <a:t>is_fraud</a:t>
+            </a:r>
+            <a:r>
+              <a:rPr lang="it-IT" dirty="0" smtClean="0">
+                <a:latin typeface="Arial" panose="020B0604020202020204" pitchFamily="34" charset="0"/>
+                <a:cs typeface="Arial" panose="020B0604020202020204" pitchFamily="34" charset="0"/>
+              </a:rPr>
+              <a:t>’ </a:t>
+            </a:r>
+            <a:r>
+              <a:rPr lang="it-IT" dirty="0" err="1" smtClean="0">
+                <a:latin typeface="Arial" panose="020B0604020202020204" pitchFamily="34" charset="0"/>
+                <a:cs typeface="Arial" panose="020B0604020202020204" pitchFamily="34" charset="0"/>
+              </a:rPr>
+              <a:t>column</a:t>
+            </a:r>
+            <a:r>
+              <a:rPr lang="it-IT" dirty="0" smtClean="0">
+                <a:latin typeface="Arial" panose="020B0604020202020204" pitchFamily="34" charset="0"/>
+                <a:cs typeface="Arial" panose="020B0604020202020204" pitchFamily="34" charset="0"/>
+              </a:rPr>
+              <a:t> </a:t>
+            </a:r>
+            <a:r>
+              <a:rPr lang="it-IT" dirty="0" err="1" smtClean="0">
+                <a:latin typeface="Arial" panose="020B0604020202020204" pitchFamily="34" charset="0"/>
+                <a:cs typeface="Arial" panose="020B0604020202020204" pitchFamily="34" charset="0"/>
+              </a:rPr>
+              <a:t>has</a:t>
+            </a:r>
+            <a:r>
+              <a:rPr lang="it-IT" dirty="0" smtClean="0">
+                <a:latin typeface="Arial" panose="020B0604020202020204" pitchFamily="34" charset="0"/>
+                <a:cs typeface="Arial" panose="020B0604020202020204" pitchFamily="34" charset="0"/>
+              </a:rPr>
+              <a:t> a </a:t>
+            </a:r>
+            <a:r>
+              <a:rPr lang="it-IT" dirty="0" err="1" smtClean="0">
+                <a:latin typeface="Arial" panose="020B0604020202020204" pitchFamily="34" charset="0"/>
+                <a:cs typeface="Arial" panose="020B0604020202020204" pitchFamily="34" charset="0"/>
+              </a:rPr>
+              <a:t>slight</a:t>
+            </a:r>
+            <a:r>
+              <a:rPr lang="it-IT" dirty="0" smtClean="0">
+                <a:latin typeface="Arial" panose="020B0604020202020204" pitchFamily="34" charset="0"/>
+                <a:cs typeface="Arial" panose="020B0604020202020204" pitchFamily="34" charset="0"/>
+              </a:rPr>
+              <a:t> negative </a:t>
+            </a:r>
+            <a:r>
+              <a:rPr lang="it-IT" dirty="0" err="1" smtClean="0">
+                <a:latin typeface="Arial" panose="020B0604020202020204" pitchFamily="34" charset="0"/>
+                <a:cs typeface="Arial" panose="020B0604020202020204" pitchFamily="34" charset="0"/>
+              </a:rPr>
+              <a:t>correlation</a:t>
+            </a:r>
+            <a:r>
+              <a:rPr lang="it-IT" dirty="0" smtClean="0">
+                <a:latin typeface="Arial" panose="020B0604020202020204" pitchFamily="34" charset="0"/>
+                <a:cs typeface="Arial" panose="020B0604020202020204" pitchFamily="34" charset="0"/>
+              </a:rPr>
+              <a:t> with ‘</a:t>
+            </a:r>
+            <a:r>
+              <a:rPr lang="it-IT" dirty="0" err="1" smtClean="0">
+                <a:latin typeface="Arial" panose="020B0604020202020204" pitchFamily="34" charset="0"/>
+                <a:cs typeface="Arial" panose="020B0604020202020204" pitchFamily="34" charset="0"/>
+              </a:rPr>
+              <a:t>amt</a:t>
+            </a:r>
+            <a:r>
+              <a:rPr lang="it-IT" dirty="0" smtClean="0">
+                <a:latin typeface="Arial" panose="020B0604020202020204" pitchFamily="34" charset="0"/>
+                <a:cs typeface="Arial" panose="020B0604020202020204" pitchFamily="34" charset="0"/>
+              </a:rPr>
+              <a:t>’ by a </a:t>
+            </a:r>
+            <a:r>
+              <a:rPr lang="it-IT" dirty="0" err="1" smtClean="0">
+                <a:latin typeface="Arial" panose="020B0604020202020204" pitchFamily="34" charset="0"/>
+                <a:cs typeface="Arial" panose="020B0604020202020204" pitchFamily="34" charset="0"/>
+              </a:rPr>
+              <a:t>factor</a:t>
+            </a:r>
+            <a:r>
+              <a:rPr lang="it-IT" dirty="0" smtClean="0">
+                <a:latin typeface="Arial" panose="020B0604020202020204" pitchFamily="34" charset="0"/>
+                <a:cs typeface="Arial" panose="020B0604020202020204" pitchFamily="34" charset="0"/>
+              </a:rPr>
+              <a:t> of -0.20.</a:t>
+            </a:r>
             <a:endParaRPr lang="it-IT" dirty="0">
               <a:latin typeface="Arial" panose="020B0604020202020204" pitchFamily="34" charset="0"/>
               <a:cs typeface="Arial" panose="020B0604020202020204" pitchFamily="34" charset="0"/>
             </a:endParaRPr>
           </a:p>
+          <a:p>
+            <a:endParaRPr lang="it-IT" dirty="0" smtClean="0">
+              <a:latin typeface="Arial" panose="020B0604020202020204" pitchFamily="34" charset="0"/>
+              <a:cs typeface="Arial" panose="020B0604020202020204" pitchFamily="34" charset="0"/>
+            </a:endParaRPr>
+          </a:p>
+          <a:p>
+            <a:endParaRPr lang="it-IT" dirty="0">
+              <a:latin typeface="Arial" panose="020B0604020202020204" pitchFamily="34" charset="0"/>
+              <a:cs typeface="Arial" panose="020B0604020202020204" pitchFamily="34" charset="0"/>
+            </a:endParaRPr>
+          </a:p>
+          <a:p>
+            <a:endParaRPr lang="it-IT" dirty="0">
+              <a:latin typeface="Arial" panose="020B0604020202020204" pitchFamily="34" charset="0"/>
+              <a:cs typeface="Arial" panose="020B0604020202020204" pitchFamily="34" charset="0"/>
+            </a:endParaRPr>
+          </a:p>
         </p:txBody>
       </p:sp>
       <p:pic>
         <p:nvPicPr>
-          <p:cNvPr id="6" name="Immagine 5"/>
+          <p:cNvPr id="2" name="Immagine 1"/>
           <p:cNvPicPr>
             <a:picLocks noChangeAspect="1"/>
           </p:cNvPicPr>
@@ -15008,8 +15010,8 @@
         </p:blipFill>
         <p:spPr>
           <a:xfrm>
-            <a:off x="3410712" y="934666"/>
-            <a:ext cx="8521917" cy="5889130"/>
+            <a:off x="3685033" y="929384"/>
+            <a:ext cx="8379108" cy="5790440"/>
           </a:xfrm>
           <a:prstGeom prst="rect">
             <a:avLst/>
@@ -15020,1309 +15022,6 @@
     <p:extLst>
       <p:ext uri="{BB962C8B-B14F-4D97-AF65-F5344CB8AC3E}">
         <p14:creationId xmlns:p14="http://schemas.microsoft.com/office/powerpoint/2010/main" val="126405730"/>
-      </p:ext>
-    </p:extLst>
-  </p:cSld>
-  <p:clrMapOvr>
-    <a:masterClrMapping/>
-  </p:clrMapOvr>
-  <p:timing>
-    <p:tnLst>
-      <p:par>
-        <p:cTn id="1" dur="indefinite" restart="never" nodeType="tmRoot"/>
-      </p:par>
-    </p:tnLst>
-  </p:timing>
-</p:sld>
-</file>
-
-<file path=ppt/slides/slide8.xml><?xml version="1.0" encoding="utf-8"?>
-<p:sld xmlns:a="http://schemas.openxmlformats.org/drawingml/2006/main" xmlns:r="http://schemas.openxmlformats.org/officeDocument/2006/relationships" xmlns:p="http://schemas.openxmlformats.org/presentationml/2006/main">
-  <p:cSld>
-    <p:spTree>
-      <p:nvGrpSpPr>
-        <p:cNvPr id="1" name=""/>
-        <p:cNvGrpSpPr/>
-        <p:nvPr/>
-      </p:nvGrpSpPr>
-      <p:grpSpPr>
-        <a:xfrm>
-          <a:off x="0" y="0"/>
-          <a:ext cx="0" cy="0"/>
-          <a:chOff x="0" y="0"/>
-          <a:chExt cx="0" cy="0"/>
-        </a:xfrm>
-      </p:grpSpPr>
-      <p:pic>
-        <p:nvPicPr>
-          <p:cNvPr id="5" name="Immagine 4"/>
-          <p:cNvPicPr>
-            <a:picLocks noChangeAspect="1"/>
-          </p:cNvPicPr>
-          <p:nvPr/>
-        </p:nvPicPr>
-        <p:blipFill>
-          <a:blip r:embed="rId2" cstate="print">
-            <a:extLst>
-              <a:ext uri="{28A0092B-C50C-407E-A947-70E740481C1C}">
-                <a14:useLocalDpi xmlns:a14="http://schemas.microsoft.com/office/drawing/2010/main" val="0"/>
-              </a:ext>
-            </a:extLst>
-          </a:blip>
-          <a:stretch>
-            <a:fillRect/>
-          </a:stretch>
-        </p:blipFill>
-        <p:spPr>
-          <a:xfrm>
-            <a:off x="139120" y="137668"/>
-            <a:ext cx="1044518" cy="1132332"/>
-          </a:xfrm>
-          <a:prstGeom prst="rect">
-            <a:avLst/>
-          </a:prstGeom>
-        </p:spPr>
-      </p:pic>
-      <p:sp>
-        <p:nvSpPr>
-          <p:cNvPr id="2" name="CasellaDiTesto 1"/>
-          <p:cNvSpPr txBox="1"/>
-          <p:nvPr/>
-        </p:nvSpPr>
-        <p:spPr>
-          <a:xfrm>
-            <a:off x="1183638" y="473001"/>
-            <a:ext cx="4137671" cy="461665"/>
-          </a:xfrm>
-          <a:prstGeom prst="rect">
-            <a:avLst/>
-          </a:prstGeom>
-          <a:noFill/>
-        </p:spPr>
-        <p:txBody>
-          <a:bodyPr wrap="none" rtlCol="0">
-            <a:spAutoFit/>
-          </a:bodyPr>
-          <a:lstStyle/>
-          <a:p>
-            <a:r>
-              <a:rPr lang="it-IT" sz="2400" dirty="0" smtClean="0">
-                <a:latin typeface="Arial" panose="020B0604020202020204" pitchFamily="34" charset="0"/>
-                <a:cs typeface="Arial" panose="020B0604020202020204" pitchFamily="34" charset="0"/>
-              </a:rPr>
-              <a:t>  </a:t>
-            </a:r>
-            <a:r>
-              <a:rPr lang="it-IT" sz="2400" dirty="0" err="1" smtClean="0">
-                <a:latin typeface="Arial" panose="020B0604020202020204" pitchFamily="34" charset="0"/>
-                <a:cs typeface="Arial" panose="020B0604020202020204" pitchFamily="34" charset="0"/>
-              </a:rPr>
-              <a:t>Features</a:t>
-            </a:r>
-            <a:r>
-              <a:rPr lang="it-IT" sz="2400" dirty="0" smtClean="0">
-                <a:latin typeface="Arial" panose="020B0604020202020204" pitchFamily="34" charset="0"/>
-                <a:cs typeface="Arial" panose="020B0604020202020204" pitchFamily="34" charset="0"/>
-              </a:rPr>
-              <a:t> &amp; Model </a:t>
-            </a:r>
-            <a:r>
-              <a:rPr lang="it-IT" sz="2400" dirty="0" err="1" smtClean="0">
-                <a:latin typeface="Arial" panose="020B0604020202020204" pitchFamily="34" charset="0"/>
-                <a:cs typeface="Arial" panose="020B0604020202020204" pitchFamily="34" charset="0"/>
-              </a:rPr>
-              <a:t>Selection</a:t>
-            </a:r>
-            <a:endParaRPr lang="it-IT" sz="2400" dirty="0">
-              <a:latin typeface="Arial" panose="020B0604020202020204" pitchFamily="34" charset="0"/>
-              <a:cs typeface="Arial" panose="020B0604020202020204" pitchFamily="34" charset="0"/>
-            </a:endParaRPr>
-          </a:p>
-        </p:txBody>
-      </p:sp>
-      <p:sp>
-        <p:nvSpPr>
-          <p:cNvPr id="3" name="CasellaDiTesto 2"/>
-          <p:cNvSpPr txBox="1"/>
-          <p:nvPr/>
-        </p:nvSpPr>
-        <p:spPr>
-          <a:xfrm>
-            <a:off x="295275" y="1701731"/>
-            <a:ext cx="10467975" cy="1200329"/>
-          </a:xfrm>
-          <a:prstGeom prst="rect">
-            <a:avLst/>
-          </a:prstGeom>
-          <a:noFill/>
-        </p:spPr>
-        <p:txBody>
-          <a:bodyPr wrap="square" rtlCol="0">
-            <a:spAutoFit/>
-          </a:bodyPr>
-          <a:lstStyle/>
-          <a:p>
-            <a:r>
-              <a:rPr lang="it-IT" dirty="0" err="1" smtClean="0">
-                <a:latin typeface="Arial" panose="020B0604020202020204" pitchFamily="34" charset="0"/>
-                <a:cs typeface="Arial" panose="020B0604020202020204" pitchFamily="34" charset="0"/>
-              </a:rPr>
-              <a:t>Based</a:t>
-            </a:r>
-            <a:r>
-              <a:rPr lang="it-IT" dirty="0" smtClean="0">
-                <a:latin typeface="Arial" panose="020B0604020202020204" pitchFamily="34" charset="0"/>
-                <a:cs typeface="Arial" panose="020B0604020202020204" pitchFamily="34" charset="0"/>
-              </a:rPr>
-              <a:t> on the </a:t>
-            </a:r>
-            <a:r>
-              <a:rPr lang="it-IT" dirty="0" err="1" smtClean="0">
-                <a:latin typeface="Arial" panose="020B0604020202020204" pitchFamily="34" charset="0"/>
-                <a:cs typeface="Arial" panose="020B0604020202020204" pitchFamily="34" charset="0"/>
-              </a:rPr>
-              <a:t>previous</a:t>
-            </a:r>
-            <a:r>
-              <a:rPr lang="it-IT" dirty="0" smtClean="0">
-                <a:latin typeface="Arial" panose="020B0604020202020204" pitchFamily="34" charset="0"/>
-                <a:cs typeface="Arial" panose="020B0604020202020204" pitchFamily="34" charset="0"/>
-              </a:rPr>
-              <a:t> </a:t>
-            </a:r>
-            <a:r>
-              <a:rPr lang="it-IT" dirty="0" err="1" smtClean="0">
-                <a:latin typeface="Arial" panose="020B0604020202020204" pitchFamily="34" charset="0"/>
-                <a:cs typeface="Arial" panose="020B0604020202020204" pitchFamily="34" charset="0"/>
-              </a:rPr>
-              <a:t>findings</a:t>
-            </a:r>
-            <a:r>
-              <a:rPr lang="it-IT" dirty="0" smtClean="0">
-                <a:latin typeface="Arial" panose="020B0604020202020204" pitchFamily="34" charset="0"/>
-                <a:cs typeface="Arial" panose="020B0604020202020204" pitchFamily="34" charset="0"/>
-              </a:rPr>
-              <a:t>, </a:t>
-            </a:r>
-            <a:r>
-              <a:rPr lang="it-IT" dirty="0" err="1" smtClean="0">
-                <a:latin typeface="Arial" panose="020B0604020202020204" pitchFamily="34" charset="0"/>
-                <a:cs typeface="Arial" panose="020B0604020202020204" pitchFamily="34" charset="0"/>
-              </a:rPr>
-              <a:t>we</a:t>
-            </a:r>
-            <a:r>
-              <a:rPr lang="it-IT" dirty="0" smtClean="0">
-                <a:latin typeface="Arial" panose="020B0604020202020204" pitchFamily="34" charset="0"/>
-                <a:cs typeface="Arial" panose="020B0604020202020204" pitchFamily="34" charset="0"/>
-              </a:rPr>
-              <a:t> are </a:t>
-            </a:r>
-            <a:r>
-              <a:rPr lang="it-IT" dirty="0" err="1" smtClean="0">
-                <a:latin typeface="Arial" panose="020B0604020202020204" pitchFamily="34" charset="0"/>
-                <a:cs typeface="Arial" panose="020B0604020202020204" pitchFamily="34" charset="0"/>
-              </a:rPr>
-              <a:t>going</a:t>
-            </a:r>
-            <a:r>
-              <a:rPr lang="it-IT" dirty="0" smtClean="0">
-                <a:latin typeface="Arial" panose="020B0604020202020204" pitchFamily="34" charset="0"/>
-                <a:cs typeface="Arial" panose="020B0604020202020204" pitchFamily="34" charset="0"/>
-              </a:rPr>
-              <a:t> to use the </a:t>
-            </a:r>
-            <a:r>
-              <a:rPr lang="it-IT" dirty="0" err="1" smtClean="0">
-                <a:latin typeface="Arial" panose="020B0604020202020204" pitchFamily="34" charset="0"/>
-                <a:cs typeface="Arial" panose="020B0604020202020204" pitchFamily="34" charset="0"/>
-              </a:rPr>
-              <a:t>XGBoost</a:t>
-            </a:r>
-            <a:r>
-              <a:rPr lang="it-IT" dirty="0" smtClean="0">
-                <a:latin typeface="Arial" panose="020B0604020202020204" pitchFamily="34" charset="0"/>
-                <a:cs typeface="Arial" panose="020B0604020202020204" pitchFamily="34" charset="0"/>
-              </a:rPr>
-              <a:t> </a:t>
-            </a:r>
-            <a:r>
-              <a:rPr lang="it-IT" dirty="0" err="1" smtClean="0">
-                <a:latin typeface="Arial" panose="020B0604020202020204" pitchFamily="34" charset="0"/>
-                <a:cs typeface="Arial" panose="020B0604020202020204" pitchFamily="34" charset="0"/>
-              </a:rPr>
-              <a:t>Classifier</a:t>
-            </a:r>
-            <a:r>
-              <a:rPr lang="it-IT" dirty="0" smtClean="0">
-                <a:latin typeface="Arial" panose="020B0604020202020204" pitchFamily="34" charset="0"/>
-                <a:cs typeface="Arial" panose="020B0604020202020204" pitchFamily="34" charset="0"/>
-              </a:rPr>
-              <a:t> model </a:t>
-            </a:r>
-            <a:r>
-              <a:rPr lang="it-IT" dirty="0" err="1" smtClean="0">
-                <a:latin typeface="Arial" panose="020B0604020202020204" pitchFamily="34" charset="0"/>
-                <a:cs typeface="Arial" panose="020B0604020202020204" pitchFamily="34" charset="0"/>
-              </a:rPr>
-              <a:t>paying</a:t>
-            </a:r>
-            <a:r>
-              <a:rPr lang="it-IT" dirty="0" smtClean="0">
-                <a:latin typeface="Arial" panose="020B0604020202020204" pitchFamily="34" charset="0"/>
-                <a:cs typeface="Arial" panose="020B0604020202020204" pitchFamily="34" charset="0"/>
-              </a:rPr>
-              <a:t> </a:t>
-            </a:r>
-            <a:r>
-              <a:rPr lang="it-IT" dirty="0" err="1" smtClean="0">
-                <a:latin typeface="Arial" panose="020B0604020202020204" pitchFamily="34" charset="0"/>
-                <a:cs typeface="Arial" panose="020B0604020202020204" pitchFamily="34" charset="0"/>
-              </a:rPr>
-              <a:t>particular</a:t>
-            </a:r>
-            <a:r>
-              <a:rPr lang="it-IT" dirty="0" smtClean="0">
-                <a:latin typeface="Arial" panose="020B0604020202020204" pitchFamily="34" charset="0"/>
-                <a:cs typeface="Arial" panose="020B0604020202020204" pitchFamily="34" charset="0"/>
-              </a:rPr>
-              <a:t> </a:t>
-            </a:r>
-            <a:r>
-              <a:rPr lang="it-IT" dirty="0" err="1" smtClean="0">
-                <a:latin typeface="Arial" panose="020B0604020202020204" pitchFamily="34" charset="0"/>
-                <a:cs typeface="Arial" panose="020B0604020202020204" pitchFamily="34" charset="0"/>
-              </a:rPr>
-              <a:t>attention</a:t>
-            </a:r>
-            <a:r>
-              <a:rPr lang="it-IT" dirty="0" smtClean="0">
-                <a:latin typeface="Arial" panose="020B0604020202020204" pitchFamily="34" charset="0"/>
-                <a:cs typeface="Arial" panose="020B0604020202020204" pitchFamily="34" charset="0"/>
-              </a:rPr>
-              <a:t> to the </a:t>
-            </a:r>
-            <a:r>
-              <a:rPr lang="it-IT" dirty="0" err="1" smtClean="0">
-                <a:latin typeface="Arial" panose="020B0604020202020204" pitchFamily="34" charset="0"/>
-                <a:cs typeface="Arial" panose="020B0604020202020204" pitchFamily="34" charset="0"/>
-              </a:rPr>
-              <a:t>settings</a:t>
-            </a:r>
-            <a:r>
-              <a:rPr lang="it-IT" dirty="0" smtClean="0">
-                <a:latin typeface="Arial" panose="020B0604020202020204" pitchFamily="34" charset="0"/>
-                <a:cs typeface="Arial" panose="020B0604020202020204" pitchFamily="34" charset="0"/>
-              </a:rPr>
-              <a:t> of </a:t>
-            </a:r>
-            <a:r>
-              <a:rPr lang="it-IT" dirty="0" err="1" smtClean="0">
-                <a:latin typeface="Arial" panose="020B0604020202020204" pitchFamily="34" charset="0"/>
-                <a:cs typeface="Arial" panose="020B0604020202020204" pitchFamily="34" charset="0"/>
-              </a:rPr>
-              <a:t>its</a:t>
-            </a:r>
-            <a:r>
-              <a:rPr lang="it-IT" dirty="0" smtClean="0">
-                <a:latin typeface="Arial" panose="020B0604020202020204" pitchFamily="34" charset="0"/>
-                <a:cs typeface="Arial" panose="020B0604020202020204" pitchFamily="34" charset="0"/>
-              </a:rPr>
-              <a:t> </a:t>
-            </a:r>
-            <a:r>
-              <a:rPr lang="it-IT" dirty="0" err="1" smtClean="0">
-                <a:latin typeface="Arial" panose="020B0604020202020204" pitchFamily="34" charset="0"/>
-                <a:cs typeface="Arial" panose="020B0604020202020204" pitchFamily="34" charset="0"/>
-              </a:rPr>
-              <a:t>hyperparameters</a:t>
-            </a:r>
-            <a:r>
-              <a:rPr lang="it-IT" dirty="0" smtClean="0">
-                <a:latin typeface="Arial" panose="020B0604020202020204" pitchFamily="34" charset="0"/>
-                <a:cs typeface="Arial" panose="020B0604020202020204" pitchFamily="34" charset="0"/>
-              </a:rPr>
-              <a:t>, due to the </a:t>
-            </a:r>
-            <a:r>
-              <a:rPr lang="it-IT" dirty="0" err="1" smtClean="0">
-                <a:latin typeface="Arial" panose="020B0604020202020204" pitchFamily="34" charset="0"/>
-                <a:cs typeface="Arial" panose="020B0604020202020204" pitchFamily="34" charset="0"/>
-              </a:rPr>
-              <a:t>unbalanceness</a:t>
-            </a:r>
-            <a:r>
-              <a:rPr lang="it-IT" dirty="0" smtClean="0">
-                <a:latin typeface="Arial" panose="020B0604020202020204" pitchFamily="34" charset="0"/>
-                <a:cs typeface="Arial" panose="020B0604020202020204" pitchFamily="34" charset="0"/>
-              </a:rPr>
-              <a:t> of the </a:t>
-            </a:r>
-            <a:r>
-              <a:rPr lang="it-IT" dirty="0" err="1" smtClean="0">
-                <a:latin typeface="Arial" panose="020B0604020202020204" pitchFamily="34" charset="0"/>
-                <a:cs typeface="Arial" panose="020B0604020202020204" pitchFamily="34" charset="0"/>
-              </a:rPr>
-              <a:t>dataset</a:t>
-            </a:r>
-            <a:r>
-              <a:rPr lang="it-IT" dirty="0" smtClean="0">
-                <a:latin typeface="Arial" panose="020B0604020202020204" pitchFamily="34" charset="0"/>
-                <a:cs typeface="Arial" panose="020B0604020202020204" pitchFamily="34" charset="0"/>
-              </a:rPr>
-              <a:t>.</a:t>
-            </a:r>
-          </a:p>
-          <a:p>
-            <a:endParaRPr lang="it-IT" dirty="0" smtClean="0">
-              <a:latin typeface="Arial" panose="020B0604020202020204" pitchFamily="34" charset="0"/>
-              <a:cs typeface="Arial" panose="020B0604020202020204" pitchFamily="34" charset="0"/>
-            </a:endParaRPr>
-          </a:p>
-          <a:p>
-            <a:r>
-              <a:rPr lang="it-IT" dirty="0" err="1" smtClean="0">
-                <a:latin typeface="Arial" panose="020B0604020202020204" pitchFamily="34" charset="0"/>
-                <a:cs typeface="Arial" panose="020B0604020202020204" pitchFamily="34" charset="0"/>
-              </a:rPr>
-              <a:t>Furthermore</a:t>
-            </a:r>
-            <a:r>
-              <a:rPr lang="it-IT" dirty="0" smtClean="0">
-                <a:latin typeface="Arial" panose="020B0604020202020204" pitchFamily="34" charset="0"/>
-                <a:cs typeface="Arial" panose="020B0604020202020204" pitchFamily="34" charset="0"/>
-              </a:rPr>
-              <a:t>, the </a:t>
-            </a:r>
-            <a:r>
-              <a:rPr lang="it-IT" dirty="0" err="1" smtClean="0">
-                <a:latin typeface="Arial" panose="020B0604020202020204" pitchFamily="34" charset="0"/>
-                <a:cs typeface="Arial" panose="020B0604020202020204" pitchFamily="34" charset="0"/>
-              </a:rPr>
-              <a:t>following</a:t>
-            </a:r>
-            <a:r>
-              <a:rPr lang="it-IT" dirty="0" smtClean="0">
-                <a:latin typeface="Arial" panose="020B0604020202020204" pitchFamily="34" charset="0"/>
-                <a:cs typeface="Arial" panose="020B0604020202020204" pitchFamily="34" charset="0"/>
-              </a:rPr>
-              <a:t> </a:t>
-            </a:r>
-            <a:r>
-              <a:rPr lang="it-IT" dirty="0" err="1" smtClean="0">
-                <a:latin typeface="Arial" panose="020B0604020202020204" pitchFamily="34" charset="0"/>
-                <a:cs typeface="Arial" panose="020B0604020202020204" pitchFamily="34" charset="0"/>
-              </a:rPr>
-              <a:t>columns</a:t>
-            </a:r>
-            <a:r>
-              <a:rPr lang="it-IT" dirty="0" smtClean="0">
-                <a:latin typeface="Arial" panose="020B0604020202020204" pitchFamily="34" charset="0"/>
-                <a:cs typeface="Arial" panose="020B0604020202020204" pitchFamily="34" charset="0"/>
-              </a:rPr>
-              <a:t> </a:t>
-            </a:r>
-            <a:r>
-              <a:rPr lang="it-IT" dirty="0" err="1" smtClean="0">
-                <a:latin typeface="Arial" panose="020B0604020202020204" pitchFamily="34" charset="0"/>
-                <a:cs typeface="Arial" panose="020B0604020202020204" pitchFamily="34" charset="0"/>
-              </a:rPr>
-              <a:t>will</a:t>
-            </a:r>
-            <a:r>
-              <a:rPr lang="it-IT" dirty="0" smtClean="0">
-                <a:latin typeface="Arial" panose="020B0604020202020204" pitchFamily="34" charset="0"/>
-                <a:cs typeface="Arial" panose="020B0604020202020204" pitchFamily="34" charset="0"/>
-              </a:rPr>
-              <a:t> be </a:t>
-            </a:r>
-            <a:r>
-              <a:rPr lang="it-IT" dirty="0" err="1" smtClean="0">
-                <a:latin typeface="Arial" panose="020B0604020202020204" pitchFamily="34" charset="0"/>
-                <a:cs typeface="Arial" panose="020B0604020202020204" pitchFamily="34" charset="0"/>
-              </a:rPr>
-              <a:t>considered</a:t>
-            </a:r>
-            <a:r>
-              <a:rPr lang="it-IT" dirty="0" smtClean="0">
-                <a:latin typeface="Arial" panose="020B0604020202020204" pitchFamily="34" charset="0"/>
-                <a:cs typeface="Arial" panose="020B0604020202020204" pitchFamily="34" charset="0"/>
-              </a:rPr>
-              <a:t> </a:t>
-            </a:r>
-            <a:r>
-              <a:rPr lang="it-IT" dirty="0" err="1" smtClean="0">
-                <a:latin typeface="Arial" panose="020B0604020202020204" pitchFamily="34" charset="0"/>
-                <a:cs typeface="Arial" panose="020B0604020202020204" pitchFamily="34" charset="0"/>
-              </a:rPr>
-              <a:t>as</a:t>
-            </a:r>
-            <a:r>
-              <a:rPr lang="it-IT" dirty="0" smtClean="0">
-                <a:latin typeface="Arial" panose="020B0604020202020204" pitchFamily="34" charset="0"/>
-                <a:cs typeface="Arial" panose="020B0604020202020204" pitchFamily="34" charset="0"/>
-              </a:rPr>
-              <a:t> </a:t>
-            </a:r>
-            <a:r>
-              <a:rPr lang="it-IT" dirty="0" err="1" smtClean="0">
-                <a:latin typeface="Arial" panose="020B0604020202020204" pitchFamily="34" charset="0"/>
-                <a:cs typeface="Arial" panose="020B0604020202020204" pitchFamily="34" charset="0"/>
-              </a:rPr>
-              <a:t>features</a:t>
-            </a:r>
-            <a:r>
-              <a:rPr lang="it-IT" dirty="0" smtClean="0">
-                <a:latin typeface="Arial" panose="020B0604020202020204" pitchFamily="34" charset="0"/>
-                <a:cs typeface="Arial" panose="020B0604020202020204" pitchFamily="34" charset="0"/>
-              </a:rPr>
-              <a:t> of the model:</a:t>
-            </a:r>
-            <a:endParaRPr lang="it-IT" dirty="0">
-              <a:latin typeface="Arial" panose="020B0604020202020204" pitchFamily="34" charset="0"/>
-              <a:cs typeface="Arial" panose="020B0604020202020204" pitchFamily="34" charset="0"/>
-            </a:endParaRPr>
-          </a:p>
-        </p:txBody>
-      </p:sp>
-      <p:sp>
-        <p:nvSpPr>
-          <p:cNvPr id="4" name="CasellaDiTesto 3"/>
-          <p:cNvSpPr txBox="1"/>
-          <p:nvPr/>
-        </p:nvSpPr>
-        <p:spPr>
-          <a:xfrm>
-            <a:off x="295275" y="3333791"/>
-            <a:ext cx="11726287" cy="261610"/>
-          </a:xfrm>
-          <a:prstGeom prst="rect">
-            <a:avLst/>
-          </a:prstGeom>
-          <a:noFill/>
-        </p:spPr>
-        <p:txBody>
-          <a:bodyPr wrap="none" rtlCol="0">
-            <a:spAutoFit/>
-          </a:bodyPr>
-          <a:lstStyle/>
-          <a:p>
-            <a:r>
-              <a:rPr lang="it-IT" sz="1100" dirty="0" err="1">
-                <a:solidFill>
-                  <a:srgbClr val="DADADA"/>
-                </a:solidFill>
-                <a:latin typeface="Consolas" panose="020B0609020204030204" pitchFamily="49" charset="0"/>
-              </a:rPr>
-              <a:t>features</a:t>
-            </a:r>
-            <a:r>
-              <a:rPr lang="it-IT" sz="1100" dirty="0">
-                <a:solidFill>
-                  <a:srgbClr val="DADADA"/>
-                </a:solidFill>
-                <a:latin typeface="Consolas" panose="020B0609020204030204" pitchFamily="49" charset="0"/>
-              </a:rPr>
-              <a:t> </a:t>
-            </a:r>
-            <a:r>
-              <a:rPr lang="it-IT" sz="1100" dirty="0">
-                <a:solidFill>
-                  <a:srgbClr val="B4B4B4"/>
-                </a:solidFill>
-                <a:latin typeface="Consolas" panose="020B0609020204030204" pitchFamily="49" charset="0"/>
-              </a:rPr>
-              <a:t>=</a:t>
-            </a:r>
-            <a:r>
-              <a:rPr lang="it-IT" sz="1100" dirty="0">
-                <a:solidFill>
-                  <a:srgbClr val="DADADA"/>
-                </a:solidFill>
-                <a:latin typeface="Consolas" panose="020B0609020204030204" pitchFamily="49" charset="0"/>
-              </a:rPr>
-              <a:t> </a:t>
-            </a:r>
-            <a:r>
-              <a:rPr lang="it-IT" sz="1100" dirty="0">
-                <a:solidFill>
-                  <a:srgbClr val="B4B4B4"/>
-                </a:solidFill>
-                <a:latin typeface="Consolas" panose="020B0609020204030204" pitchFamily="49" charset="0"/>
-              </a:rPr>
-              <a:t>[</a:t>
-            </a:r>
-            <a:r>
-              <a:rPr lang="it-IT" sz="1100" dirty="0">
-                <a:solidFill>
-                  <a:srgbClr val="E8C9BB"/>
-                </a:solidFill>
-                <a:latin typeface="Consolas" panose="020B0609020204030204" pitchFamily="49" charset="0"/>
-              </a:rPr>
-              <a:t>'</a:t>
-            </a:r>
-            <a:r>
-              <a:rPr lang="it-IT" sz="1100" dirty="0" err="1">
-                <a:solidFill>
-                  <a:srgbClr val="CE9178"/>
-                </a:solidFill>
-                <a:latin typeface="Consolas" panose="020B0609020204030204" pitchFamily="49" charset="0"/>
-              </a:rPr>
-              <a:t>amt</a:t>
-            </a:r>
-            <a:r>
-              <a:rPr lang="it-IT" sz="1100" dirty="0">
-                <a:solidFill>
-                  <a:srgbClr val="E8C9BB"/>
-                </a:solidFill>
-                <a:latin typeface="Consolas" panose="020B0609020204030204" pitchFamily="49" charset="0"/>
-              </a:rPr>
-              <a:t>'</a:t>
-            </a:r>
-            <a:r>
-              <a:rPr lang="it-IT" sz="1100" dirty="0">
-                <a:solidFill>
-                  <a:srgbClr val="B4B4B4"/>
-                </a:solidFill>
-                <a:latin typeface="Consolas" panose="020B0609020204030204" pitchFamily="49" charset="0"/>
-              </a:rPr>
-              <a:t>,</a:t>
-            </a:r>
-            <a:r>
-              <a:rPr lang="it-IT" sz="1100" dirty="0">
-                <a:solidFill>
-                  <a:srgbClr val="DADADA"/>
-                </a:solidFill>
-                <a:latin typeface="Consolas" panose="020B0609020204030204" pitchFamily="49" charset="0"/>
-              </a:rPr>
-              <a:t> </a:t>
-            </a:r>
-            <a:r>
-              <a:rPr lang="it-IT" sz="1100" dirty="0">
-                <a:solidFill>
-                  <a:srgbClr val="E8C9BB"/>
-                </a:solidFill>
-                <a:latin typeface="Consolas" panose="020B0609020204030204" pitchFamily="49" charset="0"/>
-              </a:rPr>
-              <a:t>'</a:t>
-            </a:r>
-            <a:r>
-              <a:rPr lang="it-IT" sz="1100" dirty="0" err="1">
-                <a:solidFill>
-                  <a:srgbClr val="CE9178"/>
-                </a:solidFill>
-                <a:latin typeface="Consolas" panose="020B0609020204030204" pitchFamily="49" charset="0"/>
-              </a:rPr>
-              <a:t>lat</a:t>
-            </a:r>
-            <a:r>
-              <a:rPr lang="it-IT" sz="1100" dirty="0">
-                <a:solidFill>
-                  <a:srgbClr val="E8C9BB"/>
-                </a:solidFill>
-                <a:latin typeface="Consolas" panose="020B0609020204030204" pitchFamily="49" charset="0"/>
-              </a:rPr>
-              <a:t>'</a:t>
-            </a:r>
-            <a:r>
-              <a:rPr lang="it-IT" sz="1100" dirty="0">
-                <a:solidFill>
-                  <a:srgbClr val="B4B4B4"/>
-                </a:solidFill>
-                <a:latin typeface="Consolas" panose="020B0609020204030204" pitchFamily="49" charset="0"/>
-              </a:rPr>
-              <a:t>,</a:t>
-            </a:r>
-            <a:r>
-              <a:rPr lang="it-IT" sz="1100" dirty="0">
-                <a:solidFill>
-                  <a:srgbClr val="DADADA"/>
-                </a:solidFill>
-                <a:latin typeface="Consolas" panose="020B0609020204030204" pitchFamily="49" charset="0"/>
-              </a:rPr>
-              <a:t> </a:t>
-            </a:r>
-            <a:r>
-              <a:rPr lang="it-IT" sz="1100" dirty="0">
-                <a:solidFill>
-                  <a:srgbClr val="E8C9BB"/>
-                </a:solidFill>
-                <a:latin typeface="Consolas" panose="020B0609020204030204" pitchFamily="49" charset="0"/>
-              </a:rPr>
-              <a:t>'</a:t>
-            </a:r>
-            <a:r>
-              <a:rPr lang="it-IT" sz="1100" dirty="0">
-                <a:solidFill>
-                  <a:srgbClr val="CE9178"/>
-                </a:solidFill>
-                <a:latin typeface="Consolas" panose="020B0609020204030204" pitchFamily="49" charset="0"/>
-              </a:rPr>
-              <a:t>long</a:t>
-            </a:r>
-            <a:r>
-              <a:rPr lang="it-IT" sz="1100" dirty="0">
-                <a:solidFill>
-                  <a:srgbClr val="E8C9BB"/>
-                </a:solidFill>
-                <a:latin typeface="Consolas" panose="020B0609020204030204" pitchFamily="49" charset="0"/>
-              </a:rPr>
-              <a:t>'</a:t>
-            </a:r>
-            <a:r>
-              <a:rPr lang="it-IT" sz="1100" dirty="0">
-                <a:solidFill>
-                  <a:srgbClr val="B4B4B4"/>
-                </a:solidFill>
-                <a:latin typeface="Consolas" panose="020B0609020204030204" pitchFamily="49" charset="0"/>
-              </a:rPr>
-              <a:t>,</a:t>
-            </a:r>
-            <a:r>
-              <a:rPr lang="it-IT" sz="1100" dirty="0">
-                <a:solidFill>
-                  <a:srgbClr val="DADADA"/>
-                </a:solidFill>
-                <a:latin typeface="Consolas" panose="020B0609020204030204" pitchFamily="49" charset="0"/>
-              </a:rPr>
-              <a:t> </a:t>
-            </a:r>
-            <a:r>
-              <a:rPr lang="it-IT" sz="1100" dirty="0">
-                <a:solidFill>
-                  <a:srgbClr val="E8C9BB"/>
-                </a:solidFill>
-                <a:latin typeface="Consolas" panose="020B0609020204030204" pitchFamily="49" charset="0"/>
-              </a:rPr>
-              <a:t>'</a:t>
-            </a:r>
-            <a:r>
-              <a:rPr lang="it-IT" sz="1100" dirty="0" err="1">
-                <a:solidFill>
-                  <a:srgbClr val="CE9178"/>
-                </a:solidFill>
-                <a:latin typeface="Consolas" panose="020B0609020204030204" pitchFamily="49" charset="0"/>
-              </a:rPr>
-              <a:t>merch_lat</a:t>
-            </a:r>
-            <a:r>
-              <a:rPr lang="it-IT" sz="1100" dirty="0">
-                <a:solidFill>
-                  <a:srgbClr val="E8C9BB"/>
-                </a:solidFill>
-                <a:latin typeface="Consolas" panose="020B0609020204030204" pitchFamily="49" charset="0"/>
-              </a:rPr>
-              <a:t>'</a:t>
-            </a:r>
-            <a:r>
-              <a:rPr lang="it-IT" sz="1100" dirty="0">
-                <a:solidFill>
-                  <a:srgbClr val="B4B4B4"/>
-                </a:solidFill>
-                <a:latin typeface="Consolas" panose="020B0609020204030204" pitchFamily="49" charset="0"/>
-              </a:rPr>
-              <a:t>,</a:t>
-            </a:r>
-            <a:r>
-              <a:rPr lang="it-IT" sz="1100" dirty="0">
-                <a:solidFill>
-                  <a:srgbClr val="DADADA"/>
-                </a:solidFill>
-                <a:latin typeface="Consolas" panose="020B0609020204030204" pitchFamily="49" charset="0"/>
-              </a:rPr>
-              <a:t> </a:t>
-            </a:r>
-            <a:r>
-              <a:rPr lang="it-IT" sz="1100" dirty="0">
-                <a:solidFill>
-                  <a:srgbClr val="E8C9BB"/>
-                </a:solidFill>
-                <a:latin typeface="Consolas" panose="020B0609020204030204" pitchFamily="49" charset="0"/>
-              </a:rPr>
-              <a:t>'</a:t>
-            </a:r>
-            <a:r>
-              <a:rPr lang="it-IT" sz="1100" dirty="0" err="1">
-                <a:solidFill>
-                  <a:srgbClr val="CE9178"/>
-                </a:solidFill>
-                <a:latin typeface="Consolas" panose="020B0609020204030204" pitchFamily="49" charset="0"/>
-              </a:rPr>
-              <a:t>merch_long</a:t>
-            </a:r>
-            <a:r>
-              <a:rPr lang="it-IT" sz="1100" dirty="0">
-                <a:solidFill>
-                  <a:srgbClr val="E8C9BB"/>
-                </a:solidFill>
-                <a:latin typeface="Consolas" panose="020B0609020204030204" pitchFamily="49" charset="0"/>
-              </a:rPr>
-              <a:t>'</a:t>
-            </a:r>
-            <a:r>
-              <a:rPr lang="it-IT" sz="1100" dirty="0">
-                <a:solidFill>
-                  <a:srgbClr val="B4B4B4"/>
-                </a:solidFill>
-                <a:latin typeface="Consolas" panose="020B0609020204030204" pitchFamily="49" charset="0"/>
-              </a:rPr>
-              <a:t>,</a:t>
-            </a:r>
-            <a:r>
-              <a:rPr lang="it-IT" sz="1100" dirty="0">
-                <a:solidFill>
-                  <a:srgbClr val="DADADA"/>
-                </a:solidFill>
-                <a:latin typeface="Consolas" panose="020B0609020204030204" pitchFamily="49" charset="0"/>
-              </a:rPr>
-              <a:t> </a:t>
-            </a:r>
-            <a:r>
-              <a:rPr lang="it-IT" sz="1100" dirty="0">
-                <a:solidFill>
-                  <a:srgbClr val="E8C9BB"/>
-                </a:solidFill>
-                <a:latin typeface="Consolas" panose="020B0609020204030204" pitchFamily="49" charset="0"/>
-              </a:rPr>
-              <a:t>'</a:t>
-            </a:r>
-            <a:r>
-              <a:rPr lang="it-IT" sz="1100" dirty="0" err="1">
-                <a:solidFill>
-                  <a:srgbClr val="CE9178"/>
-                </a:solidFill>
-                <a:latin typeface="Consolas" panose="020B0609020204030204" pitchFamily="49" charset="0"/>
-              </a:rPr>
-              <a:t>category_encoded</a:t>
-            </a:r>
-            <a:r>
-              <a:rPr lang="it-IT" sz="1100" dirty="0">
-                <a:solidFill>
-                  <a:srgbClr val="E8C9BB"/>
-                </a:solidFill>
-                <a:latin typeface="Consolas" panose="020B0609020204030204" pitchFamily="49" charset="0"/>
-              </a:rPr>
-              <a:t>'</a:t>
-            </a:r>
-            <a:r>
-              <a:rPr lang="it-IT" sz="1100" dirty="0">
-                <a:solidFill>
-                  <a:srgbClr val="B4B4B4"/>
-                </a:solidFill>
-                <a:latin typeface="Consolas" panose="020B0609020204030204" pitchFamily="49" charset="0"/>
-              </a:rPr>
-              <a:t>,</a:t>
-            </a:r>
-            <a:r>
-              <a:rPr lang="it-IT" sz="1100" dirty="0">
-                <a:solidFill>
-                  <a:srgbClr val="DADADA"/>
-                </a:solidFill>
-                <a:latin typeface="Consolas" panose="020B0609020204030204" pitchFamily="49" charset="0"/>
-              </a:rPr>
-              <a:t> </a:t>
-            </a:r>
-            <a:r>
-              <a:rPr lang="it-IT" sz="1100" dirty="0">
-                <a:solidFill>
-                  <a:srgbClr val="E8C9BB"/>
-                </a:solidFill>
-                <a:latin typeface="Consolas" panose="020B0609020204030204" pitchFamily="49" charset="0"/>
-              </a:rPr>
-              <a:t>'</a:t>
-            </a:r>
-            <a:r>
-              <a:rPr lang="it-IT" sz="1100" dirty="0" err="1">
-                <a:solidFill>
-                  <a:srgbClr val="CE9178"/>
-                </a:solidFill>
-                <a:latin typeface="Consolas" panose="020B0609020204030204" pitchFamily="49" charset="0"/>
-              </a:rPr>
-              <a:t>city_encoded</a:t>
-            </a:r>
-            <a:r>
-              <a:rPr lang="it-IT" sz="1100" dirty="0">
-                <a:solidFill>
-                  <a:srgbClr val="E8C9BB"/>
-                </a:solidFill>
-                <a:latin typeface="Consolas" panose="020B0609020204030204" pitchFamily="49" charset="0"/>
-              </a:rPr>
-              <a:t>'</a:t>
-            </a:r>
-            <a:r>
-              <a:rPr lang="it-IT" sz="1100" dirty="0">
-                <a:solidFill>
-                  <a:srgbClr val="B4B4B4"/>
-                </a:solidFill>
-                <a:latin typeface="Consolas" panose="020B0609020204030204" pitchFamily="49" charset="0"/>
-              </a:rPr>
-              <a:t>,</a:t>
-            </a:r>
-            <a:r>
-              <a:rPr lang="it-IT" sz="1100" dirty="0">
-                <a:solidFill>
-                  <a:srgbClr val="DADADA"/>
-                </a:solidFill>
-                <a:latin typeface="Consolas" panose="020B0609020204030204" pitchFamily="49" charset="0"/>
-              </a:rPr>
-              <a:t> </a:t>
-            </a:r>
-            <a:r>
-              <a:rPr lang="it-IT" sz="1100" dirty="0">
-                <a:solidFill>
-                  <a:srgbClr val="E8C9BB"/>
-                </a:solidFill>
-                <a:latin typeface="Consolas" panose="020B0609020204030204" pitchFamily="49" charset="0"/>
-              </a:rPr>
-              <a:t>'</a:t>
-            </a:r>
-            <a:r>
-              <a:rPr lang="it-IT" sz="1100" dirty="0" err="1">
-                <a:solidFill>
-                  <a:srgbClr val="CE9178"/>
-                </a:solidFill>
-                <a:latin typeface="Consolas" panose="020B0609020204030204" pitchFamily="49" charset="0"/>
-              </a:rPr>
-              <a:t>state_encoded</a:t>
-            </a:r>
-            <a:r>
-              <a:rPr lang="it-IT" sz="1100" dirty="0">
-                <a:solidFill>
-                  <a:srgbClr val="E8C9BB"/>
-                </a:solidFill>
-                <a:latin typeface="Consolas" panose="020B0609020204030204" pitchFamily="49" charset="0"/>
-              </a:rPr>
-              <a:t>'</a:t>
-            </a:r>
-            <a:r>
-              <a:rPr lang="it-IT" sz="1100" dirty="0">
-                <a:solidFill>
-                  <a:srgbClr val="B4B4B4"/>
-                </a:solidFill>
-                <a:latin typeface="Consolas" panose="020B0609020204030204" pitchFamily="49" charset="0"/>
-              </a:rPr>
-              <a:t>,</a:t>
-            </a:r>
-            <a:r>
-              <a:rPr lang="it-IT" sz="1100" dirty="0">
-                <a:solidFill>
-                  <a:srgbClr val="DADADA"/>
-                </a:solidFill>
-                <a:latin typeface="Consolas" panose="020B0609020204030204" pitchFamily="49" charset="0"/>
-              </a:rPr>
-              <a:t> </a:t>
-            </a:r>
-            <a:r>
-              <a:rPr lang="it-IT" sz="1100" dirty="0">
-                <a:solidFill>
-                  <a:srgbClr val="E8C9BB"/>
-                </a:solidFill>
-                <a:latin typeface="Consolas" panose="020B0609020204030204" pitchFamily="49" charset="0"/>
-              </a:rPr>
-              <a:t>'</a:t>
-            </a:r>
-            <a:r>
-              <a:rPr lang="it-IT" sz="1100" dirty="0" err="1">
-                <a:solidFill>
-                  <a:srgbClr val="CE9178"/>
-                </a:solidFill>
-                <a:latin typeface="Consolas" panose="020B0609020204030204" pitchFamily="49" charset="0"/>
-              </a:rPr>
-              <a:t>age</a:t>
-            </a:r>
-            <a:r>
-              <a:rPr lang="it-IT" sz="1100" dirty="0">
-                <a:solidFill>
-                  <a:srgbClr val="E8C9BB"/>
-                </a:solidFill>
-                <a:latin typeface="Consolas" panose="020B0609020204030204" pitchFamily="49" charset="0"/>
-              </a:rPr>
-              <a:t>'</a:t>
-            </a:r>
-            <a:r>
-              <a:rPr lang="it-IT" sz="1100" dirty="0">
-                <a:solidFill>
-                  <a:srgbClr val="B4B4B4"/>
-                </a:solidFill>
-                <a:latin typeface="Consolas" panose="020B0609020204030204" pitchFamily="49" charset="0"/>
-              </a:rPr>
-              <a:t>,</a:t>
-            </a:r>
-            <a:r>
-              <a:rPr lang="it-IT" sz="1100" dirty="0">
-                <a:solidFill>
-                  <a:srgbClr val="DADADA"/>
-                </a:solidFill>
-                <a:latin typeface="Consolas" panose="020B0609020204030204" pitchFamily="49" charset="0"/>
-              </a:rPr>
-              <a:t> </a:t>
-            </a:r>
-            <a:r>
-              <a:rPr lang="it-IT" sz="1100" dirty="0">
-                <a:solidFill>
-                  <a:srgbClr val="E8C9BB"/>
-                </a:solidFill>
-                <a:latin typeface="Consolas" panose="020B0609020204030204" pitchFamily="49" charset="0"/>
-              </a:rPr>
-              <a:t>'</a:t>
-            </a:r>
-            <a:r>
-              <a:rPr lang="it-IT" sz="1100" dirty="0" err="1">
-                <a:solidFill>
-                  <a:srgbClr val="CE9178"/>
-                </a:solidFill>
-                <a:latin typeface="Consolas" panose="020B0609020204030204" pitchFamily="49" charset="0"/>
-              </a:rPr>
-              <a:t>trans_date_trans_time_unix</a:t>
-            </a:r>
-            <a:r>
-              <a:rPr lang="it-IT" sz="1100" dirty="0">
-                <a:solidFill>
-                  <a:srgbClr val="E8C9BB"/>
-                </a:solidFill>
-                <a:latin typeface="Consolas" panose="020B0609020204030204" pitchFamily="49" charset="0"/>
-              </a:rPr>
-              <a:t>'</a:t>
-            </a:r>
-            <a:r>
-              <a:rPr lang="it-IT" sz="1100" dirty="0">
-                <a:solidFill>
-                  <a:srgbClr val="B4B4B4"/>
-                </a:solidFill>
-                <a:latin typeface="Consolas" panose="020B0609020204030204" pitchFamily="49" charset="0"/>
-              </a:rPr>
-              <a:t>]</a:t>
-            </a:r>
-            <a:endParaRPr lang="it-IT" sz="1100" b="0" dirty="0">
-              <a:solidFill>
-                <a:srgbClr val="DADADA"/>
-              </a:solidFill>
-              <a:effectLst/>
-              <a:latin typeface="Consolas" panose="020B0609020204030204" pitchFamily="49" charset="0"/>
-            </a:endParaRPr>
-          </a:p>
-        </p:txBody>
-      </p:sp>
-      <p:sp>
-        <p:nvSpPr>
-          <p:cNvPr id="6" name="CasellaDiTesto 5"/>
-          <p:cNvSpPr txBox="1"/>
-          <p:nvPr/>
-        </p:nvSpPr>
-        <p:spPr>
-          <a:xfrm>
-            <a:off x="295275" y="4027132"/>
-            <a:ext cx="11518773" cy="923330"/>
-          </a:xfrm>
-          <a:prstGeom prst="rect">
-            <a:avLst/>
-          </a:prstGeom>
-          <a:noFill/>
-        </p:spPr>
-        <p:txBody>
-          <a:bodyPr wrap="square" rtlCol="0">
-            <a:spAutoFit/>
-          </a:bodyPr>
-          <a:lstStyle/>
-          <a:p>
-            <a:r>
-              <a:rPr lang="it-IT" dirty="0" err="1" smtClean="0">
-                <a:latin typeface="Arial" panose="020B0604020202020204" pitchFamily="34" charset="0"/>
-                <a:cs typeface="Arial" panose="020B0604020202020204" pitchFamily="34" charset="0"/>
-              </a:rPr>
-              <a:t>Since</a:t>
-            </a:r>
-            <a:r>
-              <a:rPr lang="it-IT" dirty="0" smtClean="0">
-                <a:latin typeface="Arial" panose="020B0604020202020204" pitchFamily="34" charset="0"/>
-                <a:cs typeface="Arial" panose="020B0604020202020204" pitchFamily="34" charset="0"/>
-              </a:rPr>
-              <a:t> </a:t>
-            </a:r>
-            <a:r>
-              <a:rPr lang="it-IT" dirty="0" err="1" smtClean="0">
-                <a:latin typeface="Arial" panose="020B0604020202020204" pitchFamily="34" charset="0"/>
-                <a:cs typeface="Arial" panose="020B0604020202020204" pitchFamily="34" charset="0"/>
-              </a:rPr>
-              <a:t>amount</a:t>
-            </a:r>
-            <a:r>
-              <a:rPr lang="it-IT" dirty="0" smtClean="0">
-                <a:latin typeface="Arial" panose="020B0604020202020204" pitchFamily="34" charset="0"/>
-                <a:cs typeface="Arial" panose="020B0604020202020204" pitchFamily="34" charset="0"/>
-              </a:rPr>
-              <a:t>, </a:t>
-            </a:r>
-            <a:r>
-              <a:rPr lang="it-IT" dirty="0" err="1" smtClean="0">
-                <a:latin typeface="Arial" panose="020B0604020202020204" pitchFamily="34" charset="0"/>
-                <a:cs typeface="Arial" panose="020B0604020202020204" pitchFamily="34" charset="0"/>
-              </a:rPr>
-              <a:t>merchant</a:t>
-            </a:r>
-            <a:r>
-              <a:rPr lang="it-IT" dirty="0" smtClean="0">
-                <a:latin typeface="Arial" panose="020B0604020202020204" pitchFamily="34" charset="0"/>
-                <a:cs typeface="Arial" panose="020B0604020202020204" pitchFamily="34" charset="0"/>
-              </a:rPr>
-              <a:t> and </a:t>
-            </a:r>
-            <a:r>
-              <a:rPr lang="it-IT" dirty="0" err="1" smtClean="0">
-                <a:latin typeface="Arial" panose="020B0604020202020204" pitchFamily="34" charset="0"/>
-                <a:cs typeface="Arial" panose="020B0604020202020204" pitchFamily="34" charset="0"/>
-              </a:rPr>
-              <a:t>geographical</a:t>
-            </a:r>
-            <a:r>
-              <a:rPr lang="it-IT" dirty="0" smtClean="0">
-                <a:latin typeface="Arial" panose="020B0604020202020204" pitchFamily="34" charset="0"/>
-                <a:cs typeface="Arial" panose="020B0604020202020204" pitchFamily="34" charset="0"/>
-              </a:rPr>
-              <a:t> information are </a:t>
-            </a:r>
-            <a:r>
-              <a:rPr lang="it-IT" dirty="0" err="1" smtClean="0">
-                <a:latin typeface="Arial" panose="020B0604020202020204" pitchFamily="34" charset="0"/>
-                <a:cs typeface="Arial" panose="020B0604020202020204" pitchFamily="34" charset="0"/>
-              </a:rPr>
-              <a:t>likely</a:t>
-            </a:r>
-            <a:r>
-              <a:rPr lang="it-IT" dirty="0" smtClean="0">
-                <a:latin typeface="Arial" panose="020B0604020202020204" pitchFamily="34" charset="0"/>
-                <a:cs typeface="Arial" panose="020B0604020202020204" pitchFamily="34" charset="0"/>
-              </a:rPr>
-              <a:t> to be </a:t>
-            </a:r>
-            <a:r>
-              <a:rPr lang="it-IT" dirty="0" err="1" smtClean="0">
-                <a:latin typeface="Arial" panose="020B0604020202020204" pitchFamily="34" charset="0"/>
-                <a:cs typeface="Arial" panose="020B0604020202020204" pitchFamily="34" charset="0"/>
-              </a:rPr>
-              <a:t>useful</a:t>
-            </a:r>
-            <a:r>
-              <a:rPr lang="it-IT" dirty="0" smtClean="0">
-                <a:latin typeface="Arial" panose="020B0604020202020204" pitchFamily="34" charset="0"/>
-                <a:cs typeface="Arial" panose="020B0604020202020204" pitchFamily="34" charset="0"/>
-              </a:rPr>
-              <a:t> to </a:t>
-            </a:r>
-            <a:r>
-              <a:rPr lang="it-IT" dirty="0" err="1" smtClean="0">
-                <a:latin typeface="Arial" panose="020B0604020202020204" pitchFamily="34" charset="0"/>
-                <a:cs typeface="Arial" panose="020B0604020202020204" pitchFamily="34" charset="0"/>
-              </a:rPr>
-              <a:t>recognize</a:t>
-            </a:r>
-            <a:r>
-              <a:rPr lang="it-IT" dirty="0" smtClean="0">
-                <a:latin typeface="Arial" panose="020B0604020202020204" pitchFamily="34" charset="0"/>
-                <a:cs typeface="Arial" panose="020B0604020202020204" pitchFamily="34" charset="0"/>
-              </a:rPr>
-              <a:t> a </a:t>
-            </a:r>
-            <a:r>
-              <a:rPr lang="it-IT" dirty="0" err="1" smtClean="0">
-                <a:latin typeface="Arial" panose="020B0604020202020204" pitchFamily="34" charset="0"/>
-                <a:cs typeface="Arial" panose="020B0604020202020204" pitchFamily="34" charset="0"/>
-              </a:rPr>
-              <a:t>fraudulent</a:t>
-            </a:r>
-            <a:r>
-              <a:rPr lang="it-IT" dirty="0" smtClean="0">
-                <a:latin typeface="Arial" panose="020B0604020202020204" pitchFamily="34" charset="0"/>
-                <a:cs typeface="Arial" panose="020B0604020202020204" pitchFamily="34" charset="0"/>
-              </a:rPr>
-              <a:t> </a:t>
-            </a:r>
-            <a:r>
-              <a:rPr lang="it-IT" dirty="0" err="1" smtClean="0">
-                <a:latin typeface="Arial" panose="020B0604020202020204" pitchFamily="34" charset="0"/>
-                <a:cs typeface="Arial" panose="020B0604020202020204" pitchFamily="34" charset="0"/>
-              </a:rPr>
-              <a:t>transaction</a:t>
-            </a:r>
-            <a:r>
-              <a:rPr lang="it-IT" dirty="0" smtClean="0">
-                <a:latin typeface="Arial" panose="020B0604020202020204" pitchFamily="34" charset="0"/>
-                <a:cs typeface="Arial" panose="020B0604020202020204" pitchFamily="34" charset="0"/>
-              </a:rPr>
-              <a:t>. In </a:t>
-            </a:r>
-            <a:r>
-              <a:rPr lang="it-IT" dirty="0" err="1" smtClean="0">
-                <a:latin typeface="Arial" panose="020B0604020202020204" pitchFamily="34" charset="0"/>
-                <a:cs typeface="Arial" panose="020B0604020202020204" pitchFamily="34" charset="0"/>
-              </a:rPr>
-              <a:t>addition</a:t>
-            </a:r>
-            <a:r>
-              <a:rPr lang="it-IT" dirty="0" smtClean="0">
-                <a:latin typeface="Arial" panose="020B0604020202020204" pitchFamily="34" charset="0"/>
-                <a:cs typeface="Arial" panose="020B0604020202020204" pitchFamily="34" charset="0"/>
-              </a:rPr>
-              <a:t>, </a:t>
-            </a:r>
-            <a:r>
-              <a:rPr lang="it-IT" dirty="0" err="1" smtClean="0">
-                <a:latin typeface="Arial" panose="020B0604020202020204" pitchFamily="34" charset="0"/>
-                <a:cs typeface="Arial" panose="020B0604020202020204" pitchFamily="34" charset="0"/>
-              </a:rPr>
-              <a:t>also</a:t>
-            </a:r>
-            <a:r>
-              <a:rPr lang="it-IT" dirty="0" smtClean="0">
-                <a:latin typeface="Arial" panose="020B0604020202020204" pitchFamily="34" charset="0"/>
-                <a:cs typeface="Arial" panose="020B0604020202020204" pitchFamily="34" charset="0"/>
-              </a:rPr>
-              <a:t> </a:t>
-            </a:r>
-            <a:r>
-              <a:rPr lang="it-IT" dirty="0" err="1" smtClean="0">
-                <a:latin typeface="Arial" panose="020B0604020202020204" pitchFamily="34" charset="0"/>
-                <a:cs typeface="Arial" panose="020B0604020202020204" pitchFamily="34" charset="0"/>
-              </a:rPr>
-              <a:t>because</a:t>
-            </a:r>
-            <a:r>
-              <a:rPr lang="it-IT" dirty="0" smtClean="0">
-                <a:latin typeface="Arial" panose="020B0604020202020204" pitchFamily="34" charset="0"/>
-                <a:cs typeface="Arial" panose="020B0604020202020204" pitchFamily="34" charset="0"/>
-              </a:rPr>
-              <a:t> from </a:t>
-            </a:r>
-            <a:r>
-              <a:rPr lang="it-IT" dirty="0" smtClean="0">
-                <a:latin typeface="Arial" panose="020B0604020202020204" pitchFamily="34" charset="0"/>
-                <a:cs typeface="Arial" panose="020B0604020202020204" pitchFamily="34" charset="0"/>
-              </a:rPr>
-              <a:t>the </a:t>
-            </a:r>
-            <a:r>
-              <a:rPr lang="it-IT" dirty="0" err="1" smtClean="0">
-                <a:latin typeface="Arial" panose="020B0604020202020204" pitchFamily="34" charset="0"/>
-                <a:cs typeface="Arial" panose="020B0604020202020204" pitchFamily="34" charset="0"/>
-              </a:rPr>
-              <a:t>correlation</a:t>
-            </a:r>
-            <a:r>
-              <a:rPr lang="it-IT" dirty="0" smtClean="0">
-                <a:latin typeface="Arial" panose="020B0604020202020204" pitchFamily="34" charset="0"/>
-                <a:cs typeface="Arial" panose="020B0604020202020204" pitchFamily="34" charset="0"/>
-              </a:rPr>
-              <a:t> </a:t>
-            </a:r>
-            <a:r>
-              <a:rPr lang="it-IT" dirty="0" err="1" smtClean="0">
-                <a:latin typeface="Arial" panose="020B0604020202020204" pitchFamily="34" charset="0"/>
-                <a:cs typeface="Arial" panose="020B0604020202020204" pitchFamily="34" charset="0"/>
-              </a:rPr>
-              <a:t>matrix</a:t>
-            </a:r>
-            <a:r>
-              <a:rPr lang="it-IT" dirty="0" smtClean="0">
-                <a:latin typeface="Arial" panose="020B0604020202020204" pitchFamily="34" charset="0"/>
-                <a:cs typeface="Arial" panose="020B0604020202020204" pitchFamily="34" charset="0"/>
-              </a:rPr>
-              <a:t> </a:t>
-            </a:r>
-            <a:r>
-              <a:rPr lang="it-IT" dirty="0" err="1" smtClean="0">
-                <a:latin typeface="Arial" panose="020B0604020202020204" pitchFamily="34" charset="0"/>
-                <a:cs typeface="Arial" panose="020B0604020202020204" pitchFamily="34" charset="0"/>
-              </a:rPr>
-              <a:t>we</a:t>
-            </a:r>
-            <a:r>
-              <a:rPr lang="it-IT" dirty="0" smtClean="0">
-                <a:latin typeface="Arial" panose="020B0604020202020204" pitchFamily="34" charset="0"/>
-                <a:cs typeface="Arial" panose="020B0604020202020204" pitchFamily="34" charset="0"/>
-              </a:rPr>
-              <a:t> can </a:t>
-            </a:r>
-            <a:r>
-              <a:rPr lang="it-IT" dirty="0" err="1" smtClean="0">
-                <a:latin typeface="Arial" panose="020B0604020202020204" pitchFamily="34" charset="0"/>
-                <a:cs typeface="Arial" panose="020B0604020202020204" pitchFamily="34" charset="0"/>
-              </a:rPr>
-              <a:t>see</a:t>
-            </a:r>
-            <a:r>
-              <a:rPr lang="it-IT" dirty="0" smtClean="0">
-                <a:latin typeface="Arial" panose="020B0604020202020204" pitchFamily="34" charset="0"/>
-                <a:cs typeface="Arial" panose="020B0604020202020204" pitchFamily="34" charset="0"/>
-              </a:rPr>
-              <a:t> a </a:t>
-            </a:r>
-            <a:r>
-              <a:rPr lang="it-IT" dirty="0" err="1" smtClean="0">
-                <a:latin typeface="Arial" panose="020B0604020202020204" pitchFamily="34" charset="0"/>
-                <a:cs typeface="Arial" panose="020B0604020202020204" pitchFamily="34" charset="0"/>
-              </a:rPr>
-              <a:t>slight</a:t>
-            </a:r>
-            <a:r>
-              <a:rPr lang="it-IT" dirty="0" smtClean="0">
-                <a:latin typeface="Arial" panose="020B0604020202020204" pitchFamily="34" charset="0"/>
-                <a:cs typeface="Arial" panose="020B0604020202020204" pitchFamily="34" charset="0"/>
-              </a:rPr>
-              <a:t> linear relation </a:t>
-            </a:r>
-            <a:r>
-              <a:rPr lang="it-IT" dirty="0" err="1" smtClean="0">
-                <a:latin typeface="Arial" panose="020B0604020202020204" pitchFamily="34" charset="0"/>
-                <a:cs typeface="Arial" panose="020B0604020202020204" pitchFamily="34" charset="0"/>
-              </a:rPr>
-              <a:t>between</a:t>
-            </a:r>
-            <a:r>
-              <a:rPr lang="it-IT" dirty="0" smtClean="0">
-                <a:latin typeface="Arial" panose="020B0604020202020204" pitchFamily="34" charset="0"/>
-                <a:cs typeface="Arial" panose="020B0604020202020204" pitchFamily="34" charset="0"/>
-              </a:rPr>
-              <a:t> </a:t>
-            </a:r>
-            <a:r>
-              <a:rPr lang="it-IT" dirty="0" err="1" smtClean="0">
-                <a:latin typeface="Arial" panose="020B0604020202020204" pitchFamily="34" charset="0"/>
-                <a:cs typeface="Arial" panose="020B0604020202020204" pitchFamily="34" charset="0"/>
-              </a:rPr>
-              <a:t>amount</a:t>
-            </a:r>
-            <a:r>
-              <a:rPr lang="it-IT" dirty="0" smtClean="0">
-                <a:latin typeface="Arial" panose="020B0604020202020204" pitchFamily="34" charset="0"/>
-                <a:cs typeface="Arial" panose="020B0604020202020204" pitchFamily="34" charset="0"/>
-              </a:rPr>
-              <a:t> and </a:t>
-            </a:r>
-            <a:r>
-              <a:rPr lang="it-IT" dirty="0" err="1" smtClean="0">
-                <a:latin typeface="Arial" panose="020B0604020202020204" pitchFamily="34" charset="0"/>
-                <a:cs typeface="Arial" panose="020B0604020202020204" pitchFamily="34" charset="0"/>
-              </a:rPr>
-              <a:t>is_fraud</a:t>
-            </a:r>
-            <a:r>
-              <a:rPr lang="it-IT" dirty="0" smtClean="0">
-                <a:latin typeface="Arial" panose="020B0604020202020204" pitchFamily="34" charset="0"/>
-                <a:cs typeface="Arial" panose="020B0604020202020204" pitchFamily="34" charset="0"/>
-              </a:rPr>
-              <a:t>.</a:t>
-            </a:r>
-            <a:endParaRPr lang="it-IT" dirty="0">
-              <a:latin typeface="Arial" panose="020B0604020202020204" pitchFamily="34" charset="0"/>
-              <a:cs typeface="Arial" panose="020B0604020202020204" pitchFamily="34" charset="0"/>
-            </a:endParaRPr>
-          </a:p>
-        </p:txBody>
-      </p:sp>
-    </p:spTree>
-    <p:extLst>
-      <p:ext uri="{BB962C8B-B14F-4D97-AF65-F5344CB8AC3E}">
-        <p14:creationId xmlns:p14="http://schemas.microsoft.com/office/powerpoint/2010/main" val="245163812"/>
       </p:ext>
     </p:extLst>
   </p:cSld>
@@ -16395,7 +15094,7 @@
         <p:spPr>
           <a:xfrm>
             <a:off x="1183638" y="473001"/>
-            <a:ext cx="3862596" cy="461665"/>
+            <a:ext cx="4137671" cy="461665"/>
           </a:xfrm>
           <a:prstGeom prst="rect">
             <a:avLst/>
@@ -16420,28 +15119,21 @@
                 <a:latin typeface="Arial" panose="020B0604020202020204" pitchFamily="34" charset="0"/>
                 <a:cs typeface="Arial" panose="020B0604020202020204" pitchFamily="34" charset="0"/>
               </a:rPr>
-              <a:t>Tuning</a:t>
+              <a:t>Features</a:t>
             </a:r>
             <a:r>
               <a:rPr lang="it-IT" sz="2400" dirty="0" smtClean="0">
                 <a:latin typeface="Arial" panose="020B0604020202020204" pitchFamily="34" charset="0"/>
                 <a:cs typeface="Arial" panose="020B0604020202020204" pitchFamily="34" charset="0"/>
               </a:rPr>
-              <a:t> of </a:t>
+              <a:t> &amp; Model </a:t>
             </a:r>
             <a:r>
               <a:rPr lang="it-IT" sz="2400" dirty="0" err="1" smtClean="0">
                 <a:latin typeface="Arial" panose="020B0604020202020204" pitchFamily="34" charset="0"/>
                 <a:cs typeface="Arial" panose="020B0604020202020204" pitchFamily="34" charset="0"/>
               </a:rPr>
-              <a:t>XGBoost</a:t>
-            </a:r>
-            <a:r>
-              <a:rPr lang="it-IT" sz="2400" dirty="0" smtClean="0">
-                <a:latin typeface="Arial" panose="020B0604020202020204" pitchFamily="34" charset="0"/>
-                <a:cs typeface="Arial" panose="020B0604020202020204" pitchFamily="34" charset="0"/>
-              </a:rPr>
-              <a:t> Model</a:t>
+              <a:t>Selection</a:t>
             </a:r>
             <a:endParaRPr lang="it-IT" sz="2400" dirty="0">
               <a:latin typeface="Arial" panose="020B0604020202020204" pitchFamily="34" charset="0"/>
@@ -16458,8 +15150,353 @@
         </p:nvSpPr>
         <p:spPr>
           <a:xfrm>
-            <a:off x="139120" y="5905500"/>
-            <a:ext cx="6346609" cy="830997"/>
+            <a:off x="295275" y="1701731"/>
+            <a:ext cx="10467975" cy="1200329"/>
+          </a:xfrm>
+          <a:prstGeom prst="rect">
+            <a:avLst/>
+          </a:prstGeom>
+          <a:noFill/>
+        </p:spPr>
+        <p:txBody>
+          <a:bodyPr wrap="square" rtlCol="0">
+            <a:spAutoFit/>
+          </a:bodyPr>
+          <a:lstStyle/>
+          <a:p>
+            <a:r>
+              <a:rPr lang="it-IT" dirty="0" err="1" smtClean="0">
+                <a:latin typeface="Arial" panose="020B0604020202020204" pitchFamily="34" charset="0"/>
+                <a:cs typeface="Arial" panose="020B0604020202020204" pitchFamily="34" charset="0"/>
+              </a:rPr>
+              <a:t>Based</a:t>
+            </a:r>
+            <a:r>
+              <a:rPr lang="it-IT" dirty="0" smtClean="0">
+                <a:latin typeface="Arial" panose="020B0604020202020204" pitchFamily="34" charset="0"/>
+                <a:cs typeface="Arial" panose="020B0604020202020204" pitchFamily="34" charset="0"/>
+              </a:rPr>
+              <a:t> on the </a:t>
+            </a:r>
+            <a:r>
+              <a:rPr lang="it-IT" dirty="0" err="1" smtClean="0">
+                <a:latin typeface="Arial" panose="020B0604020202020204" pitchFamily="34" charset="0"/>
+                <a:cs typeface="Arial" panose="020B0604020202020204" pitchFamily="34" charset="0"/>
+              </a:rPr>
+              <a:t>previous</a:t>
+            </a:r>
+            <a:r>
+              <a:rPr lang="it-IT" dirty="0" smtClean="0">
+                <a:latin typeface="Arial" panose="020B0604020202020204" pitchFamily="34" charset="0"/>
+                <a:cs typeface="Arial" panose="020B0604020202020204" pitchFamily="34" charset="0"/>
+              </a:rPr>
+              <a:t> </a:t>
+            </a:r>
+            <a:r>
+              <a:rPr lang="it-IT" dirty="0" err="1" smtClean="0">
+                <a:latin typeface="Arial" panose="020B0604020202020204" pitchFamily="34" charset="0"/>
+                <a:cs typeface="Arial" panose="020B0604020202020204" pitchFamily="34" charset="0"/>
+              </a:rPr>
+              <a:t>findings</a:t>
+            </a:r>
+            <a:r>
+              <a:rPr lang="it-IT" dirty="0" smtClean="0">
+                <a:latin typeface="Arial" panose="020B0604020202020204" pitchFamily="34" charset="0"/>
+                <a:cs typeface="Arial" panose="020B0604020202020204" pitchFamily="34" charset="0"/>
+              </a:rPr>
+              <a:t>, </a:t>
+            </a:r>
+            <a:r>
+              <a:rPr lang="it-IT" dirty="0" err="1" smtClean="0">
+                <a:latin typeface="Arial" panose="020B0604020202020204" pitchFamily="34" charset="0"/>
+                <a:cs typeface="Arial" panose="020B0604020202020204" pitchFamily="34" charset="0"/>
+              </a:rPr>
+              <a:t>we</a:t>
+            </a:r>
+            <a:r>
+              <a:rPr lang="it-IT" dirty="0" smtClean="0">
+                <a:latin typeface="Arial" panose="020B0604020202020204" pitchFamily="34" charset="0"/>
+                <a:cs typeface="Arial" panose="020B0604020202020204" pitchFamily="34" charset="0"/>
+              </a:rPr>
+              <a:t> are </a:t>
+            </a:r>
+            <a:r>
+              <a:rPr lang="it-IT" dirty="0" err="1" smtClean="0">
+                <a:latin typeface="Arial" panose="020B0604020202020204" pitchFamily="34" charset="0"/>
+                <a:cs typeface="Arial" panose="020B0604020202020204" pitchFamily="34" charset="0"/>
+              </a:rPr>
+              <a:t>going</a:t>
+            </a:r>
+            <a:r>
+              <a:rPr lang="it-IT" dirty="0" smtClean="0">
+                <a:latin typeface="Arial" panose="020B0604020202020204" pitchFamily="34" charset="0"/>
+                <a:cs typeface="Arial" panose="020B0604020202020204" pitchFamily="34" charset="0"/>
+              </a:rPr>
+              <a:t> to use the </a:t>
+            </a:r>
+            <a:r>
+              <a:rPr lang="it-IT" dirty="0" err="1" smtClean="0">
+                <a:latin typeface="Arial" panose="020B0604020202020204" pitchFamily="34" charset="0"/>
+                <a:cs typeface="Arial" panose="020B0604020202020204" pitchFamily="34" charset="0"/>
+              </a:rPr>
+              <a:t>XGBoost</a:t>
+            </a:r>
+            <a:r>
+              <a:rPr lang="it-IT" dirty="0" smtClean="0">
+                <a:latin typeface="Arial" panose="020B0604020202020204" pitchFamily="34" charset="0"/>
+                <a:cs typeface="Arial" panose="020B0604020202020204" pitchFamily="34" charset="0"/>
+              </a:rPr>
+              <a:t> </a:t>
+            </a:r>
+            <a:r>
+              <a:rPr lang="it-IT" dirty="0" err="1" smtClean="0">
+                <a:latin typeface="Arial" panose="020B0604020202020204" pitchFamily="34" charset="0"/>
+                <a:cs typeface="Arial" panose="020B0604020202020204" pitchFamily="34" charset="0"/>
+              </a:rPr>
+              <a:t>Classifier</a:t>
+            </a:r>
+            <a:r>
+              <a:rPr lang="it-IT" dirty="0" smtClean="0">
+                <a:latin typeface="Arial" panose="020B0604020202020204" pitchFamily="34" charset="0"/>
+                <a:cs typeface="Arial" panose="020B0604020202020204" pitchFamily="34" charset="0"/>
+              </a:rPr>
+              <a:t> model </a:t>
+            </a:r>
+            <a:r>
+              <a:rPr lang="it-IT" dirty="0" err="1" smtClean="0">
+                <a:latin typeface="Arial" panose="020B0604020202020204" pitchFamily="34" charset="0"/>
+                <a:cs typeface="Arial" panose="020B0604020202020204" pitchFamily="34" charset="0"/>
+              </a:rPr>
+              <a:t>paying</a:t>
+            </a:r>
+            <a:r>
+              <a:rPr lang="it-IT" dirty="0" smtClean="0">
+                <a:latin typeface="Arial" panose="020B0604020202020204" pitchFamily="34" charset="0"/>
+                <a:cs typeface="Arial" panose="020B0604020202020204" pitchFamily="34" charset="0"/>
+              </a:rPr>
+              <a:t> </a:t>
+            </a:r>
+            <a:r>
+              <a:rPr lang="it-IT" dirty="0" err="1" smtClean="0">
+                <a:latin typeface="Arial" panose="020B0604020202020204" pitchFamily="34" charset="0"/>
+                <a:cs typeface="Arial" panose="020B0604020202020204" pitchFamily="34" charset="0"/>
+              </a:rPr>
+              <a:t>particular</a:t>
+            </a:r>
+            <a:r>
+              <a:rPr lang="it-IT" dirty="0" smtClean="0">
+                <a:latin typeface="Arial" panose="020B0604020202020204" pitchFamily="34" charset="0"/>
+                <a:cs typeface="Arial" panose="020B0604020202020204" pitchFamily="34" charset="0"/>
+              </a:rPr>
+              <a:t> </a:t>
+            </a:r>
+            <a:r>
+              <a:rPr lang="it-IT" dirty="0" err="1" smtClean="0">
+                <a:latin typeface="Arial" panose="020B0604020202020204" pitchFamily="34" charset="0"/>
+                <a:cs typeface="Arial" panose="020B0604020202020204" pitchFamily="34" charset="0"/>
+              </a:rPr>
+              <a:t>attention</a:t>
+            </a:r>
+            <a:r>
+              <a:rPr lang="it-IT" dirty="0" smtClean="0">
+                <a:latin typeface="Arial" panose="020B0604020202020204" pitchFamily="34" charset="0"/>
+                <a:cs typeface="Arial" panose="020B0604020202020204" pitchFamily="34" charset="0"/>
+              </a:rPr>
+              <a:t> to the </a:t>
+            </a:r>
+            <a:r>
+              <a:rPr lang="it-IT" dirty="0" err="1" smtClean="0">
+                <a:latin typeface="Arial" panose="020B0604020202020204" pitchFamily="34" charset="0"/>
+                <a:cs typeface="Arial" panose="020B0604020202020204" pitchFamily="34" charset="0"/>
+              </a:rPr>
+              <a:t>settings</a:t>
+            </a:r>
+            <a:r>
+              <a:rPr lang="it-IT" dirty="0" smtClean="0">
+                <a:latin typeface="Arial" panose="020B0604020202020204" pitchFamily="34" charset="0"/>
+                <a:cs typeface="Arial" panose="020B0604020202020204" pitchFamily="34" charset="0"/>
+              </a:rPr>
+              <a:t> of </a:t>
+            </a:r>
+            <a:r>
+              <a:rPr lang="it-IT" dirty="0" err="1" smtClean="0">
+                <a:latin typeface="Arial" panose="020B0604020202020204" pitchFamily="34" charset="0"/>
+                <a:cs typeface="Arial" panose="020B0604020202020204" pitchFamily="34" charset="0"/>
+              </a:rPr>
+              <a:t>its</a:t>
+            </a:r>
+            <a:r>
+              <a:rPr lang="it-IT" dirty="0" smtClean="0">
+                <a:latin typeface="Arial" panose="020B0604020202020204" pitchFamily="34" charset="0"/>
+                <a:cs typeface="Arial" panose="020B0604020202020204" pitchFamily="34" charset="0"/>
+              </a:rPr>
+              <a:t> </a:t>
+            </a:r>
+            <a:r>
+              <a:rPr lang="it-IT" dirty="0" err="1" smtClean="0">
+                <a:latin typeface="Arial" panose="020B0604020202020204" pitchFamily="34" charset="0"/>
+                <a:cs typeface="Arial" panose="020B0604020202020204" pitchFamily="34" charset="0"/>
+              </a:rPr>
+              <a:t>hyperparameters</a:t>
+            </a:r>
+            <a:r>
+              <a:rPr lang="it-IT" dirty="0" smtClean="0">
+                <a:latin typeface="Arial" panose="020B0604020202020204" pitchFamily="34" charset="0"/>
+                <a:cs typeface="Arial" panose="020B0604020202020204" pitchFamily="34" charset="0"/>
+              </a:rPr>
+              <a:t>, due to the </a:t>
+            </a:r>
+            <a:r>
+              <a:rPr lang="it-IT" dirty="0" err="1" smtClean="0">
+                <a:latin typeface="Arial" panose="020B0604020202020204" pitchFamily="34" charset="0"/>
+                <a:cs typeface="Arial" panose="020B0604020202020204" pitchFamily="34" charset="0"/>
+              </a:rPr>
+              <a:t>unbalanceness</a:t>
+            </a:r>
+            <a:r>
+              <a:rPr lang="it-IT" dirty="0" smtClean="0">
+                <a:latin typeface="Arial" panose="020B0604020202020204" pitchFamily="34" charset="0"/>
+                <a:cs typeface="Arial" panose="020B0604020202020204" pitchFamily="34" charset="0"/>
+              </a:rPr>
+              <a:t> of the </a:t>
+            </a:r>
+            <a:r>
+              <a:rPr lang="it-IT" dirty="0" err="1" smtClean="0">
+                <a:latin typeface="Arial" panose="020B0604020202020204" pitchFamily="34" charset="0"/>
+                <a:cs typeface="Arial" panose="020B0604020202020204" pitchFamily="34" charset="0"/>
+              </a:rPr>
+              <a:t>dataset</a:t>
+            </a:r>
+            <a:r>
+              <a:rPr lang="it-IT" dirty="0" smtClean="0">
+                <a:latin typeface="Arial" panose="020B0604020202020204" pitchFamily="34" charset="0"/>
+                <a:cs typeface="Arial" panose="020B0604020202020204" pitchFamily="34" charset="0"/>
+              </a:rPr>
+              <a:t>.</a:t>
+            </a:r>
+          </a:p>
+          <a:p>
+            <a:endParaRPr lang="it-IT" dirty="0" smtClean="0">
+              <a:latin typeface="Arial" panose="020B0604020202020204" pitchFamily="34" charset="0"/>
+              <a:cs typeface="Arial" panose="020B0604020202020204" pitchFamily="34" charset="0"/>
+            </a:endParaRPr>
+          </a:p>
+          <a:p>
+            <a:r>
+              <a:rPr lang="it-IT" dirty="0" err="1" smtClean="0">
+                <a:latin typeface="Arial" panose="020B0604020202020204" pitchFamily="34" charset="0"/>
+                <a:cs typeface="Arial" panose="020B0604020202020204" pitchFamily="34" charset="0"/>
+              </a:rPr>
+              <a:t>Furthermore</a:t>
+            </a:r>
+            <a:r>
+              <a:rPr lang="it-IT" dirty="0" smtClean="0">
+                <a:latin typeface="Arial" panose="020B0604020202020204" pitchFamily="34" charset="0"/>
+                <a:cs typeface="Arial" panose="020B0604020202020204" pitchFamily="34" charset="0"/>
+              </a:rPr>
+              <a:t>, the </a:t>
+            </a:r>
+            <a:r>
+              <a:rPr lang="it-IT" dirty="0" err="1" smtClean="0">
+                <a:latin typeface="Arial" panose="020B0604020202020204" pitchFamily="34" charset="0"/>
+                <a:cs typeface="Arial" panose="020B0604020202020204" pitchFamily="34" charset="0"/>
+              </a:rPr>
+              <a:t>following</a:t>
+            </a:r>
+            <a:r>
+              <a:rPr lang="it-IT" dirty="0" smtClean="0">
+                <a:latin typeface="Arial" panose="020B0604020202020204" pitchFamily="34" charset="0"/>
+                <a:cs typeface="Arial" panose="020B0604020202020204" pitchFamily="34" charset="0"/>
+              </a:rPr>
+              <a:t> </a:t>
+            </a:r>
+            <a:r>
+              <a:rPr lang="it-IT" dirty="0" err="1" smtClean="0">
+                <a:latin typeface="Arial" panose="020B0604020202020204" pitchFamily="34" charset="0"/>
+                <a:cs typeface="Arial" panose="020B0604020202020204" pitchFamily="34" charset="0"/>
+              </a:rPr>
+              <a:t>columns</a:t>
+            </a:r>
+            <a:r>
+              <a:rPr lang="it-IT" dirty="0" smtClean="0">
+                <a:latin typeface="Arial" panose="020B0604020202020204" pitchFamily="34" charset="0"/>
+                <a:cs typeface="Arial" panose="020B0604020202020204" pitchFamily="34" charset="0"/>
+              </a:rPr>
+              <a:t> </a:t>
+            </a:r>
+            <a:r>
+              <a:rPr lang="it-IT" dirty="0" err="1" smtClean="0">
+                <a:latin typeface="Arial" panose="020B0604020202020204" pitchFamily="34" charset="0"/>
+                <a:cs typeface="Arial" panose="020B0604020202020204" pitchFamily="34" charset="0"/>
+              </a:rPr>
+              <a:t>will</a:t>
+            </a:r>
+            <a:r>
+              <a:rPr lang="it-IT" dirty="0" smtClean="0">
+                <a:latin typeface="Arial" panose="020B0604020202020204" pitchFamily="34" charset="0"/>
+                <a:cs typeface="Arial" panose="020B0604020202020204" pitchFamily="34" charset="0"/>
+              </a:rPr>
+              <a:t> be </a:t>
+            </a:r>
+            <a:r>
+              <a:rPr lang="it-IT" dirty="0" err="1" smtClean="0">
+                <a:latin typeface="Arial" panose="020B0604020202020204" pitchFamily="34" charset="0"/>
+                <a:cs typeface="Arial" panose="020B0604020202020204" pitchFamily="34" charset="0"/>
+              </a:rPr>
+              <a:t>considered</a:t>
+            </a:r>
+            <a:r>
+              <a:rPr lang="it-IT" dirty="0" smtClean="0">
+                <a:latin typeface="Arial" panose="020B0604020202020204" pitchFamily="34" charset="0"/>
+                <a:cs typeface="Arial" panose="020B0604020202020204" pitchFamily="34" charset="0"/>
+              </a:rPr>
+              <a:t> </a:t>
+            </a:r>
+            <a:r>
+              <a:rPr lang="it-IT" dirty="0" err="1" smtClean="0">
+                <a:latin typeface="Arial" panose="020B0604020202020204" pitchFamily="34" charset="0"/>
+                <a:cs typeface="Arial" panose="020B0604020202020204" pitchFamily="34" charset="0"/>
+              </a:rPr>
+              <a:t>as</a:t>
+            </a:r>
+            <a:r>
+              <a:rPr lang="it-IT" dirty="0" smtClean="0">
+                <a:latin typeface="Arial" panose="020B0604020202020204" pitchFamily="34" charset="0"/>
+                <a:cs typeface="Arial" panose="020B0604020202020204" pitchFamily="34" charset="0"/>
+              </a:rPr>
+              <a:t> </a:t>
+            </a:r>
+            <a:r>
+              <a:rPr lang="it-IT" dirty="0" err="1" smtClean="0">
+                <a:latin typeface="Arial" panose="020B0604020202020204" pitchFamily="34" charset="0"/>
+                <a:cs typeface="Arial" panose="020B0604020202020204" pitchFamily="34" charset="0"/>
+              </a:rPr>
+              <a:t>features</a:t>
+            </a:r>
+            <a:r>
+              <a:rPr lang="it-IT" dirty="0" smtClean="0">
+                <a:latin typeface="Arial" panose="020B0604020202020204" pitchFamily="34" charset="0"/>
+                <a:cs typeface="Arial" panose="020B0604020202020204" pitchFamily="34" charset="0"/>
+              </a:rPr>
+              <a:t> of the model:</a:t>
+            </a:r>
+            <a:endParaRPr lang="it-IT" dirty="0">
+              <a:latin typeface="Arial" panose="020B0604020202020204" pitchFamily="34" charset="0"/>
+              <a:cs typeface="Arial" panose="020B0604020202020204" pitchFamily="34" charset="0"/>
+            </a:endParaRPr>
+          </a:p>
+        </p:txBody>
+      </p:sp>
+      <p:sp>
+        <p:nvSpPr>
+          <p:cNvPr id="4" name="CasellaDiTesto 3"/>
+          <p:cNvSpPr txBox="1"/>
+          <p:nvPr/>
+        </p:nvSpPr>
+        <p:spPr>
+          <a:xfrm>
+            <a:off x="295275" y="3333791"/>
+            <a:ext cx="11726287" cy="430887"/>
           </a:xfrm>
           <a:prstGeom prst="rect">
             <a:avLst/>
@@ -16473,60 +15510,288 @@
           <a:lstStyle/>
           <a:p>
             <a:r>
-              <a:rPr lang="it-IT" sz="1600" dirty="0" err="1" smtClean="0">
-                <a:latin typeface="Arial" panose="020B0604020202020204" pitchFamily="34" charset="0"/>
-                <a:cs typeface="Arial" panose="020B0604020202020204" pitchFamily="34" charset="0"/>
-              </a:rPr>
-              <a:t>References</a:t>
-            </a:r>
-            <a:r>
-              <a:rPr lang="it-IT" sz="1600" dirty="0" smtClean="0">
-                <a:latin typeface="Arial" panose="020B0604020202020204" pitchFamily="34" charset="0"/>
-                <a:cs typeface="Arial" panose="020B0604020202020204" pitchFamily="34" charset="0"/>
-              </a:rPr>
-              <a:t>: </a:t>
-            </a:r>
-          </a:p>
-          <a:p>
-            <a:r>
-              <a:rPr lang="it-IT" sz="1600" dirty="0" smtClean="0">
-                <a:latin typeface="Arial" panose="020B0604020202020204" pitchFamily="34" charset="0"/>
-                <a:cs typeface="Arial" panose="020B0604020202020204" pitchFamily="34" charset="0"/>
-                <a:hlinkClick r:id="rId3"/>
-              </a:rPr>
-              <a:t>https://xgboost.readthedocs.io/en/stable/parameter.html</a:t>
-            </a:r>
-            <a:endParaRPr lang="it-IT" sz="1600" dirty="0" smtClean="0">
-              <a:latin typeface="Arial" panose="020B0604020202020204" pitchFamily="34" charset="0"/>
-              <a:cs typeface="Arial" panose="020B0604020202020204" pitchFamily="34" charset="0"/>
-            </a:endParaRPr>
-          </a:p>
-          <a:p>
-            <a:r>
-              <a:rPr lang="it-IT" sz="1600" dirty="0">
-                <a:latin typeface="Arial" panose="020B0604020202020204" pitchFamily="34" charset="0"/>
-                <a:cs typeface="Arial" panose="020B0604020202020204" pitchFamily="34" charset="0"/>
-                <a:hlinkClick r:id="rId4"/>
-              </a:rPr>
-              <a:t>https://xgboost.readthedocs.io/en/stable/tutorials/param_tuning.html</a:t>
-            </a:r>
-            <a:endParaRPr lang="it-IT" sz="1600" dirty="0">
-              <a:latin typeface="Arial" panose="020B0604020202020204" pitchFamily="34" charset="0"/>
-              <a:cs typeface="Arial" panose="020B0604020202020204" pitchFamily="34" charset="0"/>
+              <a:rPr lang="it-IT" sz="1100" dirty="0" err="1">
+                <a:solidFill>
+                  <a:srgbClr val="DADADA"/>
+                </a:solidFill>
+                <a:latin typeface="Consolas" panose="020B0609020204030204" pitchFamily="49" charset="0"/>
+              </a:rPr>
+              <a:t>features</a:t>
+            </a:r>
+            <a:r>
+              <a:rPr lang="it-IT" sz="1100" dirty="0">
+                <a:solidFill>
+                  <a:srgbClr val="DADADA"/>
+                </a:solidFill>
+                <a:latin typeface="Consolas" panose="020B0609020204030204" pitchFamily="49" charset="0"/>
+              </a:rPr>
+              <a:t> </a:t>
+            </a:r>
+            <a:r>
+              <a:rPr lang="it-IT" sz="1100" dirty="0">
+                <a:solidFill>
+                  <a:srgbClr val="B4B4B4"/>
+                </a:solidFill>
+                <a:latin typeface="Consolas" panose="020B0609020204030204" pitchFamily="49" charset="0"/>
+              </a:rPr>
+              <a:t>=</a:t>
+            </a:r>
+            <a:r>
+              <a:rPr lang="it-IT" sz="1100" dirty="0">
+                <a:solidFill>
+                  <a:srgbClr val="DADADA"/>
+                </a:solidFill>
+                <a:latin typeface="Consolas" panose="020B0609020204030204" pitchFamily="49" charset="0"/>
+              </a:rPr>
+              <a:t> </a:t>
+            </a:r>
+            <a:r>
+              <a:rPr lang="it-IT" sz="1100" dirty="0">
+                <a:solidFill>
+                  <a:srgbClr val="B4B4B4"/>
+                </a:solidFill>
+                <a:latin typeface="Consolas" panose="020B0609020204030204" pitchFamily="49" charset="0"/>
+              </a:rPr>
+              <a:t>[</a:t>
+            </a:r>
+            <a:r>
+              <a:rPr lang="it-IT" sz="1100" dirty="0">
+                <a:solidFill>
+                  <a:srgbClr val="FFC000"/>
+                </a:solidFill>
+                <a:latin typeface="Consolas" panose="020B0609020204030204" pitchFamily="49" charset="0"/>
+              </a:rPr>
+              <a:t>'</a:t>
+            </a:r>
+            <a:r>
+              <a:rPr lang="it-IT" sz="1100" dirty="0" err="1">
+                <a:solidFill>
+                  <a:srgbClr val="FFC000"/>
+                </a:solidFill>
+                <a:latin typeface="Consolas" panose="020B0609020204030204" pitchFamily="49" charset="0"/>
+              </a:rPr>
+              <a:t>amt</a:t>
+            </a:r>
+            <a:r>
+              <a:rPr lang="it-IT" sz="1100" dirty="0">
+                <a:solidFill>
+                  <a:srgbClr val="FFC000"/>
+                </a:solidFill>
+                <a:latin typeface="Consolas" panose="020B0609020204030204" pitchFamily="49" charset="0"/>
+              </a:rPr>
+              <a:t>', '</a:t>
+            </a:r>
+            <a:r>
+              <a:rPr lang="it-IT" sz="1100" dirty="0" err="1">
+                <a:solidFill>
+                  <a:srgbClr val="FFC000"/>
+                </a:solidFill>
+                <a:latin typeface="Consolas" panose="020B0609020204030204" pitchFamily="49" charset="0"/>
+              </a:rPr>
+              <a:t>lat</a:t>
+            </a:r>
+            <a:r>
+              <a:rPr lang="it-IT" sz="1100" dirty="0">
+                <a:solidFill>
+                  <a:srgbClr val="FFC000"/>
+                </a:solidFill>
+                <a:latin typeface="Consolas" panose="020B0609020204030204" pitchFamily="49" charset="0"/>
+              </a:rPr>
+              <a:t>', 'long', '</a:t>
+            </a:r>
+            <a:r>
+              <a:rPr lang="it-IT" sz="1100" dirty="0" err="1">
+                <a:solidFill>
+                  <a:srgbClr val="FFC000"/>
+                </a:solidFill>
+                <a:latin typeface="Consolas" panose="020B0609020204030204" pitchFamily="49" charset="0"/>
+              </a:rPr>
+              <a:t>merch_lat</a:t>
+            </a:r>
+            <a:r>
+              <a:rPr lang="it-IT" sz="1100" dirty="0">
+                <a:solidFill>
+                  <a:srgbClr val="FFC000"/>
+                </a:solidFill>
+                <a:latin typeface="Consolas" panose="020B0609020204030204" pitchFamily="49" charset="0"/>
+              </a:rPr>
+              <a:t>', '</a:t>
+            </a:r>
+            <a:r>
+              <a:rPr lang="it-IT" sz="1100" dirty="0" err="1">
+                <a:solidFill>
+                  <a:srgbClr val="FFC000"/>
+                </a:solidFill>
+                <a:latin typeface="Consolas" panose="020B0609020204030204" pitchFamily="49" charset="0"/>
+              </a:rPr>
+              <a:t>merch_long</a:t>
+            </a:r>
+            <a:r>
+              <a:rPr lang="it-IT" sz="1100" dirty="0">
+                <a:solidFill>
+                  <a:srgbClr val="FFC000"/>
+                </a:solidFill>
+                <a:latin typeface="Consolas" panose="020B0609020204030204" pitchFamily="49" charset="0"/>
+              </a:rPr>
+              <a:t>', '</a:t>
+            </a:r>
+            <a:r>
+              <a:rPr lang="it-IT" sz="1100" dirty="0" err="1">
+                <a:solidFill>
+                  <a:srgbClr val="FFC000"/>
+                </a:solidFill>
+                <a:latin typeface="Consolas" panose="020B0609020204030204" pitchFamily="49" charset="0"/>
+              </a:rPr>
+              <a:t>category_encoded</a:t>
+            </a:r>
+            <a:r>
+              <a:rPr lang="it-IT" sz="1100" dirty="0">
+                <a:solidFill>
+                  <a:srgbClr val="FFC000"/>
+                </a:solidFill>
+                <a:latin typeface="Consolas" panose="020B0609020204030204" pitchFamily="49" charset="0"/>
+              </a:rPr>
+              <a:t>', '</a:t>
+            </a:r>
+            <a:r>
+              <a:rPr lang="it-IT" sz="1100" dirty="0" err="1">
+                <a:solidFill>
+                  <a:srgbClr val="FFC000"/>
+                </a:solidFill>
+                <a:latin typeface="Consolas" panose="020B0609020204030204" pitchFamily="49" charset="0"/>
+              </a:rPr>
+              <a:t>city_encoded</a:t>
+            </a:r>
+            <a:r>
+              <a:rPr lang="it-IT" sz="1100" dirty="0">
+                <a:solidFill>
+                  <a:srgbClr val="FFC000"/>
+                </a:solidFill>
+                <a:latin typeface="Consolas" panose="020B0609020204030204" pitchFamily="49" charset="0"/>
+              </a:rPr>
+              <a:t>', '</a:t>
+            </a:r>
+            <a:r>
+              <a:rPr lang="it-IT" sz="1100" dirty="0" err="1">
+                <a:solidFill>
+                  <a:srgbClr val="FFC000"/>
+                </a:solidFill>
+                <a:latin typeface="Consolas" panose="020B0609020204030204" pitchFamily="49" charset="0"/>
+              </a:rPr>
+              <a:t>state_encoded</a:t>
+            </a:r>
+            <a:r>
+              <a:rPr lang="it-IT" sz="1100" dirty="0">
+                <a:solidFill>
+                  <a:srgbClr val="FFC000"/>
+                </a:solidFill>
+                <a:latin typeface="Consolas" panose="020B0609020204030204" pitchFamily="49" charset="0"/>
+              </a:rPr>
+              <a:t>', '</a:t>
+            </a:r>
+            <a:r>
+              <a:rPr lang="it-IT" sz="1100" dirty="0" err="1">
+                <a:solidFill>
+                  <a:srgbClr val="FFC000"/>
+                </a:solidFill>
+                <a:latin typeface="Consolas" panose="020B0609020204030204" pitchFamily="49" charset="0"/>
+              </a:rPr>
+              <a:t>age</a:t>
+            </a:r>
+            <a:r>
+              <a:rPr lang="it-IT" sz="1100" dirty="0">
+                <a:solidFill>
+                  <a:srgbClr val="FFC000"/>
+                </a:solidFill>
+                <a:latin typeface="Consolas" panose="020B0609020204030204" pitchFamily="49" charset="0"/>
+              </a:rPr>
+              <a:t>', '</a:t>
+            </a:r>
+            <a:r>
+              <a:rPr lang="it-IT" sz="1100" dirty="0" err="1">
+                <a:solidFill>
+                  <a:srgbClr val="FFC000"/>
+                </a:solidFill>
+                <a:latin typeface="Consolas" panose="020B0609020204030204" pitchFamily="49" charset="0"/>
+              </a:rPr>
+              <a:t>trans_date_trans_time_unix</a:t>
+            </a:r>
+            <a:r>
+              <a:rPr lang="it-IT" sz="1100" dirty="0" smtClean="0">
+                <a:solidFill>
+                  <a:srgbClr val="FFC000"/>
+                </a:solidFill>
+                <a:latin typeface="Consolas" panose="020B0609020204030204" pitchFamily="49" charset="0"/>
+              </a:rPr>
+              <a:t>'</a:t>
+            </a:r>
+            <a:r>
+              <a:rPr lang="it-IT" sz="1100" dirty="0" smtClean="0">
+                <a:solidFill>
+                  <a:srgbClr val="B4B4B4"/>
+                </a:solidFill>
+                <a:latin typeface="Consolas" panose="020B0609020204030204" pitchFamily="49" charset="0"/>
+              </a:rPr>
+              <a:t>]</a:t>
+            </a:r>
+          </a:p>
+          <a:p>
+            <a:r>
+              <a:rPr lang="it-IT" sz="1100" dirty="0">
+                <a:solidFill>
+                  <a:srgbClr val="DADADA"/>
+                </a:solidFill>
+                <a:latin typeface="Consolas" panose="020B0609020204030204" pitchFamily="49" charset="0"/>
+              </a:rPr>
+              <a:t>target = </a:t>
+            </a:r>
+            <a:r>
+              <a:rPr lang="it-IT" sz="1100" dirty="0">
+                <a:solidFill>
+                  <a:srgbClr val="FFC000"/>
+                </a:solidFill>
+                <a:latin typeface="Consolas" panose="020B0609020204030204" pitchFamily="49" charset="0"/>
+              </a:rPr>
+              <a:t>'</a:t>
+            </a:r>
+            <a:r>
+              <a:rPr lang="it-IT" sz="1100" dirty="0" err="1">
+                <a:solidFill>
+                  <a:srgbClr val="FFC000"/>
+                </a:solidFill>
+                <a:latin typeface="Consolas" panose="020B0609020204030204" pitchFamily="49" charset="0"/>
+              </a:rPr>
+              <a:t>is_fraud</a:t>
+            </a:r>
+            <a:r>
+              <a:rPr lang="it-IT" sz="1100" dirty="0">
+                <a:solidFill>
+                  <a:srgbClr val="FFC000"/>
+                </a:solidFill>
+                <a:latin typeface="Consolas" panose="020B0609020204030204" pitchFamily="49" charset="0"/>
+              </a:rPr>
+              <a:t>'</a:t>
+            </a:r>
+            <a:endParaRPr lang="it-IT" sz="1100" b="0" dirty="0">
+              <a:solidFill>
+                <a:srgbClr val="FFC000"/>
+              </a:solidFill>
+              <a:effectLst/>
+              <a:latin typeface="Consolas" panose="020B0609020204030204" pitchFamily="49" charset="0"/>
             </a:endParaRPr>
           </a:p>
         </p:txBody>
       </p:sp>
       <p:sp>
         <p:nvSpPr>
-          <p:cNvPr id="4" name="CasellaDiTesto 3"/>
+          <p:cNvPr id="6" name="CasellaDiTesto 5"/>
           <p:cNvSpPr txBox="1"/>
           <p:nvPr/>
         </p:nvSpPr>
         <p:spPr>
           <a:xfrm>
-            <a:off x="285750" y="2088023"/>
-            <a:ext cx="11814755" cy="523220"/>
+            <a:off x="295275" y="4027132"/>
+            <a:ext cx="11518773" cy="923330"/>
           </a:xfrm>
           <a:prstGeom prst="rect">
             <a:avLst/>
@@ -16540,619 +15805,81 @@
           <a:lstStyle/>
           <a:p>
             <a:r>
-              <a:rPr lang="it-IT" sz="1400" dirty="0" err="1">
-                <a:latin typeface="Arial" panose="020B0604020202020204" pitchFamily="34" charset="0"/>
-                <a:cs typeface="Arial" panose="020B0604020202020204" pitchFamily="34" charset="0"/>
-              </a:rPr>
-              <a:t>model_XGB</a:t>
-            </a:r>
-            <a:r>
-              <a:rPr lang="it-IT" sz="1400" dirty="0">
-                <a:latin typeface="Arial" panose="020B0604020202020204" pitchFamily="34" charset="0"/>
-                <a:cs typeface="Arial" panose="020B0604020202020204" pitchFamily="34" charset="0"/>
-              </a:rPr>
-              <a:t> = </a:t>
-            </a:r>
-            <a:r>
-              <a:rPr lang="it-IT" sz="1400" dirty="0" err="1">
-                <a:latin typeface="Arial" panose="020B0604020202020204" pitchFamily="34" charset="0"/>
-                <a:cs typeface="Arial" panose="020B0604020202020204" pitchFamily="34" charset="0"/>
-              </a:rPr>
-              <a:t>xgboost.XGBClassifier</a:t>
-            </a:r>
-            <a:r>
-              <a:rPr lang="it-IT" sz="1400" dirty="0">
-                <a:latin typeface="Arial" panose="020B0604020202020204" pitchFamily="34" charset="0"/>
-                <a:cs typeface="Arial" panose="020B0604020202020204" pitchFamily="34" charset="0"/>
-              </a:rPr>
-              <a:t>(</a:t>
-            </a:r>
-            <a:r>
-              <a:rPr lang="it-IT" sz="1400" dirty="0" err="1">
-                <a:latin typeface="Arial" panose="020B0604020202020204" pitchFamily="34" charset="0"/>
-                <a:cs typeface="Arial" panose="020B0604020202020204" pitchFamily="34" charset="0"/>
-              </a:rPr>
-              <a:t>n_estimators</a:t>
-            </a:r>
-            <a:r>
-              <a:rPr lang="it-IT" sz="1400" dirty="0">
-                <a:latin typeface="Arial" panose="020B0604020202020204" pitchFamily="34" charset="0"/>
-                <a:cs typeface="Arial" panose="020B0604020202020204" pitchFamily="34" charset="0"/>
-              </a:rPr>
-              <a:t> = 100, </a:t>
-            </a:r>
-            <a:r>
-              <a:rPr lang="it-IT" sz="1400" dirty="0" err="1">
-                <a:latin typeface="Arial" panose="020B0604020202020204" pitchFamily="34" charset="0"/>
-                <a:cs typeface="Arial" panose="020B0604020202020204" pitchFamily="34" charset="0"/>
-              </a:rPr>
-              <a:t>max_depth</a:t>
-            </a:r>
-            <a:r>
-              <a:rPr lang="it-IT" sz="1400" dirty="0">
-                <a:latin typeface="Arial" panose="020B0604020202020204" pitchFamily="34" charset="0"/>
-                <a:cs typeface="Arial" panose="020B0604020202020204" pitchFamily="34" charset="0"/>
-              </a:rPr>
-              <a:t> = 2, </a:t>
-            </a:r>
-            <a:r>
-              <a:rPr lang="it-IT" sz="1400" dirty="0" err="1">
-                <a:latin typeface="Arial" panose="020B0604020202020204" pitchFamily="34" charset="0"/>
-                <a:cs typeface="Arial" panose="020B0604020202020204" pitchFamily="34" charset="0"/>
-              </a:rPr>
-              <a:t>subsample</a:t>
-            </a:r>
-            <a:r>
-              <a:rPr lang="it-IT" sz="1400" dirty="0">
-                <a:latin typeface="Arial" panose="020B0604020202020204" pitchFamily="34" charset="0"/>
-                <a:cs typeface="Arial" panose="020B0604020202020204" pitchFamily="34" charset="0"/>
-              </a:rPr>
-              <a:t> = 0.7, </a:t>
-            </a:r>
-            <a:r>
-              <a:rPr lang="it-IT" sz="1400" dirty="0" err="1">
-                <a:latin typeface="Arial" panose="020B0604020202020204" pitchFamily="34" charset="0"/>
-                <a:cs typeface="Arial" panose="020B0604020202020204" pitchFamily="34" charset="0"/>
-              </a:rPr>
-              <a:t>eta</a:t>
-            </a:r>
-            <a:r>
-              <a:rPr lang="it-IT" sz="1400" dirty="0">
-                <a:latin typeface="Arial" panose="020B0604020202020204" pitchFamily="34" charset="0"/>
-                <a:cs typeface="Arial" panose="020B0604020202020204" pitchFamily="34" charset="0"/>
-              </a:rPr>
-              <a:t> = 0.25, </a:t>
-            </a:r>
-          </a:p>
-          <a:p>
-            <a:r>
-              <a:rPr lang="it-IT" sz="1400" dirty="0">
-                <a:latin typeface="Arial" panose="020B0604020202020204" pitchFamily="34" charset="0"/>
-                <a:cs typeface="Arial" panose="020B0604020202020204" pitchFamily="34" charset="0"/>
-              </a:rPr>
-              <a:t>                                  </a:t>
-            </a:r>
-            <a:r>
-              <a:rPr lang="it-IT" sz="1400" dirty="0" smtClean="0">
-                <a:latin typeface="Arial" panose="020B0604020202020204" pitchFamily="34" charset="0"/>
-                <a:cs typeface="Arial" panose="020B0604020202020204" pitchFamily="34" charset="0"/>
-              </a:rPr>
-              <a:t>		     </a:t>
-            </a:r>
-            <a:r>
-              <a:rPr lang="it-IT" sz="1400" dirty="0" err="1" smtClean="0">
-                <a:latin typeface="Arial" panose="020B0604020202020204" pitchFamily="34" charset="0"/>
-                <a:cs typeface="Arial" panose="020B0604020202020204" pitchFamily="34" charset="0"/>
-              </a:rPr>
-              <a:t>scale_pos_weight</a:t>
-            </a:r>
-            <a:r>
-              <a:rPr lang="it-IT" sz="1400" dirty="0" smtClean="0">
-                <a:latin typeface="Arial" panose="020B0604020202020204" pitchFamily="34" charset="0"/>
-                <a:cs typeface="Arial" panose="020B0604020202020204" pitchFamily="34" charset="0"/>
-              </a:rPr>
-              <a:t> </a:t>
-            </a:r>
-            <a:r>
-              <a:rPr lang="it-IT" sz="1400" dirty="0">
-                <a:latin typeface="Arial" panose="020B0604020202020204" pitchFamily="34" charset="0"/>
-                <a:cs typeface="Arial" panose="020B0604020202020204" pitchFamily="34" charset="0"/>
-              </a:rPr>
-              <a:t>= </a:t>
-            </a:r>
-            <a:r>
-              <a:rPr lang="it-IT" sz="1400" dirty="0" err="1">
-                <a:latin typeface="Arial" panose="020B0604020202020204" pitchFamily="34" charset="0"/>
-                <a:cs typeface="Arial" panose="020B0604020202020204" pitchFamily="34" charset="0"/>
-              </a:rPr>
-              <a:t>xgb_scale_pos_weight</a:t>
-            </a:r>
-            <a:r>
-              <a:rPr lang="it-IT" sz="1400" dirty="0">
+              <a:rPr lang="it-IT" dirty="0" err="1" smtClean="0">
+                <a:latin typeface="Arial" panose="020B0604020202020204" pitchFamily="34" charset="0"/>
+                <a:cs typeface="Arial" panose="020B0604020202020204" pitchFamily="34" charset="0"/>
+              </a:rPr>
+              <a:t>Since</a:t>
+            </a:r>
+            <a:r>
+              <a:rPr lang="it-IT" dirty="0" smtClean="0">
+                <a:latin typeface="Arial" panose="020B0604020202020204" pitchFamily="34" charset="0"/>
+                <a:cs typeface="Arial" panose="020B0604020202020204" pitchFamily="34" charset="0"/>
+              </a:rPr>
+              <a:t> </a:t>
+            </a:r>
+            <a:r>
+              <a:rPr lang="it-IT" dirty="0" err="1" smtClean="0">
+                <a:latin typeface="Arial" panose="020B0604020202020204" pitchFamily="34" charset="0"/>
+                <a:cs typeface="Arial" panose="020B0604020202020204" pitchFamily="34" charset="0"/>
+              </a:rPr>
+              <a:t>amount</a:t>
+            </a:r>
+            <a:r>
+              <a:rPr lang="it-IT" dirty="0" smtClean="0">
                 <a:latin typeface="Arial" panose="020B0604020202020204" pitchFamily="34" charset="0"/>
                 <a:cs typeface="Arial" panose="020B0604020202020204" pitchFamily="34" charset="0"/>
               </a:rPr>
               <a:t>, </a:t>
             </a:r>
             <a:r>
-              <a:rPr lang="it-IT" sz="1400" dirty="0" err="1">
-                <a:latin typeface="Arial" panose="020B0604020202020204" pitchFamily="34" charset="0"/>
-                <a:cs typeface="Arial" panose="020B0604020202020204" pitchFamily="34" charset="0"/>
-              </a:rPr>
-              <a:t>max_delta_step</a:t>
-            </a:r>
-            <a:r>
-              <a:rPr lang="it-IT" sz="1400" dirty="0">
-                <a:latin typeface="Arial" panose="020B0604020202020204" pitchFamily="34" charset="0"/>
-                <a:cs typeface="Arial" panose="020B0604020202020204" pitchFamily="34" charset="0"/>
-              </a:rPr>
-              <a:t> = 1)</a:t>
-            </a:r>
-          </a:p>
-        </p:txBody>
-      </p:sp>
-      <p:sp>
-        <p:nvSpPr>
-          <p:cNvPr id="6" name="CasellaDiTesto 5"/>
-          <p:cNvSpPr txBox="1"/>
-          <p:nvPr/>
-        </p:nvSpPr>
-        <p:spPr>
-          <a:xfrm>
-            <a:off x="285750" y="2785298"/>
-            <a:ext cx="11998798" cy="2800767"/>
-          </a:xfrm>
-          <a:prstGeom prst="rect">
-            <a:avLst/>
-          </a:prstGeom>
-          <a:noFill/>
-        </p:spPr>
-        <p:txBody>
-          <a:bodyPr wrap="none" rtlCol="0">
-            <a:spAutoFit/>
-          </a:bodyPr>
-          <a:lstStyle/>
-          <a:p>
-            <a:pPr marL="285750" indent="-285750">
-              <a:buFont typeface="Arial" panose="020B0604020202020204" pitchFamily="34" charset="0"/>
-              <a:buChar char="•"/>
-            </a:pPr>
-            <a:r>
-              <a:rPr lang="it-IT" sz="1600" b="1" dirty="0" err="1" smtClean="0">
-                <a:latin typeface="Arial" panose="020B0604020202020204" pitchFamily="34" charset="0"/>
-                <a:cs typeface="Arial" panose="020B0604020202020204" pitchFamily="34" charset="0"/>
-              </a:rPr>
-              <a:t>subsample</a:t>
-            </a:r>
-            <a:r>
-              <a:rPr lang="it-IT" sz="1600" dirty="0" smtClean="0">
-                <a:latin typeface="Arial" panose="020B0604020202020204" pitchFamily="34" charset="0"/>
-                <a:cs typeface="Arial" panose="020B0604020202020204" pitchFamily="34" charset="0"/>
-              </a:rPr>
-              <a:t>: </a:t>
-            </a:r>
-            <a:r>
-              <a:rPr lang="en-US" sz="1600" dirty="0" smtClean="0">
-                <a:latin typeface="Arial" panose="020B0604020202020204" pitchFamily="34" charset="0"/>
-                <a:cs typeface="Arial" panose="020B0604020202020204" pitchFamily="34" charset="0"/>
-              </a:rPr>
-              <a:t>subsample </a:t>
-            </a:r>
-            <a:r>
-              <a:rPr lang="en-US" sz="1600" dirty="0">
-                <a:latin typeface="Arial" panose="020B0604020202020204" pitchFamily="34" charset="0"/>
-                <a:cs typeface="Arial" panose="020B0604020202020204" pitchFamily="34" charset="0"/>
-              </a:rPr>
-              <a:t>ratio of the training instances. Setting it to 0.5 means that </a:t>
-            </a:r>
-            <a:r>
-              <a:rPr lang="en-US" sz="1600" dirty="0" err="1">
-                <a:latin typeface="Arial" panose="020B0604020202020204" pitchFamily="34" charset="0"/>
-                <a:cs typeface="Arial" panose="020B0604020202020204" pitchFamily="34" charset="0"/>
-              </a:rPr>
-              <a:t>XGBoost</a:t>
-            </a:r>
-            <a:r>
-              <a:rPr lang="en-US" sz="1600" dirty="0">
-                <a:latin typeface="Arial" panose="020B0604020202020204" pitchFamily="34" charset="0"/>
-                <a:cs typeface="Arial" panose="020B0604020202020204" pitchFamily="34" charset="0"/>
-              </a:rPr>
-              <a:t> would randomly </a:t>
-            </a:r>
-            <a:r>
-              <a:rPr lang="en-US" sz="1600" dirty="0" smtClean="0">
-                <a:latin typeface="Arial" panose="020B0604020202020204" pitchFamily="34" charset="0"/>
-                <a:cs typeface="Arial" panose="020B0604020202020204" pitchFamily="34" charset="0"/>
-              </a:rPr>
-              <a:t>sample </a:t>
-            </a:r>
-            <a:r>
-              <a:rPr lang="en-US" sz="1600" dirty="0">
-                <a:latin typeface="Arial" panose="020B0604020202020204" pitchFamily="34" charset="0"/>
-                <a:cs typeface="Arial" panose="020B0604020202020204" pitchFamily="34" charset="0"/>
-              </a:rPr>
-              <a:t>half </a:t>
-            </a:r>
-            <a:r>
-              <a:rPr lang="en-US" sz="1600" dirty="0" smtClean="0">
-                <a:latin typeface="Arial" panose="020B0604020202020204" pitchFamily="34" charset="0"/>
-                <a:cs typeface="Arial" panose="020B0604020202020204" pitchFamily="34" charset="0"/>
-              </a:rPr>
-              <a:t>of </a:t>
-            </a:r>
-            <a:r>
-              <a:rPr lang="en-US" sz="1600" dirty="0">
-                <a:latin typeface="Arial" panose="020B0604020202020204" pitchFamily="34" charset="0"/>
-                <a:cs typeface="Arial" panose="020B0604020202020204" pitchFamily="34" charset="0"/>
-              </a:rPr>
-              <a:t>the </a:t>
-            </a:r>
-            <a:endParaRPr lang="en-US" sz="1600" dirty="0" smtClean="0">
-              <a:latin typeface="Arial" panose="020B0604020202020204" pitchFamily="34" charset="0"/>
-              <a:cs typeface="Arial" panose="020B0604020202020204" pitchFamily="34" charset="0"/>
-            </a:endParaRPr>
-          </a:p>
-          <a:p>
-            <a:r>
-              <a:rPr lang="en-US" sz="1600" dirty="0">
-                <a:latin typeface="Arial" panose="020B0604020202020204" pitchFamily="34" charset="0"/>
-                <a:cs typeface="Arial" panose="020B0604020202020204" pitchFamily="34" charset="0"/>
-              </a:rPr>
-              <a:t> </a:t>
-            </a:r>
-            <a:r>
-              <a:rPr lang="en-US" sz="1600" dirty="0" smtClean="0">
-                <a:latin typeface="Arial" panose="020B0604020202020204" pitchFamily="34" charset="0"/>
-                <a:cs typeface="Arial" panose="020B0604020202020204" pitchFamily="34" charset="0"/>
-              </a:rPr>
-              <a:t>    training </a:t>
-            </a:r>
-            <a:r>
-              <a:rPr lang="en-US" sz="1600" dirty="0">
-                <a:latin typeface="Arial" panose="020B0604020202020204" pitchFamily="34" charset="0"/>
-                <a:cs typeface="Arial" panose="020B0604020202020204" pitchFamily="34" charset="0"/>
-              </a:rPr>
-              <a:t>data prior to growing </a:t>
-            </a:r>
-            <a:r>
-              <a:rPr lang="en-US" sz="1600" dirty="0" smtClean="0">
-                <a:latin typeface="Arial" panose="020B0604020202020204" pitchFamily="34" charset="0"/>
-                <a:cs typeface="Arial" panose="020B0604020202020204" pitchFamily="34" charset="0"/>
-              </a:rPr>
-              <a:t>trees, </a:t>
-            </a:r>
-            <a:r>
-              <a:rPr lang="en-US" sz="1600" dirty="0">
-                <a:latin typeface="Arial" panose="020B0604020202020204" pitchFamily="34" charset="0"/>
-                <a:cs typeface="Arial" panose="020B0604020202020204" pitchFamily="34" charset="0"/>
-              </a:rPr>
-              <a:t>and this will prevent overfitting. </a:t>
-            </a:r>
-            <a:r>
-              <a:rPr lang="en-US" sz="1600" dirty="0" smtClean="0">
-                <a:latin typeface="Arial" panose="020B0604020202020204" pitchFamily="34" charset="0"/>
-                <a:cs typeface="Arial" panose="020B0604020202020204" pitchFamily="34" charset="0"/>
-              </a:rPr>
-              <a:t>Subsampling </a:t>
-            </a:r>
-            <a:r>
-              <a:rPr lang="en-US" sz="1600" dirty="0">
-                <a:latin typeface="Arial" panose="020B0604020202020204" pitchFamily="34" charset="0"/>
-                <a:cs typeface="Arial" panose="020B0604020202020204" pitchFamily="34" charset="0"/>
-              </a:rPr>
-              <a:t>will occur once in every </a:t>
-            </a:r>
-            <a:r>
-              <a:rPr lang="en-US" sz="1600" dirty="0" smtClean="0">
-                <a:latin typeface="Arial" panose="020B0604020202020204" pitchFamily="34" charset="0"/>
-                <a:cs typeface="Arial" panose="020B0604020202020204" pitchFamily="34" charset="0"/>
-              </a:rPr>
-              <a:t>boosting </a:t>
-            </a:r>
-            <a:r>
-              <a:rPr lang="en-US" sz="1600" dirty="0">
-                <a:latin typeface="Arial" panose="020B0604020202020204" pitchFamily="34" charset="0"/>
-                <a:cs typeface="Arial" panose="020B0604020202020204" pitchFamily="34" charset="0"/>
-              </a:rPr>
-              <a:t>iteration.</a:t>
-            </a:r>
-          </a:p>
-          <a:p>
-            <a:pPr marL="285750" indent="-285750">
-              <a:buFont typeface="Arial" panose="020B0604020202020204" pitchFamily="34" charset="0"/>
-              <a:buChar char="•"/>
-            </a:pPr>
-            <a:r>
-              <a:rPr lang="it-IT" sz="1600" b="1" dirty="0" err="1" smtClean="0">
-                <a:latin typeface="Arial" panose="020B0604020202020204" pitchFamily="34" charset="0"/>
-                <a:cs typeface="Arial" panose="020B0604020202020204" pitchFamily="34" charset="0"/>
-              </a:rPr>
-              <a:t>eta</a:t>
-            </a:r>
-            <a:r>
-              <a:rPr lang="it-IT" sz="1600" b="1" dirty="0" smtClean="0">
-                <a:latin typeface="Arial" panose="020B0604020202020204" pitchFamily="34" charset="0"/>
-                <a:cs typeface="Arial" panose="020B0604020202020204" pitchFamily="34" charset="0"/>
-              </a:rPr>
-              <a:t> </a:t>
-            </a:r>
-            <a:r>
-              <a:rPr lang="it-IT" sz="1600" dirty="0" smtClean="0">
-                <a:latin typeface="Arial" panose="020B0604020202020204" pitchFamily="34" charset="0"/>
-                <a:cs typeface="Arial" panose="020B0604020202020204" pitchFamily="34" charset="0"/>
-              </a:rPr>
-              <a:t>(alias </a:t>
-            </a:r>
-            <a:r>
-              <a:rPr lang="it-IT" sz="1600" i="1" dirty="0" err="1" smtClean="0">
-                <a:latin typeface="Arial" panose="020B0604020202020204" pitchFamily="34" charset="0"/>
-                <a:cs typeface="Arial" panose="020B0604020202020204" pitchFamily="34" charset="0"/>
-              </a:rPr>
-              <a:t>learning</a:t>
-            </a:r>
-            <a:r>
-              <a:rPr lang="it-IT" sz="1600" i="1" dirty="0" smtClean="0">
-                <a:latin typeface="Arial" panose="020B0604020202020204" pitchFamily="34" charset="0"/>
-                <a:cs typeface="Arial" panose="020B0604020202020204" pitchFamily="34" charset="0"/>
-              </a:rPr>
-              <a:t> rate</a:t>
-            </a:r>
-            <a:r>
-              <a:rPr lang="it-IT" sz="1600" dirty="0" smtClean="0">
-                <a:latin typeface="Arial" panose="020B0604020202020204" pitchFamily="34" charset="0"/>
-                <a:cs typeface="Arial" panose="020B0604020202020204" pitchFamily="34" charset="0"/>
-              </a:rPr>
-              <a:t>): </a:t>
-            </a:r>
-            <a:r>
-              <a:rPr lang="en-US" sz="1600" dirty="0">
-                <a:latin typeface="Arial" panose="020B0604020202020204" pitchFamily="34" charset="0"/>
-                <a:cs typeface="Arial" panose="020B0604020202020204" pitchFamily="34" charset="0"/>
-              </a:rPr>
-              <a:t>s</a:t>
-            </a:r>
-            <a:r>
-              <a:rPr lang="en-US" sz="1600" dirty="0" smtClean="0">
-                <a:latin typeface="Arial" panose="020B0604020202020204" pitchFamily="34" charset="0"/>
-                <a:cs typeface="Arial" panose="020B0604020202020204" pitchFamily="34" charset="0"/>
-              </a:rPr>
-              <a:t>tep size shrinkage used in update to prevents overfitting. After each boosting step, we can directly </a:t>
-            </a:r>
-          </a:p>
-          <a:p>
-            <a:r>
-              <a:rPr lang="en-US" sz="1600" dirty="0">
-                <a:latin typeface="Arial" panose="020B0604020202020204" pitchFamily="34" charset="0"/>
-                <a:cs typeface="Arial" panose="020B0604020202020204" pitchFamily="34" charset="0"/>
-              </a:rPr>
-              <a:t> </a:t>
-            </a:r>
-            <a:r>
-              <a:rPr lang="en-US" sz="1600" dirty="0" smtClean="0">
-                <a:latin typeface="Arial" panose="020B0604020202020204" pitchFamily="34" charset="0"/>
-                <a:cs typeface="Arial" panose="020B0604020202020204" pitchFamily="34" charset="0"/>
-              </a:rPr>
-              <a:t>    get the weights of new features, and eta shrinks the feature weights to make the boosting process more conservative.</a:t>
-            </a:r>
-          </a:p>
-          <a:p>
-            <a:pPr marL="285750" indent="-285750">
-              <a:buFont typeface="Arial" panose="020B0604020202020204" pitchFamily="34" charset="0"/>
-              <a:buChar char="•"/>
-            </a:pPr>
-            <a:r>
-              <a:rPr lang="it-IT" sz="1600" b="1" dirty="0" err="1" smtClean="0">
-                <a:latin typeface="Arial" panose="020B0604020202020204" pitchFamily="34" charset="0"/>
-                <a:cs typeface="Arial" panose="020B0604020202020204" pitchFamily="34" charset="0"/>
-              </a:rPr>
-              <a:t>scale_pos_weight</a:t>
-            </a:r>
-            <a:r>
-              <a:rPr lang="it-IT" sz="1600" dirty="0" smtClean="0">
-                <a:latin typeface="Arial" panose="020B0604020202020204" pitchFamily="34" charset="0"/>
-                <a:cs typeface="Arial" panose="020B0604020202020204" pitchFamily="34" charset="0"/>
-              </a:rPr>
-              <a:t>: </a:t>
-            </a:r>
-            <a:r>
-              <a:rPr lang="en-US" sz="1600" dirty="0">
-                <a:latin typeface="Arial" panose="020B0604020202020204" pitchFamily="34" charset="0"/>
-                <a:cs typeface="Arial" panose="020B0604020202020204" pitchFamily="34" charset="0"/>
-              </a:rPr>
-              <a:t>c</a:t>
-            </a:r>
-            <a:r>
-              <a:rPr lang="en-US" sz="1600" dirty="0" smtClean="0">
-                <a:latin typeface="Arial" panose="020B0604020202020204" pitchFamily="34" charset="0"/>
-                <a:cs typeface="Arial" panose="020B0604020202020204" pitchFamily="34" charset="0"/>
-              </a:rPr>
-              <a:t>ontrol the balance of positive and negative weights, useful for unbalanced classes. A typical value to </a:t>
-            </a:r>
-          </a:p>
-          <a:p>
-            <a:r>
-              <a:rPr lang="en-US" sz="1600" dirty="0" smtClean="0">
-                <a:latin typeface="Arial" panose="020B0604020202020204" pitchFamily="34" charset="0"/>
-                <a:cs typeface="Arial" panose="020B0604020202020204" pitchFamily="34" charset="0"/>
-              </a:rPr>
-              <a:t>     consider: sum(negative instances) / sum(positive instances).</a:t>
-            </a:r>
-          </a:p>
-          <a:p>
-            <a:pPr marL="285750" indent="-285750">
-              <a:buFont typeface="Arial" panose="020B0604020202020204" pitchFamily="34" charset="0"/>
-              <a:buChar char="•"/>
-            </a:pPr>
-            <a:r>
-              <a:rPr lang="en-US" sz="1600" b="1" dirty="0" err="1" smtClean="0">
-                <a:latin typeface="Arial" panose="020B0604020202020204" pitchFamily="34" charset="0"/>
-                <a:cs typeface="Arial" panose="020B0604020202020204" pitchFamily="34" charset="0"/>
-              </a:rPr>
-              <a:t>max_delta_step</a:t>
-            </a:r>
-            <a:r>
-              <a:rPr lang="en-US" sz="1600" b="1" dirty="0" smtClean="0">
-                <a:latin typeface="Arial" panose="020B0604020202020204" pitchFamily="34" charset="0"/>
-                <a:cs typeface="Arial" panose="020B0604020202020204" pitchFamily="34" charset="0"/>
-              </a:rPr>
-              <a:t>: </a:t>
-            </a:r>
-            <a:r>
-              <a:rPr lang="en-US" sz="1600" dirty="0">
-                <a:latin typeface="Arial" panose="020B0604020202020204" pitchFamily="34" charset="0"/>
-                <a:cs typeface="Arial" panose="020B0604020202020204" pitchFamily="34" charset="0"/>
-              </a:rPr>
-              <a:t>m</a:t>
-            </a:r>
-            <a:r>
-              <a:rPr lang="en-US" sz="1600" dirty="0" smtClean="0">
-                <a:latin typeface="Arial" panose="020B0604020202020204" pitchFamily="34" charset="0"/>
-                <a:cs typeface="Arial" panose="020B0604020202020204" pitchFamily="34" charset="0"/>
-              </a:rPr>
-              <a:t>aximum </a:t>
-            </a:r>
-            <a:r>
-              <a:rPr lang="en-US" sz="1600" dirty="0">
-                <a:latin typeface="Arial" panose="020B0604020202020204" pitchFamily="34" charset="0"/>
-                <a:cs typeface="Arial" panose="020B0604020202020204" pitchFamily="34" charset="0"/>
-              </a:rPr>
-              <a:t>delta step we allow each leaf output to be. If the value is set to 0, it means there is no constraint. </a:t>
-            </a:r>
-            <a:endParaRPr lang="en-US" sz="1600" dirty="0" smtClean="0">
-              <a:latin typeface="Arial" panose="020B0604020202020204" pitchFamily="34" charset="0"/>
-              <a:cs typeface="Arial" panose="020B0604020202020204" pitchFamily="34" charset="0"/>
-            </a:endParaRPr>
-          </a:p>
-          <a:p>
-            <a:r>
-              <a:rPr lang="en-US" sz="1600" dirty="0">
-                <a:latin typeface="Arial" panose="020B0604020202020204" pitchFamily="34" charset="0"/>
-                <a:cs typeface="Arial" panose="020B0604020202020204" pitchFamily="34" charset="0"/>
-              </a:rPr>
-              <a:t> </a:t>
-            </a:r>
-            <a:r>
-              <a:rPr lang="en-US" sz="1600" dirty="0" smtClean="0">
-                <a:latin typeface="Arial" panose="020B0604020202020204" pitchFamily="34" charset="0"/>
-                <a:cs typeface="Arial" panose="020B0604020202020204" pitchFamily="34" charset="0"/>
-              </a:rPr>
-              <a:t>    If </a:t>
-            </a:r>
-            <a:r>
-              <a:rPr lang="en-US" sz="1600" dirty="0">
-                <a:latin typeface="Arial" panose="020B0604020202020204" pitchFamily="34" charset="0"/>
-                <a:cs typeface="Arial" panose="020B0604020202020204" pitchFamily="34" charset="0"/>
-              </a:rPr>
-              <a:t>it is set to a </a:t>
-            </a:r>
-            <a:r>
-              <a:rPr lang="en-US" sz="1600" dirty="0" smtClean="0">
-                <a:latin typeface="Arial" panose="020B0604020202020204" pitchFamily="34" charset="0"/>
-                <a:cs typeface="Arial" panose="020B0604020202020204" pitchFamily="34" charset="0"/>
-              </a:rPr>
-              <a:t>positive </a:t>
-            </a:r>
-            <a:r>
-              <a:rPr lang="en-US" sz="1600" dirty="0">
-                <a:latin typeface="Arial" panose="020B0604020202020204" pitchFamily="34" charset="0"/>
-                <a:cs typeface="Arial" panose="020B0604020202020204" pitchFamily="34" charset="0"/>
-              </a:rPr>
-              <a:t>value, it can help making the update step more conservative. Usually this parameter is not needed, </a:t>
-            </a:r>
-            <a:r>
-              <a:rPr lang="en-US" sz="1600" dirty="0" smtClean="0">
-                <a:latin typeface="Arial" panose="020B0604020202020204" pitchFamily="34" charset="0"/>
-                <a:cs typeface="Arial" panose="020B0604020202020204" pitchFamily="34" charset="0"/>
-              </a:rPr>
-              <a:t>but </a:t>
-            </a:r>
-          </a:p>
-          <a:p>
-            <a:r>
-              <a:rPr lang="en-US" sz="1600" dirty="0" smtClean="0">
-                <a:latin typeface="Arial" panose="020B0604020202020204" pitchFamily="34" charset="0"/>
-                <a:cs typeface="Arial" panose="020B0604020202020204" pitchFamily="34" charset="0"/>
-              </a:rPr>
-              <a:t>     it </a:t>
-            </a:r>
-            <a:r>
-              <a:rPr lang="en-US" sz="1600" dirty="0">
-                <a:latin typeface="Arial" panose="020B0604020202020204" pitchFamily="34" charset="0"/>
-                <a:cs typeface="Arial" panose="020B0604020202020204" pitchFamily="34" charset="0"/>
-              </a:rPr>
-              <a:t>might help </a:t>
-            </a:r>
-            <a:r>
-              <a:rPr lang="en-US" sz="1600" dirty="0" smtClean="0">
-                <a:latin typeface="Arial" panose="020B0604020202020204" pitchFamily="34" charset="0"/>
-                <a:cs typeface="Arial" panose="020B0604020202020204" pitchFamily="34" charset="0"/>
-              </a:rPr>
-              <a:t>in </a:t>
-            </a:r>
-            <a:r>
-              <a:rPr lang="en-US" sz="1600" dirty="0">
-                <a:latin typeface="Arial" panose="020B0604020202020204" pitchFamily="34" charset="0"/>
-                <a:cs typeface="Arial" panose="020B0604020202020204" pitchFamily="34" charset="0"/>
-              </a:rPr>
-              <a:t>logistic regression when class is extremely imbalanced. Set it to value of 1-10 might help control the update.</a:t>
-            </a:r>
-          </a:p>
-          <a:p>
-            <a:endParaRPr lang="en-US" sz="1600" dirty="0">
-              <a:latin typeface="Arial" panose="020B0604020202020204" pitchFamily="34" charset="0"/>
-              <a:cs typeface="Arial" panose="020B0604020202020204" pitchFamily="34" charset="0"/>
-            </a:endParaRPr>
-          </a:p>
-          <a:p>
-            <a:r>
-              <a:rPr lang="en-US" sz="1600" dirty="0" smtClean="0">
-                <a:latin typeface="Arial" panose="020B0604020202020204" pitchFamily="34" charset="0"/>
-                <a:cs typeface="Arial" panose="020B0604020202020204" pitchFamily="34" charset="0"/>
-              </a:rPr>
-              <a:t>Please note that the previous information has been taken from the references below.</a:t>
-            </a:r>
-            <a:endParaRPr lang="it-IT" sz="1600" dirty="0">
-              <a:latin typeface="Arial" panose="020B0604020202020204" pitchFamily="34" charset="0"/>
-              <a:cs typeface="Arial" panose="020B0604020202020204" pitchFamily="34" charset="0"/>
-            </a:endParaRPr>
-          </a:p>
-        </p:txBody>
-      </p:sp>
-      <p:sp>
-        <p:nvSpPr>
-          <p:cNvPr id="7" name="CasellaDiTesto 6"/>
-          <p:cNvSpPr txBox="1"/>
-          <p:nvPr/>
-        </p:nvSpPr>
-        <p:spPr>
-          <a:xfrm>
-            <a:off x="285750" y="1544636"/>
-            <a:ext cx="9751387" cy="369332"/>
-          </a:xfrm>
-          <a:prstGeom prst="rect">
-            <a:avLst/>
-          </a:prstGeom>
-          <a:noFill/>
-        </p:spPr>
-        <p:txBody>
-          <a:bodyPr wrap="none" rtlCol="0">
-            <a:spAutoFit/>
-          </a:bodyPr>
-          <a:lstStyle/>
-          <a:p>
-            <a:r>
-              <a:rPr lang="it-IT" dirty="0" smtClean="0">
-                <a:latin typeface="Arial" panose="020B0604020202020204" pitchFamily="34" charset="0"/>
-                <a:cs typeface="Arial" panose="020B0604020202020204" pitchFamily="34" charset="0"/>
-              </a:rPr>
-              <a:t>In </a:t>
-            </a:r>
-            <a:r>
-              <a:rPr lang="it-IT" dirty="0" err="1" smtClean="0">
-                <a:latin typeface="Arial" panose="020B0604020202020204" pitchFamily="34" charset="0"/>
-                <a:cs typeface="Arial" panose="020B0604020202020204" pitchFamily="34" charset="0"/>
-              </a:rPr>
-              <a:t>order</a:t>
+              <a:rPr lang="it-IT" dirty="0" err="1" smtClean="0">
+                <a:latin typeface="Arial" panose="020B0604020202020204" pitchFamily="34" charset="0"/>
+                <a:cs typeface="Arial" panose="020B0604020202020204" pitchFamily="34" charset="0"/>
+              </a:rPr>
+              <a:t>merchant</a:t>
+            </a:r>
+            <a:r>
+              <a:rPr lang="it-IT" dirty="0" smtClean="0">
+                <a:latin typeface="Arial" panose="020B0604020202020204" pitchFamily="34" charset="0"/>
+                <a:cs typeface="Arial" panose="020B0604020202020204" pitchFamily="34" charset="0"/>
+              </a:rPr>
+              <a:t> and </a:t>
+            </a:r>
+            <a:r>
+              <a:rPr lang="it-IT" dirty="0" err="1" smtClean="0">
+                <a:latin typeface="Arial" panose="020B0604020202020204" pitchFamily="34" charset="0"/>
+                <a:cs typeface="Arial" panose="020B0604020202020204" pitchFamily="34" charset="0"/>
+              </a:rPr>
+              <a:t>geographical</a:t>
+            </a:r>
+            <a:r>
+              <a:rPr lang="it-IT" dirty="0" smtClean="0">
+                <a:latin typeface="Arial" panose="020B0604020202020204" pitchFamily="34" charset="0"/>
+                <a:cs typeface="Arial" panose="020B0604020202020204" pitchFamily="34" charset="0"/>
+              </a:rPr>
+              <a:t> information are </a:t>
+            </a:r>
+            <a:r>
+              <a:rPr lang="it-IT" dirty="0" err="1" smtClean="0">
+                <a:latin typeface="Arial" panose="020B0604020202020204" pitchFamily="34" charset="0"/>
+                <a:cs typeface="Arial" panose="020B0604020202020204" pitchFamily="34" charset="0"/>
+              </a:rPr>
+              <a:t>likely</a:t>
+            </a:r>
+            <a:r>
+              <a:rPr lang="it-IT" dirty="0" smtClean="0">
+                <a:latin typeface="Arial" panose="020B0604020202020204" pitchFamily="34" charset="0"/>
+                <a:cs typeface="Arial" panose="020B0604020202020204" pitchFamily="34" charset="0"/>
+              </a:rPr>
+              <a:t> to be </a:t>
+            </a:r>
+            <a:r>
+              <a:rPr lang="it-IT" dirty="0" err="1" smtClean="0">
+                <a:latin typeface="Arial" panose="020B0604020202020204" pitchFamily="34" charset="0"/>
+                <a:cs typeface="Arial" panose="020B0604020202020204" pitchFamily="34" charset="0"/>
+              </a:rPr>
+              <a:t>useful</a:t>
             </a:r>
             <a:r>
               <a:rPr lang="it-IT" dirty="0" smtClean="0">
@@ -17166,70 +15893,196 @@
                 <a:latin typeface="Arial" panose="020B0604020202020204" pitchFamily="34" charset="0"/>
                 <a:cs typeface="Arial" panose="020B0604020202020204" pitchFamily="34" charset="0"/>
               </a:rPr>
-              <a:t>improve</a:t>
-            </a:r>
-            <a:r>
-              <a:rPr lang="it-IT" dirty="0" smtClean="0">
-                <a:latin typeface="Arial" panose="020B0604020202020204" pitchFamily="34" charset="0"/>
-                <a:cs typeface="Arial" panose="020B0604020202020204" pitchFamily="34" charset="0"/>
-              </a:rPr>
-              <a:t> the performance of the model, the </a:t>
-            </a:r>
-            <a:r>
-              <a:rPr lang="it-IT" dirty="0" err="1" smtClean="0">
-                <a:latin typeface="Arial" panose="020B0604020202020204" pitchFamily="34" charset="0"/>
-                <a:cs typeface="Arial" panose="020B0604020202020204" pitchFamily="34" charset="0"/>
-              </a:rPr>
-              <a:t>following</a:t>
-            </a:r>
-            <a:r>
-              <a:rPr lang="it-IT" dirty="0" smtClean="0">
-                <a:latin typeface="Arial" panose="020B0604020202020204" pitchFamily="34" charset="0"/>
-                <a:cs typeface="Arial" panose="020B0604020202020204" pitchFamily="34" charset="0"/>
-              </a:rPr>
-              <a:t> </a:t>
-            </a:r>
-            <a:r>
-              <a:rPr lang="it-IT" dirty="0" err="1" smtClean="0">
-                <a:latin typeface="Arial" panose="020B0604020202020204" pitchFamily="34" charset="0"/>
-                <a:cs typeface="Arial" panose="020B0604020202020204" pitchFamily="34" charset="0"/>
-              </a:rPr>
-              <a:t>hyperparameters</a:t>
-            </a:r>
-            <a:r>
-              <a:rPr lang="it-IT" dirty="0" smtClean="0">
-                <a:latin typeface="Arial" panose="020B0604020202020204" pitchFamily="34" charset="0"/>
-                <a:cs typeface="Arial" panose="020B0604020202020204" pitchFamily="34" charset="0"/>
-              </a:rPr>
-              <a:t> </a:t>
-            </a:r>
-            <a:r>
-              <a:rPr lang="it-IT" dirty="0" err="1" smtClean="0">
-                <a:latin typeface="Arial" panose="020B0604020202020204" pitchFamily="34" charset="0"/>
-                <a:cs typeface="Arial" panose="020B0604020202020204" pitchFamily="34" charset="0"/>
-              </a:rPr>
-              <a:t>will</a:t>
-            </a:r>
-            <a:r>
-              <a:rPr lang="it-IT" dirty="0" smtClean="0">
-                <a:latin typeface="Arial" panose="020B0604020202020204" pitchFamily="34" charset="0"/>
-                <a:cs typeface="Arial" panose="020B0604020202020204" pitchFamily="34" charset="0"/>
-              </a:rPr>
-              <a:t> be </a:t>
-            </a:r>
-            <a:r>
-              <a:rPr lang="it-IT" dirty="0" err="1" smtClean="0">
-                <a:latin typeface="Arial" panose="020B0604020202020204" pitchFamily="34" charset="0"/>
-                <a:cs typeface="Arial" panose="020B0604020202020204" pitchFamily="34" charset="0"/>
-              </a:rPr>
-              <a:t>used</a:t>
-            </a:r>
-            <a:r>
-              <a:rPr lang="it-IT" dirty="0" smtClean="0">
-                <a:latin typeface="Arial" panose="020B0604020202020204" pitchFamily="34" charset="0"/>
-                <a:cs typeface="Arial" panose="020B0604020202020204" pitchFamily="34" charset="0"/>
-              </a:rPr>
-              <a:t>: </a:t>
+              <a:t>recognize</a:t>
+            </a:r>
+            <a:r>
+              <a:rPr lang="it-IT" dirty="0" smtClean="0">
+                <a:latin typeface="Arial" panose="020B0604020202020204" pitchFamily="34" charset="0"/>
+                <a:cs typeface="Arial" panose="020B0604020202020204" pitchFamily="34" charset="0"/>
+              </a:rPr>
+              <a:t> a </a:t>
+            </a:r>
+            <a:r>
+              <a:rPr lang="it-IT" dirty="0" err="1" smtClean="0">
+                <a:latin typeface="Arial" panose="020B0604020202020204" pitchFamily="34" charset="0"/>
+                <a:cs typeface="Arial" panose="020B0604020202020204" pitchFamily="34" charset="0"/>
+              </a:rPr>
+              <a:t>fraudulent</a:t>
+            </a:r>
+            <a:r>
+              <a:rPr lang="it-IT" dirty="0" smtClean="0">
+                <a:latin typeface="Arial" panose="020B0604020202020204" pitchFamily="34" charset="0"/>
+                <a:cs typeface="Arial" panose="020B0604020202020204" pitchFamily="34" charset="0"/>
+              </a:rPr>
+              <a:t> </a:t>
+            </a:r>
+            <a:r>
+              <a:rPr lang="it-IT" dirty="0" err="1" smtClean="0">
+                <a:latin typeface="Arial" panose="020B0604020202020204" pitchFamily="34" charset="0"/>
+                <a:cs typeface="Arial" panose="020B0604020202020204" pitchFamily="34" charset="0"/>
+              </a:rPr>
+              <a:t>transaction</a:t>
+            </a:r>
+            <a:r>
+              <a:rPr lang="it-IT" dirty="0" smtClean="0">
+                <a:latin typeface="Arial" panose="020B0604020202020204" pitchFamily="34" charset="0"/>
+                <a:cs typeface="Arial" panose="020B0604020202020204" pitchFamily="34" charset="0"/>
+              </a:rPr>
+              <a:t>. In </a:t>
+            </a:r>
+            <a:r>
+              <a:rPr lang="it-IT" dirty="0" err="1" smtClean="0">
+                <a:latin typeface="Arial" panose="020B0604020202020204" pitchFamily="34" charset="0"/>
+                <a:cs typeface="Arial" panose="020B0604020202020204" pitchFamily="34" charset="0"/>
+              </a:rPr>
+              <a:t>addition</a:t>
+            </a:r>
+            <a:r>
+              <a:rPr lang="it-IT" dirty="0" smtClean="0">
+                <a:latin typeface="Arial" panose="020B0604020202020204" pitchFamily="34" charset="0"/>
+                <a:cs typeface="Arial" panose="020B0604020202020204" pitchFamily="34" charset="0"/>
+              </a:rPr>
+              <a:t>, </a:t>
+            </a:r>
+            <a:r>
+              <a:rPr lang="it-IT" dirty="0" err="1" smtClean="0">
+                <a:latin typeface="Arial" panose="020B0604020202020204" pitchFamily="34" charset="0"/>
+                <a:cs typeface="Arial" panose="020B0604020202020204" pitchFamily="34" charset="0"/>
+              </a:rPr>
+              <a:t>also</a:t>
+            </a:r>
+            <a:r>
+              <a:rPr lang="it-IT" dirty="0" smtClean="0">
+                <a:latin typeface="Arial" panose="020B0604020202020204" pitchFamily="34" charset="0"/>
+                <a:cs typeface="Arial" panose="020B0604020202020204" pitchFamily="34" charset="0"/>
+              </a:rPr>
+              <a:t> </a:t>
+            </a:r>
+            <a:r>
+              <a:rPr lang="it-IT" dirty="0" err="1" smtClean="0">
+                <a:latin typeface="Arial" panose="020B0604020202020204" pitchFamily="34" charset="0"/>
+                <a:cs typeface="Arial" panose="020B0604020202020204" pitchFamily="34" charset="0"/>
+              </a:rPr>
+              <a:t>because</a:t>
+            </a:r>
+            <a:r>
+              <a:rPr lang="it-IT" dirty="0" smtClean="0">
+                <a:latin typeface="Arial" panose="020B0604020202020204" pitchFamily="34" charset="0"/>
+                <a:cs typeface="Arial" panose="020B0604020202020204" pitchFamily="34" charset="0"/>
+              </a:rPr>
+              <a:t> from the </a:t>
+            </a:r>
+            <a:r>
+              <a:rPr lang="it-IT" dirty="0" err="1" smtClean="0">
+                <a:latin typeface="Arial" panose="020B0604020202020204" pitchFamily="34" charset="0"/>
+                <a:cs typeface="Arial" panose="020B0604020202020204" pitchFamily="34" charset="0"/>
+              </a:rPr>
+              <a:t>correlation</a:t>
+            </a:r>
+            <a:r>
+              <a:rPr lang="it-IT" dirty="0" smtClean="0">
+                <a:latin typeface="Arial" panose="020B0604020202020204" pitchFamily="34" charset="0"/>
+                <a:cs typeface="Arial" panose="020B0604020202020204" pitchFamily="34" charset="0"/>
+              </a:rPr>
+              <a:t> </a:t>
+            </a:r>
+            <a:r>
+              <a:rPr lang="it-IT" dirty="0" err="1" smtClean="0">
+                <a:latin typeface="Arial" panose="020B0604020202020204" pitchFamily="34" charset="0"/>
+                <a:cs typeface="Arial" panose="020B0604020202020204" pitchFamily="34" charset="0"/>
+              </a:rPr>
+              <a:t>matrix</a:t>
+            </a:r>
+            <a:r>
+              <a:rPr lang="it-IT" dirty="0" smtClean="0">
+                <a:latin typeface="Arial" panose="020B0604020202020204" pitchFamily="34" charset="0"/>
+                <a:cs typeface="Arial" panose="020B0604020202020204" pitchFamily="34" charset="0"/>
+              </a:rPr>
+              <a:t> </a:t>
+            </a:r>
+            <a:r>
+              <a:rPr lang="it-IT" dirty="0" err="1" smtClean="0">
+                <a:latin typeface="Arial" panose="020B0604020202020204" pitchFamily="34" charset="0"/>
+                <a:cs typeface="Arial" panose="020B0604020202020204" pitchFamily="34" charset="0"/>
+              </a:rPr>
+              <a:t>we</a:t>
+            </a:r>
+            <a:r>
+              <a:rPr lang="it-IT" dirty="0" smtClean="0">
+                <a:latin typeface="Arial" panose="020B0604020202020204" pitchFamily="34" charset="0"/>
+                <a:cs typeface="Arial" panose="020B0604020202020204" pitchFamily="34" charset="0"/>
+              </a:rPr>
+              <a:t> can </a:t>
+            </a:r>
+            <a:r>
+              <a:rPr lang="it-IT" dirty="0" err="1" smtClean="0">
+                <a:latin typeface="Arial" panose="020B0604020202020204" pitchFamily="34" charset="0"/>
+                <a:cs typeface="Arial" panose="020B0604020202020204" pitchFamily="34" charset="0"/>
+              </a:rPr>
+              <a:t>see</a:t>
+            </a:r>
+            <a:r>
+              <a:rPr lang="it-IT" dirty="0" smtClean="0">
+                <a:latin typeface="Arial" panose="020B0604020202020204" pitchFamily="34" charset="0"/>
+                <a:cs typeface="Arial" panose="020B0604020202020204" pitchFamily="34" charset="0"/>
+              </a:rPr>
+              <a:t> a </a:t>
+            </a:r>
+            <a:r>
+              <a:rPr lang="it-IT" dirty="0" err="1" smtClean="0">
+                <a:latin typeface="Arial" panose="020B0604020202020204" pitchFamily="34" charset="0"/>
+                <a:cs typeface="Arial" panose="020B0604020202020204" pitchFamily="34" charset="0"/>
+              </a:rPr>
+              <a:t>slight</a:t>
+            </a:r>
+            <a:r>
+              <a:rPr lang="it-IT" dirty="0" smtClean="0">
+                <a:latin typeface="Arial" panose="020B0604020202020204" pitchFamily="34" charset="0"/>
+                <a:cs typeface="Arial" panose="020B0604020202020204" pitchFamily="34" charset="0"/>
+              </a:rPr>
+              <a:t> linear relation </a:t>
+            </a:r>
+            <a:r>
+              <a:rPr lang="it-IT" dirty="0" err="1" smtClean="0">
+                <a:latin typeface="Arial" panose="020B0604020202020204" pitchFamily="34" charset="0"/>
+                <a:cs typeface="Arial" panose="020B0604020202020204" pitchFamily="34" charset="0"/>
+              </a:rPr>
+              <a:t>between</a:t>
+            </a:r>
+            <a:r>
+              <a:rPr lang="it-IT" dirty="0" smtClean="0">
+                <a:latin typeface="Arial" panose="020B0604020202020204" pitchFamily="34" charset="0"/>
+                <a:cs typeface="Arial" panose="020B0604020202020204" pitchFamily="34" charset="0"/>
+              </a:rPr>
+              <a:t> </a:t>
+            </a:r>
+            <a:r>
+              <a:rPr lang="it-IT" dirty="0" err="1" smtClean="0">
+                <a:latin typeface="Arial" panose="020B0604020202020204" pitchFamily="34" charset="0"/>
+                <a:cs typeface="Arial" panose="020B0604020202020204" pitchFamily="34" charset="0"/>
+              </a:rPr>
+              <a:t>amount</a:t>
+            </a:r>
+            <a:r>
+              <a:rPr lang="it-IT" dirty="0" smtClean="0">
+                <a:latin typeface="Arial" panose="020B0604020202020204" pitchFamily="34" charset="0"/>
+                <a:cs typeface="Arial" panose="020B0604020202020204" pitchFamily="34" charset="0"/>
+              </a:rPr>
+              <a:t> and </a:t>
+            </a:r>
+            <a:r>
+              <a:rPr lang="it-IT" dirty="0" err="1" smtClean="0">
+                <a:latin typeface="Arial" panose="020B0604020202020204" pitchFamily="34" charset="0"/>
+                <a:cs typeface="Arial" panose="020B0604020202020204" pitchFamily="34" charset="0"/>
+              </a:rPr>
+              <a:t>is_fraud</a:t>
+            </a:r>
+            <a:r>
+              <a:rPr lang="it-IT" dirty="0" smtClean="0">
+                <a:latin typeface="Arial" panose="020B0604020202020204" pitchFamily="34" charset="0"/>
+                <a:cs typeface="Arial" panose="020B0604020202020204" pitchFamily="34" charset="0"/>
+              </a:rPr>
+              <a:t>.</a:t>
             </a:r>
             <a:endParaRPr lang="it-IT" dirty="0">
               <a:latin typeface="Arial" panose="020B0604020202020204" pitchFamily="34" charset="0"/>
@@ -17241,7 +16094,7 @@
     </p:spTree>
     <p:extLst>
       <p:ext uri="{BB962C8B-B14F-4D97-AF65-F5344CB8AC3E}">
-        <p14:creationId xmlns:p14="http://schemas.microsoft.com/office/powerpoint/2010/main" val="3016054059"/>
+        <p14:creationId xmlns:p14="http://schemas.microsoft.com/office/powerpoint/2010/main" val="245163812"/>
       </p:ext>
     </p:extLst>
   </p:cSld>
